--- a/跑鞋/prod.pptx
+++ b/跑鞋/prod.pptx
@@ -14,17 +14,15 @@
     <p:sldId id="262" r:id="rId8"/>
     <p:sldId id="263" r:id="rId9"/>
     <p:sldId id="264" r:id="rId10"/>
-    <p:sldId id="265" r:id="rId11"/>
-    <p:sldId id="266" r:id="rId12"/>
-    <p:sldId id="267" r:id="rId13"/>
-    <p:sldId id="269" r:id="rId14"/>
-    <p:sldId id="268" r:id="rId15"/>
-    <p:sldId id="270" r:id="rId16"/>
-    <p:sldId id="271" r:id="rId17"/>
-    <p:sldId id="272" r:id="rId18"/>
-    <p:sldId id="273" r:id="rId19"/>
-    <p:sldId id="275" r:id="rId20"/>
-    <p:sldId id="274" r:id="rId21"/>
+    <p:sldId id="276" r:id="rId11"/>
+    <p:sldId id="265" r:id="rId12"/>
+    <p:sldId id="266" r:id="rId13"/>
+    <p:sldId id="267" r:id="rId14"/>
+    <p:sldId id="269" r:id="rId15"/>
+    <p:sldId id="268" r:id="rId16"/>
+    <p:sldId id="270" r:id="rId17"/>
+    <p:sldId id="275" r:id="rId18"/>
+    <p:sldId id="274" r:id="rId19"/>
   </p:sldIdLst>
   <p:sldSz cx="12192000" cy="6858000"/>
   <p:notesSz cx="6858000" cy="9144000"/>
@@ -123,6 +121,11 @@
       </a:defRPr>
     </a:lvl9pPr>
   </p:defaultTextStyle>
+  <p:extLst>
+    <p:ext uri="{EFAFB233-063F-42B5-8137-9DF3F51BA10A}">
+      <p15:sldGuideLst xmlns:p15="http://schemas.microsoft.com/office/powerpoint/2012/main"/>
+    </p:ext>
+  </p:extLst>
 </p:presentation>
 </file>
 
@@ -257,7 +260,7 @@
           <a:p>
             <a:fld id="{61290F4B-38D6-495C-9C60-65B2A3385605}" type="datetimeFigureOut">
               <a:rPr lang="zh-CN" altLang="en-US" smtClean="0"/>
-              <a:t>2018/11/1</a:t>
+              <a:t>2018/11/2</a:t>
             </a:fld>
             <a:endParaRPr lang="zh-CN" altLang="en-US"/>
           </a:p>
@@ -427,7 +430,7 @@
           <a:p>
             <a:fld id="{61290F4B-38D6-495C-9C60-65B2A3385605}" type="datetimeFigureOut">
               <a:rPr lang="zh-CN" altLang="en-US" smtClean="0"/>
-              <a:t>2018/11/1</a:t>
+              <a:t>2018/11/2</a:t>
             </a:fld>
             <a:endParaRPr lang="zh-CN" altLang="en-US"/>
           </a:p>
@@ -607,7 +610,7 @@
           <a:p>
             <a:fld id="{61290F4B-38D6-495C-9C60-65B2A3385605}" type="datetimeFigureOut">
               <a:rPr lang="zh-CN" altLang="en-US" smtClean="0"/>
-              <a:t>2018/11/1</a:t>
+              <a:t>2018/11/2</a:t>
             </a:fld>
             <a:endParaRPr lang="zh-CN" altLang="en-US"/>
           </a:p>
@@ -777,7 +780,7 @@
           <a:p>
             <a:fld id="{61290F4B-38D6-495C-9C60-65B2A3385605}" type="datetimeFigureOut">
               <a:rPr lang="zh-CN" altLang="en-US" smtClean="0"/>
-              <a:t>2018/11/1</a:t>
+              <a:t>2018/11/2</a:t>
             </a:fld>
             <a:endParaRPr lang="zh-CN" altLang="en-US"/>
           </a:p>
@@ -1023,7 +1026,7 @@
           <a:p>
             <a:fld id="{61290F4B-38D6-495C-9C60-65B2A3385605}" type="datetimeFigureOut">
               <a:rPr lang="zh-CN" altLang="en-US" smtClean="0"/>
-              <a:t>2018/11/1</a:t>
+              <a:t>2018/11/2</a:t>
             </a:fld>
             <a:endParaRPr lang="zh-CN" altLang="en-US"/>
           </a:p>
@@ -1255,7 +1258,7 @@
           <a:p>
             <a:fld id="{61290F4B-38D6-495C-9C60-65B2A3385605}" type="datetimeFigureOut">
               <a:rPr lang="zh-CN" altLang="en-US" smtClean="0"/>
-              <a:t>2018/11/1</a:t>
+              <a:t>2018/11/2</a:t>
             </a:fld>
             <a:endParaRPr lang="zh-CN" altLang="en-US"/>
           </a:p>
@@ -1622,7 +1625,7 @@
           <a:p>
             <a:fld id="{61290F4B-38D6-495C-9C60-65B2A3385605}" type="datetimeFigureOut">
               <a:rPr lang="zh-CN" altLang="en-US" smtClean="0"/>
-              <a:t>2018/11/1</a:t>
+              <a:t>2018/11/2</a:t>
             </a:fld>
             <a:endParaRPr lang="zh-CN" altLang="en-US"/>
           </a:p>
@@ -1740,7 +1743,7 @@
           <a:p>
             <a:fld id="{61290F4B-38D6-495C-9C60-65B2A3385605}" type="datetimeFigureOut">
               <a:rPr lang="zh-CN" altLang="en-US" smtClean="0"/>
-              <a:t>2018/11/1</a:t>
+              <a:t>2018/11/2</a:t>
             </a:fld>
             <a:endParaRPr lang="zh-CN" altLang="en-US"/>
           </a:p>
@@ -1835,7 +1838,7 @@
           <a:p>
             <a:fld id="{61290F4B-38D6-495C-9C60-65B2A3385605}" type="datetimeFigureOut">
               <a:rPr lang="zh-CN" altLang="en-US" smtClean="0"/>
-              <a:t>2018/11/1</a:t>
+              <a:t>2018/11/2</a:t>
             </a:fld>
             <a:endParaRPr lang="zh-CN" altLang="en-US"/>
           </a:p>
@@ -2112,7 +2115,7 @@
           <a:p>
             <a:fld id="{61290F4B-38D6-495C-9C60-65B2A3385605}" type="datetimeFigureOut">
               <a:rPr lang="zh-CN" altLang="en-US" smtClean="0"/>
-              <a:t>2018/11/1</a:t>
+              <a:t>2018/11/2</a:t>
             </a:fld>
             <a:endParaRPr lang="zh-CN" altLang="en-US"/>
           </a:p>
@@ -2365,7 +2368,7 @@
           <a:p>
             <a:fld id="{61290F4B-38D6-495C-9C60-65B2A3385605}" type="datetimeFigureOut">
               <a:rPr lang="zh-CN" altLang="en-US" smtClean="0"/>
-              <a:t>2018/11/1</a:t>
+              <a:t>2018/11/2</a:t>
             </a:fld>
             <a:endParaRPr lang="zh-CN" altLang="en-US"/>
           </a:p>
@@ -2578,7 +2581,7 @@
           <a:p>
             <a:fld id="{61290F4B-38D6-495C-9C60-65B2A3385605}" type="datetimeFigureOut">
               <a:rPr lang="zh-CN" altLang="en-US" smtClean="0"/>
-              <a:t>2018/11/1</a:t>
+              <a:t>2018/11/2</a:t>
             </a:fld>
             <a:endParaRPr lang="zh-CN" altLang="en-US"/>
           </a:p>
@@ -3061,7 +3064,7 @@
         </p:nvSpPr>
         <p:spPr>
           <a:xfrm>
-            <a:off x="1352393" y="440267"/>
+            <a:off x="1652643" y="411848"/>
             <a:ext cx="9144000" cy="1037696"/>
           </a:xfrm>
           <a:prstGeom prst="rect">
@@ -3093,167 +3096,25 @@
           </a:lstStyle>
           <a:p>
             <a:r>
-              <a:rPr kumimoji="1" lang="zh-CN" altLang="en-US" dirty="0" smtClean="0"/>
-              <a:t>正常足弓</a:t>
+              <a:rPr lang="zh-CN" altLang="en-US" dirty="0"/>
+              <a:t>足</a:t>
+            </a:r>
+            <a:r>
+              <a:rPr lang="zh-CN" altLang="en-US" dirty="0" smtClean="0"/>
+              <a:t>弓对</a:t>
+            </a:r>
+            <a:r>
+              <a:rPr lang="zh-CN" altLang="en-US" dirty="0"/>
+              <a:t>跑步很重要</a:t>
             </a:r>
             <a:endParaRPr kumimoji="1" lang="zh-CN" altLang="en-US" dirty="0"/>
-          </a:p>
-        </p:txBody>
-      </p:sp>
-      <p:pic>
-        <p:nvPicPr>
-          <p:cNvPr id="4" name="Picture 2" descr="http://hupu-run.hupucdn.com/PostImg_4657ab26a38d326adc385d5ef8f9ab3d.gif?imageView2/2/w/720"/>
-          <p:cNvPicPr>
-            <a:picLocks noChangeAspect="1" noChangeArrowheads="1"/>
-          </p:cNvPicPr>
-          <p:nvPr/>
-        </p:nvPicPr>
-        <p:blipFill>
-          <a:blip r:embed="rId2">
-            <a:extLst>
-              <a:ext uri="{28A0092B-C50C-407E-A947-70E740481C1C}">
-                <a14:useLocalDpi xmlns:a14="http://schemas.microsoft.com/office/drawing/2010/main" val="0"/>
-              </a:ext>
-            </a:extLst>
-          </a:blip>
-          <a:srcRect/>
-          <a:stretch>
-            <a:fillRect/>
-          </a:stretch>
-        </p:blipFill>
-        <p:spPr bwMode="auto">
-          <a:xfrm>
-            <a:off x="7507362" y="164080"/>
-            <a:ext cx="1590070" cy="1590070"/>
-          </a:xfrm>
-          <a:prstGeom prst="rect">
-            <a:avLst/>
-          </a:prstGeom>
-          <a:noFill/>
-          <a:extLst>
-            <a:ext uri="{909E8E84-426E-40DD-AFC4-6F175D3DCCD1}">
-              <a14:hiddenFill xmlns:a14="http://schemas.microsoft.com/office/drawing/2010/main">
-                <a:solidFill>
-                  <a:srgbClr val="FFFFFF"/>
-                </a:solidFill>
-              </a14:hiddenFill>
-            </a:ext>
-          </a:extLst>
-        </p:spPr>
-      </p:pic>
-      <p:sp>
-        <p:nvSpPr>
-          <p:cNvPr id="5" name="矩形 4"/>
-          <p:cNvSpPr/>
-          <p:nvPr/>
-        </p:nvSpPr>
-        <p:spPr>
-          <a:xfrm>
-            <a:off x="578764" y="4883460"/>
-            <a:ext cx="11403970" cy="646331"/>
-          </a:xfrm>
-          <a:prstGeom prst="rect">
-            <a:avLst/>
-          </a:prstGeom>
-        </p:spPr>
-        <p:txBody>
-          <a:bodyPr wrap="square">
-            <a:spAutoFit/>
-          </a:bodyPr>
-          <a:lstStyle/>
-          <a:p>
-            <a:r>
-              <a:rPr lang="zh-CN" altLang="en-US" dirty="0">
-                <a:solidFill>
-                  <a:srgbClr val="1A1A1A"/>
-                </a:solidFill>
-                <a:latin typeface="-apple-system" charset="0"/>
-              </a:rPr>
-              <a:t>正常内旋的跑者，后跟落地之后，脚底与地面之间基本保持平稳。启动时，前掌整体发力，而内侧是主要发力区。这样的发力更加均衡、落地亦更加平稳，跑步时更加高效。</a:t>
-            </a:r>
-            <a:endParaRPr lang="zh-CN" altLang="en-US" dirty="0"/>
-          </a:p>
-        </p:txBody>
-      </p:sp>
-      <p:pic>
-        <p:nvPicPr>
-          <p:cNvPr id="6" name="Picture 12" descr="https://pic1.zhimg.com/80/v2-59aba05a7ba79ace2891926353fdacc8_hd.jpg"/>
-          <p:cNvPicPr>
-            <a:picLocks noChangeAspect="1" noChangeArrowheads="1"/>
-          </p:cNvPicPr>
-          <p:nvPr/>
-        </p:nvPicPr>
-        <p:blipFill>
-          <a:blip r:embed="rId3">
-            <a:extLst>
-              <a:ext uri="{28A0092B-C50C-407E-A947-70E740481C1C}">
-                <a14:useLocalDpi xmlns:a14="http://schemas.microsoft.com/office/drawing/2010/main" val="0"/>
-              </a:ext>
-            </a:extLst>
-          </a:blip>
-          <a:srcRect/>
-          <a:stretch>
-            <a:fillRect/>
-          </a:stretch>
-        </p:blipFill>
-        <p:spPr bwMode="auto">
-          <a:xfrm>
-            <a:off x="3522131" y="2228211"/>
-            <a:ext cx="5715000" cy="1905000"/>
-          </a:xfrm>
-          <a:prstGeom prst="rect">
-            <a:avLst/>
-          </a:prstGeom>
-          <a:noFill/>
-          <a:extLst>
-            <a:ext uri="{909E8E84-426E-40DD-AFC4-6F175D3DCCD1}">
-              <a14:hiddenFill xmlns:a14="http://schemas.microsoft.com/office/drawing/2010/main">
-                <a:solidFill>
-                  <a:srgbClr val="FFFFFF"/>
-                </a:solidFill>
-              </a14:hiddenFill>
-            </a:ext>
-          </a:extLst>
-        </p:spPr>
-      </p:pic>
-      <p:sp>
-        <p:nvSpPr>
-          <p:cNvPr id="7" name="矩形 6"/>
-          <p:cNvSpPr/>
-          <p:nvPr/>
-        </p:nvSpPr>
-        <p:spPr>
-          <a:xfrm>
-            <a:off x="578764" y="5782818"/>
-            <a:ext cx="1114408" cy="369332"/>
-          </a:xfrm>
-          <a:prstGeom prst="rect">
-            <a:avLst/>
-          </a:prstGeom>
-        </p:spPr>
-        <p:txBody>
-          <a:bodyPr wrap="none">
-            <a:spAutoFit/>
-          </a:bodyPr>
-          <a:lstStyle/>
-          <a:p>
-            <a:r>
-              <a:rPr lang="zh-CN" altLang="en-US" b="1" dirty="0" smtClean="0">
-                <a:solidFill>
-                  <a:srgbClr val="E53333"/>
-                </a:solidFill>
-                <a:latin typeface="-apple-system-font" charset="0"/>
-              </a:rPr>
-              <a:t>缓冲减震</a:t>
-            </a:r>
-            <a:endParaRPr lang="zh-CN" altLang="en-US" dirty="0"/>
           </a:p>
         </p:txBody>
       </p:sp>
     </p:spTree>
     <p:extLst>
       <p:ext uri="{BB962C8B-B14F-4D97-AF65-F5344CB8AC3E}">
-        <p14:creationId xmlns:p14="http://schemas.microsoft.com/office/powerpoint/2010/main" val="1586499312"/>
+        <p14:creationId xmlns:p14="http://schemas.microsoft.com/office/powerpoint/2010/main" val="1806691004"/>
       </p:ext>
     </p:extLst>
   </p:cSld>
@@ -3323,84 +3184,15 @@
           <a:p>
             <a:r>
               <a:rPr kumimoji="1" lang="zh-CN" altLang="en-US" dirty="0" smtClean="0"/>
-              <a:t>低足弓</a:t>
+              <a:t>正常足弓</a:t>
             </a:r>
             <a:endParaRPr kumimoji="1" lang="zh-CN" altLang="en-US" dirty="0"/>
-          </a:p>
-        </p:txBody>
-      </p:sp>
-      <p:sp>
-        <p:nvSpPr>
-          <p:cNvPr id="5" name="矩形 4"/>
-          <p:cNvSpPr/>
-          <p:nvPr/>
-        </p:nvSpPr>
-        <p:spPr>
-          <a:xfrm>
-            <a:off x="578764" y="4883460"/>
-            <a:ext cx="11403970" cy="1200329"/>
-          </a:xfrm>
-          <a:prstGeom prst="rect">
-            <a:avLst/>
-          </a:prstGeom>
-        </p:spPr>
-        <p:txBody>
-          <a:bodyPr wrap="square">
-            <a:spAutoFit/>
-          </a:bodyPr>
-          <a:lstStyle/>
-          <a:p>
-            <a:r>
-              <a:rPr lang="zh-CN" altLang="en-US" dirty="0" smtClean="0">
-                <a:solidFill>
-                  <a:srgbClr val="1A1A1A"/>
-                </a:solidFill>
-                <a:latin typeface="-apple-system" charset="0"/>
-              </a:rPr>
-              <a:t>你跑起来的时候，足弓部分会向内侧“塌陷”。尽管这样可以起到减震的效果，但额外的内旋会加重双脚和膝盖的负担，增加受伤的风险。</a:t>
-            </a:r>
-            <a:endParaRPr lang="en-US" altLang="zh-CN" dirty="0" smtClean="0">
-              <a:solidFill>
-                <a:srgbClr val="1A1A1A"/>
-              </a:solidFill>
-              <a:latin typeface="-apple-system" charset="0"/>
-            </a:endParaRPr>
-          </a:p>
-          <a:p>
-            <a:r>
-              <a:rPr lang="zh-CN" altLang="en-US" dirty="0" smtClean="0">
-                <a:solidFill>
-                  <a:srgbClr val="1A1A1A"/>
-                </a:solidFill>
-                <a:latin typeface="-apple-system" charset="0"/>
-              </a:rPr>
-              <a:t>过度内旋跑者，后跟落地之后，脚向内移动（内旋）超过</a:t>
-            </a:r>
-            <a:r>
-              <a:rPr lang="en-US" altLang="zh-CN" dirty="0" smtClean="0">
-                <a:solidFill>
-                  <a:srgbClr val="1A1A1A"/>
-                </a:solidFill>
-                <a:latin typeface="-apple-system" charset="0"/>
-              </a:rPr>
-              <a:t>15</a:t>
-            </a:r>
-            <a:r>
-              <a:rPr lang="zh-CN" altLang="en-US" dirty="0" smtClean="0">
-                <a:solidFill>
-                  <a:srgbClr val="1A1A1A"/>
-                </a:solidFill>
-                <a:latin typeface="-apple-system" charset="0"/>
-              </a:rPr>
-              <a:t>度以上，起步时，大拇脚指以及足内侧提供了绝大部分起步时所需的推动力。这样的发力，使稳定性变差，对于足部以及腿部会有较高的支撑要求。</a:t>
-            </a:r>
-            <a:endParaRPr lang="zh-CN" altLang="en-US" dirty="0" smtClean="0"/>
           </a:p>
         </p:txBody>
       </p:sp>
       <p:pic>
         <p:nvPicPr>
-          <p:cNvPr id="7" name="Picture 4" descr="http://hupu-run.hupucdn.com/PostImg_6d8e00a24106314f013f70fcd4fe2add.gif?imageView2/2/w/720"/>
+          <p:cNvPr id="4" name="Picture 2" descr="http://hupu-run.hupucdn.com/PostImg_4657ab26a38d326adc385d5ef8f9ab3d.gif?imageView2/2/w/720"/>
           <p:cNvPicPr>
             <a:picLocks noChangeAspect="1" noChangeArrowheads="1"/>
           </p:cNvPicPr>
@@ -3421,8 +3213,8 @@
         </p:blipFill>
         <p:spPr bwMode="auto">
           <a:xfrm>
-            <a:off x="6991255" y="222089"/>
-            <a:ext cx="1477469" cy="1477469"/>
+            <a:off x="7507362" y="164080"/>
+            <a:ext cx="1590070" cy="1590070"/>
           </a:xfrm>
           <a:prstGeom prst="rect">
             <a:avLst/>
@@ -3439,9 +3231,43 @@
           </a:extLst>
         </p:spPr>
       </p:pic>
+      <p:sp>
+        <p:nvSpPr>
+          <p:cNvPr id="5" name="矩形 4"/>
+          <p:cNvSpPr/>
+          <p:nvPr/>
+        </p:nvSpPr>
+        <p:spPr>
+          <a:xfrm>
+            <a:off x="578764" y="4883460"/>
+            <a:ext cx="11403970" cy="646331"/>
+          </a:xfrm>
+          <a:prstGeom prst="rect">
+            <a:avLst/>
+          </a:prstGeom>
+        </p:spPr>
+        <p:txBody>
+          <a:bodyPr wrap="square">
+            <a:spAutoFit/>
+          </a:bodyPr>
+          <a:lstStyle/>
+          <a:p>
+            <a:r>
+              <a:rPr lang="zh-CN" altLang="en-US" dirty="0">
+                <a:solidFill>
+                  <a:srgbClr val="1A1A1A"/>
+                </a:solidFill>
+                <a:latin typeface="-apple-system" charset="0"/>
+              </a:rPr>
+              <a:t>正常内旋的跑者，后跟落地之后，脚底与地面之间基本保持平稳。启动时，前掌整体发力，而内侧是主要发力区。这样的发力更加均衡、落地亦更加平稳，跑步时更加高效。</a:t>
+            </a:r>
+            <a:endParaRPr lang="zh-CN" altLang="en-US" dirty="0"/>
+          </a:p>
+        </p:txBody>
+      </p:sp>
       <p:pic>
         <p:nvPicPr>
-          <p:cNvPr id="8" name="Picture 10" descr="https://pic4.zhimg.com/80/v2-c4c468b5c31ade2447658eed90651033_hd.jpg"/>
+          <p:cNvPr id="6" name="Picture 12" descr="https://pic1.zhimg.com/80/v2-59aba05a7ba79ace2891926353fdacc8_hd.jpg"/>
           <p:cNvPicPr>
             <a:picLocks noChangeAspect="1" noChangeArrowheads="1"/>
           </p:cNvPicPr>
@@ -3462,7 +3288,7 @@
         </p:blipFill>
         <p:spPr bwMode="auto">
           <a:xfrm>
-            <a:off x="3066893" y="2228211"/>
+            <a:off x="3522131" y="2228211"/>
             <a:ext cx="5715000" cy="1905000"/>
           </a:xfrm>
           <a:prstGeom prst="rect">
@@ -3482,14 +3308,14 @@
       </p:pic>
       <p:sp>
         <p:nvSpPr>
-          <p:cNvPr id="9" name="矩形 8"/>
+          <p:cNvPr id="7" name="矩形 6"/>
           <p:cNvSpPr/>
           <p:nvPr/>
         </p:nvSpPr>
         <p:spPr>
           <a:xfrm>
-            <a:off x="607324" y="6192251"/>
-            <a:ext cx="1346844" cy="369332"/>
+            <a:off x="578764" y="5782818"/>
+            <a:ext cx="1114408" cy="369332"/>
           </a:xfrm>
           <a:prstGeom prst="rect">
             <a:avLst/>
@@ -3508,7 +3334,7 @@
                 </a:solidFill>
                 <a:latin typeface="-apple-system-font" charset="0"/>
               </a:rPr>
-              <a:t>支撑、控制</a:t>
+              <a:t>缓冲减震</a:t>
             </a:r>
             <a:endParaRPr lang="zh-CN" altLang="en-US" dirty="0"/>
           </a:p>
@@ -3517,7 +3343,7 @@
     </p:spTree>
     <p:extLst>
       <p:ext uri="{BB962C8B-B14F-4D97-AF65-F5344CB8AC3E}">
-        <p14:creationId xmlns:p14="http://schemas.microsoft.com/office/powerpoint/2010/main" val="2689885692"/>
+        <p14:creationId xmlns:p14="http://schemas.microsoft.com/office/powerpoint/2010/main" val="1586499312"/>
       </p:ext>
     </p:extLst>
   </p:cSld>
@@ -3587,7 +3413,7 @@
           <a:p>
             <a:r>
               <a:rPr kumimoji="1" lang="zh-CN" altLang="en-US" dirty="0" smtClean="0"/>
-              <a:t>高足弓</a:t>
+              <a:t>低足弓</a:t>
             </a:r>
             <a:endParaRPr kumimoji="1" lang="zh-CN" altLang="en-US" dirty="0"/>
           </a:p>
@@ -3602,7 +3428,7 @@
         <p:spPr>
           <a:xfrm>
             <a:off x="578764" y="4883460"/>
-            <a:ext cx="11403970" cy="646331"/>
+            <a:ext cx="11403970" cy="1200329"/>
           </a:xfrm>
           <a:prstGeom prst="rect">
             <a:avLst/>
@@ -3621,15 +3447,50 @@
                 </a:solidFill>
                 <a:latin typeface="-apple-system" charset="0"/>
               </a:rPr>
-              <a:t>内旋不足的跑者，后跟落地之后，足部外侧与地面接触较多；启动时，前掌外侧为主要发力点。大部分的冲击力以及身体重量都压在足部、腿部外侧，对于缓震有较高的要求。</a:t>
-            </a:r>
-            <a:endParaRPr lang="zh-CN" altLang="en-US" dirty="0"/>
+              <a:t>你跑起来的时候，足弓部分会向内侧“塌陷”。尽管这样可以起到减震的效果，但额外的内旋会加重双脚和膝盖的负担，增加受伤的风险。</a:t>
+            </a:r>
+            <a:endParaRPr lang="en-US" altLang="zh-CN" dirty="0" smtClean="0">
+              <a:solidFill>
+                <a:srgbClr val="1A1A1A"/>
+              </a:solidFill>
+              <a:latin typeface="-apple-system" charset="0"/>
+            </a:endParaRPr>
+          </a:p>
+          <a:p>
+            <a:r>
+              <a:rPr lang="zh-CN" altLang="en-US" dirty="0" smtClean="0">
+                <a:solidFill>
+                  <a:srgbClr val="1A1A1A"/>
+                </a:solidFill>
+                <a:latin typeface="-apple-system" charset="0"/>
+              </a:rPr>
+              <a:t>过度内旋跑者，后跟落地之后，脚向内移动（内旋）超过</a:t>
+            </a:r>
+            <a:r>
+              <a:rPr lang="en-US" altLang="zh-CN" dirty="0" smtClean="0">
+                <a:solidFill>
+                  <a:srgbClr val="1A1A1A"/>
+                </a:solidFill>
+                <a:latin typeface="-apple-system" charset="0"/>
+              </a:rPr>
+              <a:t>15</a:t>
+            </a:r>
+            <a:r>
+              <a:rPr lang="zh-CN" altLang="en-US" dirty="0" smtClean="0">
+                <a:solidFill>
+                  <a:srgbClr val="1A1A1A"/>
+                </a:solidFill>
+                <a:latin typeface="-apple-system" charset="0"/>
+              </a:rPr>
+              <a:t>度以上，起步时，大拇脚指以及足内侧提供了绝大部分起步时所需的推动力。这样的发力，使稳定性变差，对于足部以及腿部会有较高的支撑要求。</a:t>
+            </a:r>
+            <a:endParaRPr lang="zh-CN" altLang="en-US" dirty="0" smtClean="0"/>
           </a:p>
         </p:txBody>
       </p:sp>
       <p:pic>
         <p:nvPicPr>
-          <p:cNvPr id="6" name="Picture 6" descr="http://hupu-run.hupucdn.com/PostImg_4f2873759e1d5af0d1ea2baa667b9d71.gif?imageView2/2/w/720"/>
+          <p:cNvPr id="7" name="Picture 4" descr="http://hupu-run.hupucdn.com/PostImg_6d8e00a24106314f013f70fcd4fe2add.gif?imageView2/2/w/720"/>
           <p:cNvPicPr>
             <a:picLocks noChangeAspect="1" noChangeArrowheads="1"/>
           </p:cNvPicPr>
@@ -3650,8 +3511,8 @@
         </p:blipFill>
         <p:spPr bwMode="auto">
           <a:xfrm>
-            <a:off x="7285883" y="327853"/>
-            <a:ext cx="1475097" cy="1475097"/>
+            <a:off x="6991255" y="222089"/>
+            <a:ext cx="1477469" cy="1477469"/>
           </a:xfrm>
           <a:prstGeom prst="rect">
             <a:avLst/>
@@ -3670,7 +3531,7 @@
       </p:pic>
       <p:pic>
         <p:nvPicPr>
-          <p:cNvPr id="9" name="Picture 8" descr="https://pic4.zhimg.com/80/v2-0bcbce59bc91f93afbfe25f7d528c0d3_hd.jpg"/>
+          <p:cNvPr id="8" name="Picture 10" descr="https://pic4.zhimg.com/80/v2-c4c468b5c31ade2447658eed90651033_hd.jpg"/>
           <p:cNvPicPr>
             <a:picLocks noChangeAspect="1" noChangeArrowheads="1"/>
           </p:cNvPicPr>
@@ -3691,7 +3552,7 @@
         </p:blipFill>
         <p:spPr bwMode="auto">
           <a:xfrm>
-            <a:off x="3423249" y="2228211"/>
+            <a:off x="3066893" y="2228211"/>
             <a:ext cx="5715000" cy="1905000"/>
           </a:xfrm>
           <a:prstGeom prst="rect">
@@ -3711,14 +3572,14 @@
       </p:pic>
       <p:sp>
         <p:nvSpPr>
-          <p:cNvPr id="10" name="矩形 9"/>
+          <p:cNvPr id="9" name="矩形 8"/>
           <p:cNvSpPr/>
           <p:nvPr/>
         </p:nvSpPr>
         <p:spPr>
           <a:xfrm>
-            <a:off x="578764" y="5782818"/>
-            <a:ext cx="1114408" cy="369332"/>
+            <a:off x="607324" y="6192251"/>
+            <a:ext cx="1346844" cy="369332"/>
           </a:xfrm>
           <a:prstGeom prst="rect">
             <a:avLst/>
@@ -3737,7 +3598,7 @@
                 </a:solidFill>
                 <a:latin typeface="-apple-system-font" charset="0"/>
               </a:rPr>
-              <a:t>缓冲减震</a:t>
+              <a:t>支撑、控制</a:t>
             </a:r>
             <a:endParaRPr lang="zh-CN" altLang="en-US" dirty="0"/>
           </a:p>
@@ -3746,7 +3607,7 @@
     </p:spTree>
     <p:extLst>
       <p:ext uri="{BB962C8B-B14F-4D97-AF65-F5344CB8AC3E}">
-        <p14:creationId xmlns:p14="http://schemas.microsoft.com/office/powerpoint/2010/main" val="854331481"/>
+        <p14:creationId xmlns:p14="http://schemas.microsoft.com/office/powerpoint/2010/main" val="2689885692"/>
       </p:ext>
     </p:extLst>
   </p:cSld>
@@ -3816,7 +3677,7 @@
           <a:p>
             <a:r>
               <a:rPr kumimoji="1" lang="zh-CN" altLang="en-US" dirty="0" smtClean="0"/>
-              <a:t>如何知道自己是什么足形</a:t>
+              <a:t>高足弓</a:t>
             </a:r>
             <a:endParaRPr kumimoji="1" lang="zh-CN" altLang="en-US" dirty="0"/>
           </a:p>
@@ -3824,14 +3685,14 @@
       </p:sp>
       <p:sp>
         <p:nvSpPr>
-          <p:cNvPr id="7" name="矩形 6"/>
+          <p:cNvPr id="5" name="矩形 4"/>
           <p:cNvSpPr/>
           <p:nvPr/>
         </p:nvSpPr>
         <p:spPr>
           <a:xfrm>
-            <a:off x="1860393" y="1812583"/>
-            <a:ext cx="8636000" cy="369332"/>
+            <a:off x="578764" y="4883460"/>
+            <a:ext cx="11403970" cy="646331"/>
           </a:xfrm>
           <a:prstGeom prst="rect">
             <a:avLst/>
@@ -3846,50 +3707,98 @@
             <a:r>
               <a:rPr lang="zh-CN" altLang="en-US" dirty="0" smtClean="0">
                 <a:solidFill>
-                  <a:srgbClr val="191919"/>
+                  <a:srgbClr val="1A1A1A"/>
                 </a:solidFill>
-                <a:latin typeface="PingFang SC" charset="-122"/>
+                <a:latin typeface="-apple-system" charset="0"/>
               </a:rPr>
-              <a:t>踩在纸上</a:t>
+              <a:t>内旋不足的跑者，后跟落地之后，足部外侧与地面接触较多；启动时，前掌外侧为主要发力点。大部分的冲击力以及身体重量都压在足部、腿部外侧，对于缓震有较高的要求。</a:t>
             </a:r>
             <a:endParaRPr lang="zh-CN" altLang="en-US" dirty="0"/>
           </a:p>
         </p:txBody>
       </p:sp>
-      <p:sp>
-        <p:nvSpPr>
-          <p:cNvPr id="8" name="矩形 7"/>
-          <p:cNvSpPr/>
+      <p:pic>
+        <p:nvPicPr>
+          <p:cNvPr id="6" name="Picture 6" descr="http://hupu-run.hupucdn.com/PostImg_4f2873759e1d5af0d1ea2baa667b9d71.gif?imageView2/2/w/720"/>
+          <p:cNvPicPr>
+            <a:picLocks noChangeAspect="1" noChangeArrowheads="1"/>
+          </p:cNvPicPr>
           <p:nvPr/>
-        </p:nvSpPr>
-        <p:spPr>
-          <a:xfrm>
-            <a:off x="1860393" y="2516535"/>
-            <a:ext cx="8636000" cy="369332"/>
+        </p:nvPicPr>
+        <p:blipFill>
+          <a:blip r:embed="rId2">
+            <a:extLst>
+              <a:ext uri="{28A0092B-C50C-407E-A947-70E740481C1C}">
+                <a14:useLocalDpi xmlns:a14="http://schemas.microsoft.com/office/drawing/2010/main" val="0"/>
+              </a:ext>
+            </a:extLst>
+          </a:blip>
+          <a:srcRect/>
+          <a:stretch>
+            <a:fillRect/>
+          </a:stretch>
+        </p:blipFill>
+        <p:spPr bwMode="auto">
+          <a:xfrm>
+            <a:off x="7285883" y="327853"/>
+            <a:ext cx="1475097" cy="1475097"/>
           </a:xfrm>
           <a:prstGeom prst="rect">
             <a:avLst/>
           </a:prstGeom>
-        </p:spPr>
-        <p:txBody>
-          <a:bodyPr wrap="square">
-            <a:spAutoFit/>
-          </a:bodyPr>
-          <a:lstStyle/>
-          <a:p>
-            <a:r>
-              <a:rPr lang="zh-CN" altLang="en-US">
+          <a:noFill/>
+          <a:extLst>
+            <a:ext uri="{909E8E84-426E-40DD-AFC4-6F175D3DCCD1}">
+              <a14:hiddenFill xmlns:a14="http://schemas.microsoft.com/office/drawing/2010/main">
                 <a:solidFill>
-                  <a:srgbClr val="191919"/>
+                  <a:srgbClr val="FFFFFF"/>
                 </a:solidFill>
-                <a:latin typeface="PingFang SC" charset="-122"/>
-              </a:rPr>
-              <a:t>拿出一双穿过鞋子（穿的时间越久越好），查看鞋底的磨损程度</a:t>
-            </a:r>
-            <a:endParaRPr lang="zh-CN" altLang="en-US"/>
-          </a:p>
-        </p:txBody>
-      </p:sp>
+              </a14:hiddenFill>
+            </a:ext>
+          </a:extLst>
+        </p:spPr>
+      </p:pic>
+      <p:pic>
+        <p:nvPicPr>
+          <p:cNvPr id="9" name="Picture 8" descr="https://pic4.zhimg.com/80/v2-0bcbce59bc91f93afbfe25f7d528c0d3_hd.jpg"/>
+          <p:cNvPicPr>
+            <a:picLocks noChangeAspect="1" noChangeArrowheads="1"/>
+          </p:cNvPicPr>
+          <p:nvPr/>
+        </p:nvPicPr>
+        <p:blipFill>
+          <a:blip r:embed="rId3">
+            <a:extLst>
+              <a:ext uri="{28A0092B-C50C-407E-A947-70E740481C1C}">
+                <a14:useLocalDpi xmlns:a14="http://schemas.microsoft.com/office/drawing/2010/main" val="0"/>
+              </a:ext>
+            </a:extLst>
+          </a:blip>
+          <a:srcRect/>
+          <a:stretch>
+            <a:fillRect/>
+          </a:stretch>
+        </p:blipFill>
+        <p:spPr bwMode="auto">
+          <a:xfrm>
+            <a:off x="3423249" y="2228211"/>
+            <a:ext cx="5715000" cy="1905000"/>
+          </a:xfrm>
+          <a:prstGeom prst="rect">
+            <a:avLst/>
+          </a:prstGeom>
+          <a:noFill/>
+          <a:extLst>
+            <a:ext uri="{909E8E84-426E-40DD-AFC4-6F175D3DCCD1}">
+              <a14:hiddenFill xmlns:a14="http://schemas.microsoft.com/office/drawing/2010/main">
+                <a:solidFill>
+                  <a:srgbClr val="FFFFFF"/>
+                </a:solidFill>
+              </a14:hiddenFill>
+            </a:ext>
+          </a:extLst>
+        </p:spPr>
+      </p:pic>
       <p:sp>
         <p:nvSpPr>
           <p:cNvPr id="10" name="矩形 9"/>
@@ -3898,27 +3807,27 @@
         </p:nvSpPr>
         <p:spPr>
           <a:xfrm>
-            <a:off x="1860393" y="3220487"/>
-            <a:ext cx="8636000" cy="369332"/>
+            <a:off x="578764" y="5782818"/>
+            <a:ext cx="1114408" cy="369332"/>
           </a:xfrm>
           <a:prstGeom prst="rect">
             <a:avLst/>
           </a:prstGeom>
         </p:spPr>
         <p:txBody>
-          <a:bodyPr wrap="square">
+          <a:bodyPr wrap="none">
             <a:spAutoFit/>
           </a:bodyPr>
           <a:lstStyle/>
           <a:p>
             <a:r>
-              <a:rPr lang="zh-CN" altLang="en-US" dirty="0" smtClean="0">
+              <a:rPr lang="zh-CN" altLang="en-US" b="1" dirty="0" smtClean="0">
                 <a:solidFill>
-                  <a:srgbClr val="191919"/>
+                  <a:srgbClr val="E53333"/>
                 </a:solidFill>
-                <a:latin typeface="PingFang SC" charset="-122"/>
+                <a:latin typeface="-apple-system-font" charset="0"/>
               </a:rPr>
-              <a:t>跑鞋店</a:t>
+              <a:t>缓冲减震</a:t>
             </a:r>
             <a:endParaRPr lang="zh-CN" altLang="en-US" dirty="0"/>
           </a:p>
@@ -3927,7 +3836,7 @@
     </p:spTree>
     <p:extLst>
       <p:ext uri="{BB962C8B-B14F-4D97-AF65-F5344CB8AC3E}">
-        <p14:creationId xmlns:p14="http://schemas.microsoft.com/office/powerpoint/2010/main" val="3249087948"/>
+        <p14:creationId xmlns:p14="http://schemas.microsoft.com/office/powerpoint/2010/main" val="854331481"/>
       </p:ext>
     </p:extLst>
   </p:cSld>
@@ -3973,7 +3882,7 @@
         </p:spPr>
         <p:txBody>
           <a:bodyPr vert="horz" lIns="91440" tIns="45720" rIns="91440" bIns="45720" rtlCol="0" anchor="b">
-            <a:normAutofit fontScale="85000" lnSpcReduction="10000"/>
+            <a:normAutofit/>
           </a:bodyPr>
           <a:lstStyle>
             <a:lvl1pPr algn="ctr" defTabSz="914400" rtl="0" eaLnBrk="1" latinLnBrk="0" hangingPunct="1">
@@ -3997,7 +3906,7 @@
           <a:p>
             <a:r>
               <a:rPr kumimoji="1" lang="zh-CN" altLang="en-US" dirty="0" smtClean="0"/>
-              <a:t>对这套选择方式不赞同的观点</a:t>
+              <a:t>如何知道自己是什么足形</a:t>
             </a:r>
             <a:endParaRPr kumimoji="1" lang="zh-CN" altLang="en-US" dirty="0"/>
           </a:p>
@@ -4005,34 +3914,101 @@
       </p:sp>
       <p:sp>
         <p:nvSpPr>
-          <p:cNvPr id="2" name="矩形 1"/>
+          <p:cNvPr id="7" name="矩形 6"/>
           <p:cNvSpPr/>
           <p:nvPr/>
         </p:nvSpPr>
         <p:spPr>
           <a:xfrm>
-            <a:off x="1837225" y="1688490"/>
-            <a:ext cx="1338828" cy="369332"/>
+            <a:off x="1860393" y="1812583"/>
+            <a:ext cx="8636000" cy="369332"/>
           </a:xfrm>
           <a:prstGeom prst="rect">
             <a:avLst/>
           </a:prstGeom>
         </p:spPr>
         <p:txBody>
-          <a:bodyPr wrap="none">
+          <a:bodyPr wrap="square">
             <a:spAutoFit/>
           </a:bodyPr>
           <a:lstStyle/>
           <a:p>
             <a:r>
-              <a:rPr lang="zh-CN" altLang="en-US" b="0" i="0" dirty="0" smtClean="0">
+              <a:rPr lang="zh-CN" altLang="en-US" dirty="0" smtClean="0">
                 <a:solidFill>
-                  <a:srgbClr val="1A1A1A"/>
+                  <a:srgbClr val="191919"/>
                 </a:solidFill>
-                <a:effectLst/>
-                <a:latin typeface="-apple-system"/>
+                <a:latin typeface="PingFang SC" charset="-122"/>
               </a:rPr>
-              <a:t>天生就会跑</a:t>
+              <a:t>踩在纸上</a:t>
+            </a:r>
+            <a:endParaRPr lang="zh-CN" altLang="en-US" dirty="0"/>
+          </a:p>
+        </p:txBody>
+      </p:sp>
+      <p:sp>
+        <p:nvSpPr>
+          <p:cNvPr id="8" name="矩形 7"/>
+          <p:cNvSpPr/>
+          <p:nvPr/>
+        </p:nvSpPr>
+        <p:spPr>
+          <a:xfrm>
+            <a:off x="1860393" y="2516535"/>
+            <a:ext cx="8636000" cy="369332"/>
+          </a:xfrm>
+          <a:prstGeom prst="rect">
+            <a:avLst/>
+          </a:prstGeom>
+        </p:spPr>
+        <p:txBody>
+          <a:bodyPr wrap="square">
+            <a:spAutoFit/>
+          </a:bodyPr>
+          <a:lstStyle/>
+          <a:p>
+            <a:r>
+              <a:rPr lang="zh-CN" altLang="en-US" dirty="0">
+                <a:solidFill>
+                  <a:srgbClr val="191919"/>
+                </a:solidFill>
+                <a:latin typeface="PingFang SC" charset="-122"/>
+              </a:rPr>
+              <a:t>拿出一双穿过鞋子（穿的时间越久越好），查看鞋底的磨损程度</a:t>
+            </a:r>
+            <a:endParaRPr lang="zh-CN" altLang="en-US" dirty="0"/>
+          </a:p>
+        </p:txBody>
+      </p:sp>
+      <p:sp>
+        <p:nvSpPr>
+          <p:cNvPr id="10" name="矩形 9"/>
+          <p:cNvSpPr/>
+          <p:nvPr/>
+        </p:nvSpPr>
+        <p:spPr>
+          <a:xfrm>
+            <a:off x="1860393" y="3220487"/>
+            <a:ext cx="8636000" cy="369332"/>
+          </a:xfrm>
+          <a:prstGeom prst="rect">
+            <a:avLst/>
+          </a:prstGeom>
+        </p:spPr>
+        <p:txBody>
+          <a:bodyPr wrap="square">
+            <a:spAutoFit/>
+          </a:bodyPr>
+          <a:lstStyle/>
+          <a:p>
+            <a:r>
+              <a:rPr lang="zh-CN" altLang="en-US" dirty="0" smtClean="0">
+                <a:solidFill>
+                  <a:srgbClr val="191919"/>
+                </a:solidFill>
+                <a:latin typeface="PingFang SC" charset="-122"/>
+              </a:rPr>
+              <a:t>跑鞋店</a:t>
             </a:r>
             <a:endParaRPr lang="zh-CN" altLang="en-US" dirty="0"/>
           </a:p>
@@ -4041,7 +4017,7 @@
     </p:spTree>
     <p:extLst>
       <p:ext uri="{BB962C8B-B14F-4D97-AF65-F5344CB8AC3E}">
-        <p14:creationId xmlns:p14="http://schemas.microsoft.com/office/powerpoint/2010/main" val="1748890624"/>
+        <p14:creationId xmlns:p14="http://schemas.microsoft.com/office/powerpoint/2010/main" val="3249087948"/>
       </p:ext>
     </p:extLst>
   </p:cSld>
@@ -4110,17 +4086,22 @@
           </a:lstStyle>
           <a:p>
             <a:r>
-              <a:rPr kumimoji="1" lang="zh-CN" altLang="en-US" dirty="0" smtClean="0"/>
-              <a:t>跑鞋的减震技术</a:t>
-            </a:r>
-            <a:endParaRPr kumimoji="1" lang="zh-CN" altLang="en-US" dirty="0"/>
+              <a:rPr lang="zh-CN" altLang="en-US" dirty="0">
+                <a:solidFill>
+                  <a:srgbClr val="1A1A1A"/>
+                </a:solidFill>
+                <a:latin typeface="-apple-system"/>
+              </a:rPr>
+              <a:t>天生就会跑</a:t>
+            </a:r>
+            <a:endParaRPr lang="zh-CN" altLang="en-US" dirty="0"/>
           </a:p>
         </p:txBody>
       </p:sp>
     </p:spTree>
     <p:extLst>
       <p:ext uri="{BB962C8B-B14F-4D97-AF65-F5344CB8AC3E}">
-        <p14:creationId xmlns:p14="http://schemas.microsoft.com/office/powerpoint/2010/main" val="3496841375"/>
+        <p14:creationId xmlns:p14="http://schemas.microsoft.com/office/powerpoint/2010/main" val="1748890624"/>
       </p:ext>
     </p:extLst>
   </p:cSld>
@@ -4189,216 +4170,141 @@
           </a:lstStyle>
           <a:p>
             <a:r>
-              <a:rPr lang="en-US" altLang="zh-CN" dirty="0" smtClean="0">
-                <a:solidFill>
-                  <a:srgbClr val="191919"/>
-                </a:solidFill>
-                <a:latin typeface="PingFang SC" charset="-122"/>
-              </a:rPr>
-              <a:t>ASICS</a:t>
+              <a:rPr kumimoji="1" lang="zh-CN" altLang="en-US" dirty="0" smtClean="0"/>
+              <a:t>跑鞋</a:t>
+            </a:r>
+            <a:r>
+              <a:rPr kumimoji="1" lang="zh-CN" altLang="en-US" dirty="0"/>
+              <a:t>品牌</a:t>
             </a:r>
             <a:endParaRPr kumimoji="1" lang="zh-CN" altLang="en-US" dirty="0"/>
           </a:p>
         </p:txBody>
       </p:sp>
-      <p:sp>
-        <p:nvSpPr>
-          <p:cNvPr id="4" name="矩形 3"/>
-          <p:cNvSpPr/>
+      <p:pic>
+        <p:nvPicPr>
+          <p:cNvPr id="9" name="图片 8"/>
+          <p:cNvPicPr>
+            <a:picLocks noChangeAspect="1"/>
+          </p:cNvPicPr>
           <p:nvPr/>
-        </p:nvSpPr>
-        <p:spPr>
-          <a:xfrm>
-            <a:off x="356106" y="6072487"/>
-            <a:ext cx="11136573" cy="646331"/>
+        </p:nvPicPr>
+        <p:blipFill>
+          <a:blip r:embed="rId2"/>
+          <a:stretch>
+            <a:fillRect/>
+          </a:stretch>
+        </p:blipFill>
+        <p:spPr>
+          <a:xfrm>
+            <a:off x="6283586" y="4461214"/>
+            <a:ext cx="1705013" cy="1298433"/>
           </a:xfrm>
           <a:prstGeom prst="rect">
             <a:avLst/>
           </a:prstGeom>
         </p:spPr>
-        <p:txBody>
-          <a:bodyPr wrap="square">
-            <a:spAutoFit/>
-          </a:bodyPr>
-          <a:lstStyle/>
-          <a:p>
-            <a:r>
-              <a:rPr lang="en-US" altLang="zh-CN" dirty="0">
-                <a:solidFill>
-                  <a:srgbClr val="191919"/>
-                </a:solidFill>
-                <a:latin typeface="PingFang SC" charset="-122"/>
-              </a:rPr>
-              <a:t>ASICS</a:t>
-            </a:r>
-            <a:r>
-              <a:rPr lang="zh-CN" altLang="en-US" dirty="0">
-                <a:solidFill>
-                  <a:srgbClr val="191919"/>
-                </a:solidFill>
-                <a:latin typeface="PingFang SC" charset="-122"/>
-              </a:rPr>
-              <a:t>作为跑鞋之王是有理由的，有人用</a:t>
-            </a:r>
-            <a:r>
-              <a:rPr lang="en-US" altLang="zh-CN" dirty="0">
-                <a:solidFill>
-                  <a:srgbClr val="191919"/>
-                </a:solidFill>
-                <a:latin typeface="PingFang SC" charset="-122"/>
-              </a:rPr>
-              <a:t>ASICS</a:t>
-            </a:r>
-            <a:r>
-              <a:rPr lang="zh-CN" altLang="en-US" dirty="0">
-                <a:solidFill>
-                  <a:srgbClr val="191919"/>
-                </a:solidFill>
-                <a:latin typeface="PingFang SC" charset="-122"/>
-              </a:rPr>
-              <a:t>做了一个减震实验</a:t>
-            </a:r>
-            <a:r>
-              <a:rPr lang="en-US" altLang="zh-CN" dirty="0">
-                <a:solidFill>
-                  <a:srgbClr val="191919"/>
-                </a:solidFill>
-                <a:latin typeface="PingFang SC" charset="-122"/>
-              </a:rPr>
-              <a:t>——</a:t>
-            </a:r>
-            <a:r>
-              <a:rPr lang="zh-CN" altLang="en-US" dirty="0">
-                <a:solidFill>
-                  <a:srgbClr val="191919"/>
-                </a:solidFill>
-                <a:latin typeface="PingFang SC" charset="-122"/>
-              </a:rPr>
-              <a:t>将一个生鸡蛋从</a:t>
-            </a:r>
-            <a:r>
-              <a:rPr lang="en-US" altLang="zh-CN" dirty="0">
-                <a:solidFill>
-                  <a:srgbClr val="191919"/>
-                </a:solidFill>
-                <a:latin typeface="PingFang SC" charset="-122"/>
-              </a:rPr>
-              <a:t>18</a:t>
-            </a:r>
-            <a:r>
-              <a:rPr lang="zh-CN" altLang="en-US" dirty="0">
-                <a:solidFill>
-                  <a:srgbClr val="191919"/>
-                </a:solidFill>
-                <a:latin typeface="PingFang SC" charset="-122"/>
-              </a:rPr>
-              <a:t>米高空（</a:t>
-            </a:r>
-            <a:r>
-              <a:rPr lang="en-US" altLang="zh-CN" dirty="0">
-                <a:solidFill>
-                  <a:srgbClr val="191919"/>
-                </a:solidFill>
-                <a:latin typeface="PingFang SC" charset="-122"/>
-              </a:rPr>
-              <a:t>6</a:t>
-            </a:r>
-            <a:r>
-              <a:rPr lang="zh-CN" altLang="en-US" dirty="0">
-                <a:solidFill>
-                  <a:srgbClr val="191919"/>
-                </a:solidFill>
-                <a:latin typeface="PingFang SC" charset="-122"/>
-              </a:rPr>
-              <a:t>层楼）掉下来落在</a:t>
-            </a:r>
-            <a:r>
-              <a:rPr lang="en-US" altLang="zh-CN" dirty="0">
-                <a:solidFill>
-                  <a:srgbClr val="191919"/>
-                </a:solidFill>
-                <a:latin typeface="PingFang SC" charset="-122"/>
-              </a:rPr>
-              <a:t>2CM </a:t>
-            </a:r>
-            <a:r>
-              <a:rPr lang="zh-CN" altLang="en-US" dirty="0">
-                <a:solidFill>
-                  <a:srgbClr val="191919"/>
-                </a:solidFill>
-                <a:latin typeface="PingFang SC" charset="-122"/>
-              </a:rPr>
-              <a:t>的</a:t>
-            </a:r>
-            <a:r>
-              <a:rPr lang="en-US" altLang="zh-CN" b="1" dirty="0">
-                <a:solidFill>
-                  <a:srgbClr val="191919"/>
-                </a:solidFill>
-                <a:latin typeface="PingFang SC" charset="-122"/>
-              </a:rPr>
-              <a:t>GEL</a:t>
-            </a:r>
-            <a:r>
-              <a:rPr lang="zh-CN" altLang="en-US" b="1" dirty="0">
-                <a:solidFill>
-                  <a:srgbClr val="191919"/>
-                </a:solidFill>
-                <a:latin typeface="PingFang SC" charset="-122"/>
-              </a:rPr>
-              <a:t>减震胶</a:t>
-            </a:r>
-            <a:r>
-              <a:rPr lang="zh-CN" altLang="en-US" dirty="0">
-                <a:solidFill>
-                  <a:srgbClr val="191919"/>
-                </a:solidFill>
-                <a:latin typeface="PingFang SC" charset="-122"/>
-              </a:rPr>
-              <a:t>上竟然安然无恙。</a:t>
-            </a:r>
-            <a:endParaRPr lang="zh-CN" altLang="en-US" dirty="0"/>
-          </a:p>
-        </p:txBody>
-      </p:sp>
-      <p:sp>
-        <p:nvSpPr>
-          <p:cNvPr id="2" name="矩形 1"/>
-          <p:cNvSpPr/>
+      </p:pic>
+      <p:pic>
+        <p:nvPicPr>
+          <p:cNvPr id="10" name="图片 9"/>
+          <p:cNvPicPr>
+            <a:picLocks noChangeAspect="1"/>
+          </p:cNvPicPr>
           <p:nvPr/>
-        </p:nvSpPr>
-        <p:spPr>
-          <a:xfrm>
-            <a:off x="1774753" y="1620250"/>
-            <a:ext cx="728084" cy="523220"/>
+        </p:nvPicPr>
+        <p:blipFill>
+          <a:blip r:embed="rId3"/>
+          <a:stretch>
+            <a:fillRect/>
+          </a:stretch>
+        </p:blipFill>
+        <p:spPr>
+          <a:xfrm>
+            <a:off x="1138195" y="1810251"/>
+            <a:ext cx="2158978" cy="1137665"/>
           </a:xfrm>
           <a:prstGeom prst="rect">
             <a:avLst/>
           </a:prstGeom>
         </p:spPr>
-        <p:txBody>
-          <a:bodyPr wrap="none">
-            <a:spAutoFit/>
-          </a:bodyPr>
-          <a:lstStyle/>
-          <a:p>
-            <a:r>
-              <a:rPr lang="en-US" altLang="zh-CN" sz="2800" b="1" dirty="0" smtClean="0">
-                <a:solidFill>
-                  <a:srgbClr val="191919"/>
-                </a:solidFill>
-                <a:latin typeface="PingFang SC" charset="-122"/>
-              </a:rPr>
-              <a:t>GEL</a:t>
-            </a:r>
-            <a:endParaRPr lang="zh-CN" altLang="en-US" sz="2800" dirty="0"/>
-          </a:p>
-        </p:txBody>
-      </p:sp>
+      </p:pic>
+      <p:pic>
+        <p:nvPicPr>
+          <p:cNvPr id="11" name="图片 10"/>
+          <p:cNvPicPr>
+            <a:picLocks noChangeAspect="1"/>
+          </p:cNvPicPr>
+          <p:nvPr/>
+        </p:nvPicPr>
+        <p:blipFill>
+          <a:blip r:embed="rId4"/>
+          <a:stretch>
+            <a:fillRect/>
+          </a:stretch>
+        </p:blipFill>
+        <p:spPr>
+          <a:xfrm>
+            <a:off x="6436013" y="1578238"/>
+            <a:ext cx="2095238" cy="1447619"/>
+          </a:xfrm>
+          <a:prstGeom prst="rect">
+            <a:avLst/>
+          </a:prstGeom>
+        </p:spPr>
+      </p:pic>
+      <p:pic>
+        <p:nvPicPr>
+          <p:cNvPr id="12" name="图片 11"/>
+          <p:cNvPicPr>
+            <a:picLocks noChangeAspect="1"/>
+          </p:cNvPicPr>
+          <p:nvPr/>
+        </p:nvPicPr>
+        <p:blipFill>
+          <a:blip r:embed="rId5"/>
+          <a:stretch>
+            <a:fillRect/>
+          </a:stretch>
+        </p:blipFill>
+        <p:spPr>
+          <a:xfrm>
+            <a:off x="8667593" y="1624106"/>
+            <a:ext cx="2333333" cy="1323810"/>
+          </a:xfrm>
+          <a:prstGeom prst="rect">
+            <a:avLst/>
+          </a:prstGeom>
+        </p:spPr>
+      </p:pic>
+      <p:pic>
+        <p:nvPicPr>
+          <p:cNvPr id="14" name="图片 13"/>
+          <p:cNvPicPr>
+            <a:picLocks noChangeAspect="1"/>
+          </p:cNvPicPr>
+          <p:nvPr/>
+        </p:nvPicPr>
+        <p:blipFill>
+          <a:blip r:embed="rId6"/>
+          <a:stretch>
+            <a:fillRect/>
+          </a:stretch>
+        </p:blipFill>
+        <p:spPr>
+          <a:xfrm>
+            <a:off x="3252121" y="3280204"/>
+            <a:ext cx="2410223" cy="1181010"/>
+          </a:xfrm>
+          <a:prstGeom prst="rect">
+            <a:avLst/>
+          </a:prstGeom>
+        </p:spPr>
+      </p:pic>
     </p:spTree>
     <p:extLst>
       <p:ext uri="{BB962C8B-B14F-4D97-AF65-F5344CB8AC3E}">
-        <p14:creationId xmlns:p14="http://schemas.microsoft.com/office/powerpoint/2010/main" val="3944670606"/>
+        <p14:creationId xmlns:p14="http://schemas.microsoft.com/office/powerpoint/2010/main" val="3496841375"/>
       </p:ext>
     </p:extLst>
   </p:cSld>
@@ -4435,7 +4341,7 @@
         </p:nvSpPr>
         <p:spPr>
           <a:xfrm>
-            <a:off x="1352393" y="440267"/>
+            <a:off x="1638996" y="344732"/>
             <a:ext cx="9144000" cy="1037696"/>
           </a:xfrm>
           <a:prstGeom prst="rect">
@@ -4467,63 +4373,17 @@
           </a:lstStyle>
           <a:p>
             <a:r>
-              <a:rPr lang="en-US" altLang="zh-CN" dirty="0" smtClean="0">
-                <a:solidFill>
-                  <a:srgbClr val="191919"/>
-                </a:solidFill>
-                <a:latin typeface="PingFang SC" charset="-122"/>
-              </a:rPr>
-              <a:t>MIZUNO</a:t>
-            </a:r>
-            <a:endParaRPr kumimoji="1" lang="zh-CN" altLang="en-US" dirty="0"/>
-          </a:p>
-        </p:txBody>
-      </p:sp>
-      <p:pic>
-        <p:nvPicPr>
-          <p:cNvPr id="5" name="Picture 2" descr="http://5b0988e595225.cdn.sohucs.com/images/20180823/0f1466e57d824467b8b8820c5c5eba27.jpeg"/>
-          <p:cNvPicPr>
-            <a:picLocks noChangeAspect="1" noChangeArrowheads="1"/>
-          </p:cNvPicPr>
-          <p:nvPr/>
-        </p:nvPicPr>
-        <p:blipFill>
-          <a:blip r:embed="rId2">
-            <a:extLst>
-              <a:ext uri="{28A0092B-C50C-407E-A947-70E740481C1C}">
-                <a14:useLocalDpi xmlns:a14="http://schemas.microsoft.com/office/drawing/2010/main" val="0"/>
-              </a:ext>
-            </a:extLst>
-          </a:blip>
-          <a:srcRect/>
-          <a:stretch>
-            <a:fillRect/>
-          </a:stretch>
-        </p:blipFill>
-        <p:spPr bwMode="auto">
-          <a:xfrm>
-            <a:off x="1400728" y="1681163"/>
-            <a:ext cx="9190518" cy="4391025"/>
-          </a:xfrm>
-          <a:prstGeom prst="rect">
-            <a:avLst/>
-          </a:prstGeom>
-          <a:noFill/>
-          <a:extLst>
-            <a:ext uri="{909E8E84-426E-40DD-AFC4-6F175D3DCCD1}">
-              <a14:hiddenFill xmlns:a14="http://schemas.microsoft.com/office/drawing/2010/main">
-                <a:solidFill>
-                  <a:srgbClr val="FFFFFF"/>
-                </a:solidFill>
-              </a14:hiddenFill>
-            </a:ext>
-          </a:extLst>
-        </p:spPr>
-      </p:pic>
+              <a:rPr lang="zh-CN" altLang="en-US" dirty="0"/>
+              <a:t>跑步是最省钱的运动</a:t>
+            </a:r>
+            <a:endParaRPr lang="zh-CN" altLang="en-US" dirty="0"/>
+          </a:p>
+        </p:txBody>
+      </p:sp>
     </p:spTree>
     <p:extLst>
       <p:ext uri="{BB962C8B-B14F-4D97-AF65-F5344CB8AC3E}">
-        <p14:creationId xmlns:p14="http://schemas.microsoft.com/office/powerpoint/2010/main" val="1758037204"/>
+        <p14:creationId xmlns:p14="http://schemas.microsoft.com/office/powerpoint/2010/main" val="3363770656"/>
       </p:ext>
     </p:extLst>
   </p:cSld>
@@ -4552,141 +4412,72 @@
       </p:grpSpPr>
       <p:sp>
         <p:nvSpPr>
-          <p:cNvPr id="3" name="标题 1"/>
-          <p:cNvSpPr txBox="1">
-            <a:spLocks/>
-          </p:cNvSpPr>
+          <p:cNvPr id="2" name="矩形 1"/>
+          <p:cNvSpPr/>
           <p:nvPr/>
         </p:nvSpPr>
         <p:spPr>
           <a:xfrm>
-            <a:off x="1352393" y="440267"/>
-            <a:ext cx="9144000" cy="1037696"/>
+            <a:off x="1123666" y="1629854"/>
+            <a:ext cx="10108442" cy="3170099"/>
           </a:xfrm>
           <a:prstGeom prst="rect">
             <a:avLst/>
           </a:prstGeom>
         </p:spPr>
         <p:txBody>
-          <a:bodyPr vert="horz" lIns="91440" tIns="45720" rIns="91440" bIns="45720" rtlCol="0" anchor="b">
-            <a:normAutofit/>
+          <a:bodyPr wrap="square">
+            <a:spAutoFit/>
           </a:bodyPr>
-          <a:lstStyle>
-            <a:lvl1pPr algn="ctr" defTabSz="914400" rtl="0" eaLnBrk="1" latinLnBrk="0" hangingPunct="1">
-              <a:lnSpc>
-                <a:spcPct val="90000"/>
-              </a:lnSpc>
-              <a:spcBef>
-                <a:spcPct val="0"/>
-              </a:spcBef>
-              <a:buNone/>
-              <a:defRPr sz="6000" kern="1200">
+          <a:lstStyle/>
+          <a:p>
+            <a:r>
+              <a:rPr lang="en-US" altLang="zh-CN" sz="4000" b="0" i="0" dirty="0" smtClean="0">
                 <a:solidFill>
-                  <a:schemeClr val="tx1"/>
+                  <a:srgbClr val="000000"/>
                 </a:solidFill>
-                <a:latin typeface="+mj-lt"/>
-                <a:ea typeface="+mj-ea"/>
-                <a:cs typeface="+mj-cs"/>
-              </a:defRPr>
-            </a:lvl1pPr>
-          </a:lstStyle>
-          <a:p>
-            <a:r>
-              <a:rPr lang="zh-CN" altLang="en-US" dirty="0" smtClean="0">
+                <a:effectLst/>
+                <a:latin typeface="微软雅黑" panose="020B0503020204020204" pitchFamily="34" charset="-122"/>
+                <a:ea typeface="微软雅黑" panose="020B0503020204020204" pitchFamily="34" charset="-122"/>
+              </a:rPr>
+              <a:t>You don't stop running because you get old, you get old because you stop running. </a:t>
+            </a:r>
+            <a:br>
+              <a:rPr lang="en-US" altLang="zh-CN" sz="4000" b="0" i="0" dirty="0" smtClean="0">
                 <a:solidFill>
-                  <a:srgbClr val="191919"/>
+                  <a:srgbClr val="000000"/>
                 </a:solidFill>
-                <a:latin typeface="PingFang SC" charset="-122"/>
+                <a:effectLst/>
+                <a:latin typeface="微软雅黑" panose="020B0503020204020204" pitchFamily="34" charset="-122"/>
+                <a:ea typeface="微软雅黑" panose="020B0503020204020204" pitchFamily="34" charset="-122"/>
               </a:rPr>
-              <a:t>阿迪</a:t>
-            </a:r>
-            <a:endParaRPr kumimoji="1" lang="zh-CN" altLang="en-US" dirty="0"/>
+            </a:br>
+            <a:r>
+              <a:rPr lang="zh-CN" altLang="en-US" sz="4000" b="0" i="0" dirty="0" smtClean="0">
+                <a:solidFill>
+                  <a:srgbClr val="000000"/>
+                </a:solidFill>
+                <a:effectLst/>
+                <a:latin typeface="微软雅黑" panose="020B0503020204020204" pitchFamily="34" charset="-122"/>
+                <a:ea typeface="微软雅黑" panose="020B0503020204020204" pitchFamily="34" charset="-122"/>
+              </a:rPr>
+              <a:t>你不是因为变老而停止跑步，你是因为停止跑步才变老。</a:t>
+            </a:r>
+            <a:endParaRPr lang="zh-CN" altLang="en-US" sz="4000" b="0" i="0" dirty="0">
+              <a:solidFill>
+                <a:srgbClr val="000000"/>
+              </a:solidFill>
+              <a:effectLst/>
+              <a:latin typeface="微软雅黑" panose="020B0503020204020204" pitchFamily="34" charset="-122"/>
+              <a:ea typeface="微软雅黑" panose="020B0503020204020204" pitchFamily="34" charset="-122"/>
+            </a:endParaRPr>
           </a:p>
         </p:txBody>
       </p:sp>
     </p:spTree>
     <p:extLst>
       <p:ext uri="{BB962C8B-B14F-4D97-AF65-F5344CB8AC3E}">
-        <p14:creationId xmlns:p14="http://schemas.microsoft.com/office/powerpoint/2010/main" val="3392834598"/>
-      </p:ext>
-    </p:extLst>
-  </p:cSld>
-  <p:clrMapOvr>
-    <a:masterClrMapping/>
-  </p:clrMapOvr>
-</p:sld>
-</file>
-
-<file path=ppt/slides/slide19.xml><?xml version="1.0" encoding="utf-8"?>
-<p:sld xmlns:a="http://schemas.openxmlformats.org/drawingml/2006/main" xmlns:r="http://schemas.openxmlformats.org/officeDocument/2006/relationships" xmlns:p="http://schemas.openxmlformats.org/presentationml/2006/main">
-  <p:cSld>
-    <p:spTree>
-      <p:nvGrpSpPr>
-        <p:cNvPr id="1" name=""/>
-        <p:cNvGrpSpPr/>
-        <p:nvPr/>
-      </p:nvGrpSpPr>
-      <p:grpSpPr>
-        <a:xfrm>
-          <a:off x="0" y="0"/>
-          <a:ext cx="0" cy="0"/>
-          <a:chOff x="0" y="0"/>
-          <a:chExt cx="0" cy="0"/>
-        </a:xfrm>
-      </p:grpSpPr>
-      <p:sp>
-        <p:nvSpPr>
-          <p:cNvPr id="3" name="标题 1"/>
-          <p:cNvSpPr txBox="1">
-            <a:spLocks/>
-          </p:cNvSpPr>
-          <p:nvPr/>
-        </p:nvSpPr>
-        <p:spPr>
-          <a:xfrm>
-            <a:off x="1638996" y="344732"/>
-            <a:ext cx="9144000" cy="1037696"/>
-          </a:xfrm>
-          <a:prstGeom prst="rect">
-            <a:avLst/>
-          </a:prstGeom>
-        </p:spPr>
-        <p:txBody>
-          <a:bodyPr vert="horz" lIns="91440" tIns="45720" rIns="91440" bIns="45720" rtlCol="0" anchor="b">
-            <a:normAutofit/>
-          </a:bodyPr>
-          <a:lstStyle>
-            <a:lvl1pPr algn="ctr" defTabSz="914400" rtl="0" eaLnBrk="1" latinLnBrk="0" hangingPunct="1">
-              <a:lnSpc>
-                <a:spcPct val="90000"/>
-              </a:lnSpc>
-              <a:spcBef>
-                <a:spcPct val="0"/>
-              </a:spcBef>
-              <a:buNone/>
-              <a:defRPr sz="6000" kern="1200">
-                <a:solidFill>
-                  <a:schemeClr val="tx1"/>
-                </a:solidFill>
-                <a:latin typeface="+mj-lt"/>
-                <a:ea typeface="+mj-ea"/>
-                <a:cs typeface="+mj-cs"/>
-              </a:defRPr>
-            </a:lvl1pPr>
-          </a:lstStyle>
-          <a:p>
-            <a:r>
-              <a:rPr kumimoji="1" lang="zh-CN" altLang="en-US" dirty="0" smtClean="0"/>
-              <a:t>跑步是一项很花钱的运动</a:t>
-            </a:r>
-            <a:endParaRPr lang="zh-CN" altLang="en-US" dirty="0"/>
-          </a:p>
-        </p:txBody>
-      </p:sp>
-    </p:spTree>
-    <p:extLst>
-      <p:ext uri="{BB962C8B-B14F-4D97-AF65-F5344CB8AC3E}">
-        <p14:creationId xmlns:p14="http://schemas.microsoft.com/office/powerpoint/2010/main" val="3363770656"/>
+        <p14:creationId xmlns:p14="http://schemas.microsoft.com/office/powerpoint/2010/main" val="783356898"/>
       </p:ext>
     </p:extLst>
   </p:cSld>
@@ -4905,101 +4696,6 @@
 </p:sld>
 </file>
 
-<file path=ppt/slides/slide20.xml><?xml version="1.0" encoding="utf-8"?>
-<p:sld xmlns:a="http://schemas.openxmlformats.org/drawingml/2006/main" xmlns:r="http://schemas.openxmlformats.org/officeDocument/2006/relationships" xmlns:p="http://schemas.openxmlformats.org/presentationml/2006/main">
-  <p:cSld>
-    <p:spTree>
-      <p:nvGrpSpPr>
-        <p:cNvPr id="1" name=""/>
-        <p:cNvGrpSpPr/>
-        <p:nvPr/>
-      </p:nvGrpSpPr>
-      <p:grpSpPr>
-        <a:xfrm>
-          <a:off x="0" y="0"/>
-          <a:ext cx="0" cy="0"/>
-          <a:chOff x="0" y="0"/>
-          <a:chExt cx="0" cy="0"/>
-        </a:xfrm>
-      </p:grpSpPr>
-      <p:sp>
-        <p:nvSpPr>
-          <p:cNvPr id="2" name="矩形 1"/>
-          <p:cNvSpPr/>
-          <p:nvPr/>
-        </p:nvSpPr>
-        <p:spPr>
-          <a:xfrm>
-            <a:off x="1123666" y="1971048"/>
-            <a:ext cx="10108442" cy="2308324"/>
-          </a:xfrm>
-          <a:prstGeom prst="rect">
-            <a:avLst/>
-          </a:prstGeom>
-        </p:spPr>
-        <p:txBody>
-          <a:bodyPr wrap="square">
-            <a:spAutoFit/>
-          </a:bodyPr>
-          <a:lstStyle/>
-          <a:p>
-            <a:pPr algn="just"/>
-            <a:r>
-              <a:rPr lang="en-US" altLang="zh-CN" sz="3600" b="0" i="0" dirty="0" smtClean="0">
-                <a:solidFill>
-                  <a:srgbClr val="000000"/>
-                </a:solidFill>
-                <a:effectLst/>
-                <a:latin typeface="微软雅黑" panose="020B0503020204020204" pitchFamily="34" charset="-122"/>
-                <a:ea typeface="微软雅黑" panose="020B0503020204020204" pitchFamily="34" charset="-122"/>
-              </a:rPr>
-              <a:t>You don't stop running because you get old, you get old because you stop running. </a:t>
-            </a:r>
-            <a:br>
-              <a:rPr lang="en-US" altLang="zh-CN" sz="3600" b="0" i="0" dirty="0" smtClean="0">
-                <a:solidFill>
-                  <a:srgbClr val="000000"/>
-                </a:solidFill>
-                <a:effectLst/>
-                <a:latin typeface="微软雅黑" panose="020B0503020204020204" pitchFamily="34" charset="-122"/>
-                <a:ea typeface="微软雅黑" panose="020B0503020204020204" pitchFamily="34" charset="-122"/>
-              </a:rPr>
-            </a:br>
-            <a:r>
-              <a:rPr lang="zh-CN" altLang="en-US" sz="3600" b="0" i="0" dirty="0" smtClean="0">
-                <a:solidFill>
-                  <a:srgbClr val="000000"/>
-                </a:solidFill>
-                <a:effectLst/>
-                <a:latin typeface="微软雅黑" panose="020B0503020204020204" pitchFamily="34" charset="-122"/>
-                <a:ea typeface="微软雅黑" panose="020B0503020204020204" pitchFamily="34" charset="-122"/>
-              </a:rPr>
-              <a:t>你不是因为变老而停止跑步，你是因为停止跑步才变老。</a:t>
-            </a:r>
-            <a:endParaRPr lang="zh-CN" altLang="en-US" sz="3600" b="0" i="0" dirty="0">
-              <a:solidFill>
-                <a:srgbClr val="000000"/>
-              </a:solidFill>
-              <a:effectLst/>
-              <a:latin typeface="微软雅黑" panose="020B0503020204020204" pitchFamily="34" charset="-122"/>
-              <a:ea typeface="微软雅黑" panose="020B0503020204020204" pitchFamily="34" charset="-122"/>
-            </a:endParaRPr>
-          </a:p>
-        </p:txBody>
-      </p:sp>
-    </p:spTree>
-    <p:extLst>
-      <p:ext uri="{BB962C8B-B14F-4D97-AF65-F5344CB8AC3E}">
-        <p14:creationId xmlns:p14="http://schemas.microsoft.com/office/powerpoint/2010/main" val="783356898"/>
-      </p:ext>
-    </p:extLst>
-  </p:cSld>
-  <p:clrMapOvr>
-    <a:masterClrMapping/>
-  </p:clrMapOvr>
-</p:sld>
-</file>
-
 <file path=ppt/slides/slide3.xml><?xml version="1.0" encoding="utf-8"?>
 <p:sld xmlns:a="http://schemas.openxmlformats.org/drawingml/2006/main" xmlns:r="http://schemas.openxmlformats.org/officeDocument/2006/relationships" xmlns:p="http://schemas.openxmlformats.org/presentationml/2006/main">
   <p:cSld>
@@ -5041,7 +4737,6 @@
               <a:rPr kumimoji="1" lang="zh-CN" altLang="en-US" dirty="0"/>
               <a:t>不同的落地方式</a:t>
             </a:r>
-            <a:endParaRPr kumimoji="1" lang="zh-CN" altLang="en-US" dirty="0"/>
           </a:p>
         </p:txBody>
       </p:sp>
@@ -5068,8 +4763,8 @@
         </p:blipFill>
         <p:spPr bwMode="auto">
           <a:xfrm>
-            <a:off x="3026278" y="1490094"/>
-            <a:ext cx="5948373" cy="3800349"/>
+            <a:off x="2488410" y="1490094"/>
+            <a:ext cx="7024109" cy="4487625"/>
           </a:xfrm>
           <a:prstGeom prst="rect">
             <a:avLst/>
@@ -5086,66 +4781,6 @@
           </a:extLst>
         </p:spPr>
       </p:pic>
-      <p:sp>
-        <p:nvSpPr>
-          <p:cNvPr id="12" name="矩形 11"/>
-          <p:cNvSpPr/>
-          <p:nvPr/>
-        </p:nvSpPr>
-        <p:spPr>
-          <a:xfrm>
-            <a:off x="3599484" y="5705054"/>
-            <a:ext cx="1204176" cy="523220"/>
-          </a:xfrm>
-          <a:prstGeom prst="rect">
-            <a:avLst/>
-          </a:prstGeom>
-        </p:spPr>
-        <p:txBody>
-          <a:bodyPr wrap="none">
-            <a:spAutoFit/>
-          </a:bodyPr>
-          <a:lstStyle/>
-          <a:p>
-            <a:r>
-              <a:rPr lang="en-US" altLang="zh-CN" sz="2800" dirty="0" smtClean="0">
-                <a:latin typeface="arial" charset="0"/>
-              </a:rPr>
-              <a:t>96.9%</a:t>
-            </a:r>
-          </a:p>
-        </p:txBody>
-      </p:sp>
-      <p:sp>
-        <p:nvSpPr>
-          <p:cNvPr id="13" name="矩形 12"/>
-          <p:cNvSpPr/>
-          <p:nvPr/>
-        </p:nvSpPr>
-        <p:spPr>
-          <a:xfrm>
-            <a:off x="7586904" y="5705054"/>
-            <a:ext cx="1204176" cy="523220"/>
-          </a:xfrm>
-          <a:prstGeom prst="rect">
-            <a:avLst/>
-          </a:prstGeom>
-        </p:spPr>
-        <p:txBody>
-          <a:bodyPr wrap="none">
-            <a:spAutoFit/>
-          </a:bodyPr>
-          <a:lstStyle/>
-          <a:p>
-            <a:r>
-              <a:rPr lang="en-US" altLang="zh-CN" sz="2800" dirty="0" smtClean="0">
-                <a:latin typeface="arial" charset="0"/>
-              </a:rPr>
-              <a:t>99.3%</a:t>
-            </a:r>
-          </a:p>
-        </p:txBody>
-      </p:sp>
     </p:spTree>
     <p:extLst>
       <p:ext uri="{BB962C8B-B14F-4D97-AF65-F5344CB8AC3E}">
@@ -5200,7 +4835,6 @@
               <a:rPr kumimoji="1" lang="zh-CN" altLang="en-US" dirty="0"/>
               <a:t>不同的落地方式</a:t>
             </a:r>
-            <a:endParaRPr kumimoji="1" lang="zh-CN" altLang="en-US" dirty="0"/>
           </a:p>
         </p:txBody>
       </p:sp>
@@ -5340,7 +4974,6 @@
               <a:rPr kumimoji="1" lang="zh-CN" altLang="en-US" dirty="0"/>
               <a:t>不同跑道的软硬程度</a:t>
             </a:r>
-            <a:endParaRPr kumimoji="1" lang="zh-CN" altLang="en-US" dirty="0"/>
           </a:p>
         </p:txBody>
       </p:sp>
@@ -5521,7 +5154,7 @@
             </a:r>
             <a:r>
               <a:rPr kumimoji="1" lang="zh-CN" altLang="en-US" sz="4800" dirty="0" smtClean="0"/>
-              <a:t>我学不会前脚掌，也找不到塑胶场地，我该怎么办呢？</a:t>
+              <a:t>我不会前脚掌，也找不到塑胶场地，我该怎么办呢？</a:t>
             </a:r>
             <a:endParaRPr kumimoji="1" lang="zh-CN" altLang="en-US" sz="4800" dirty="0"/>
           </a:p>
@@ -5878,8 +5511,8 @@
         </p:blipFill>
         <p:spPr bwMode="auto">
           <a:xfrm>
-            <a:off x="2608395" y="3152632"/>
-            <a:ext cx="6331744" cy="3637128"/>
+            <a:off x="589751" y="1774208"/>
+            <a:ext cx="5488304" cy="3152633"/>
           </a:xfrm>
           <a:prstGeom prst="rect">
             <a:avLst/>
@@ -5894,6 +5527,30 @@
               </a14:hiddenFill>
             </a:ext>
           </a:extLst>
+        </p:spPr>
+      </p:pic>
+      <p:pic>
+        <p:nvPicPr>
+          <p:cNvPr id="4" name="图片 3"/>
+          <p:cNvPicPr>
+            <a:picLocks noChangeAspect="1"/>
+          </p:cNvPicPr>
+          <p:nvPr/>
+        </p:nvPicPr>
+        <p:blipFill>
+          <a:blip r:embed="rId3"/>
+          <a:stretch>
+            <a:fillRect/>
+          </a:stretch>
+        </p:blipFill>
+        <p:spPr>
+          <a:xfrm>
+            <a:off x="6078055" y="1774208"/>
+            <a:ext cx="5181348" cy="3154385"/>
+          </a:xfrm>
+          <a:prstGeom prst="rect">
+            <a:avLst/>
+          </a:prstGeom>
         </p:spPr>
       </p:pic>
     </p:spTree>

--- a/跑鞋/prod.pptx
+++ b/跑鞋/prod.pptx
@@ -21,8 +21,18 @@
     <p:sldId id="269" r:id="rId15"/>
     <p:sldId id="268" r:id="rId16"/>
     <p:sldId id="270" r:id="rId17"/>
-    <p:sldId id="275" r:id="rId18"/>
-    <p:sldId id="274" r:id="rId19"/>
+    <p:sldId id="277" r:id="rId18"/>
+    <p:sldId id="282" r:id="rId19"/>
+    <p:sldId id="283" r:id="rId20"/>
+    <p:sldId id="280" r:id="rId21"/>
+    <p:sldId id="278" r:id="rId22"/>
+    <p:sldId id="281" r:id="rId23"/>
+    <p:sldId id="284" r:id="rId24"/>
+    <p:sldId id="285" r:id="rId25"/>
+    <p:sldId id="286" r:id="rId26"/>
+    <p:sldId id="279" r:id="rId27"/>
+    <p:sldId id="275" r:id="rId28"/>
+    <p:sldId id="274" r:id="rId29"/>
   </p:sldIdLst>
   <p:sldSz cx="12192000" cy="6858000"/>
   <p:notesSz cx="6858000" cy="9144000"/>
@@ -260,7 +270,7 @@
           <a:p>
             <a:fld id="{61290F4B-38D6-495C-9C60-65B2A3385605}" type="datetimeFigureOut">
               <a:rPr lang="zh-CN" altLang="en-US" smtClean="0"/>
-              <a:t>2018/11/2</a:t>
+              <a:t>2018/11/6</a:t>
             </a:fld>
             <a:endParaRPr lang="zh-CN" altLang="en-US"/>
           </a:p>
@@ -430,7 +440,7 @@
           <a:p>
             <a:fld id="{61290F4B-38D6-495C-9C60-65B2A3385605}" type="datetimeFigureOut">
               <a:rPr lang="zh-CN" altLang="en-US" smtClean="0"/>
-              <a:t>2018/11/2</a:t>
+              <a:t>2018/11/6</a:t>
             </a:fld>
             <a:endParaRPr lang="zh-CN" altLang="en-US"/>
           </a:p>
@@ -610,7 +620,7 @@
           <a:p>
             <a:fld id="{61290F4B-38D6-495C-9C60-65B2A3385605}" type="datetimeFigureOut">
               <a:rPr lang="zh-CN" altLang="en-US" smtClean="0"/>
-              <a:t>2018/11/2</a:t>
+              <a:t>2018/11/6</a:t>
             </a:fld>
             <a:endParaRPr lang="zh-CN" altLang="en-US"/>
           </a:p>
@@ -780,7 +790,7 @@
           <a:p>
             <a:fld id="{61290F4B-38D6-495C-9C60-65B2A3385605}" type="datetimeFigureOut">
               <a:rPr lang="zh-CN" altLang="en-US" smtClean="0"/>
-              <a:t>2018/11/2</a:t>
+              <a:t>2018/11/6</a:t>
             </a:fld>
             <a:endParaRPr lang="zh-CN" altLang="en-US"/>
           </a:p>
@@ -1026,7 +1036,7 @@
           <a:p>
             <a:fld id="{61290F4B-38D6-495C-9C60-65B2A3385605}" type="datetimeFigureOut">
               <a:rPr lang="zh-CN" altLang="en-US" smtClean="0"/>
-              <a:t>2018/11/2</a:t>
+              <a:t>2018/11/6</a:t>
             </a:fld>
             <a:endParaRPr lang="zh-CN" altLang="en-US"/>
           </a:p>
@@ -1258,7 +1268,7 @@
           <a:p>
             <a:fld id="{61290F4B-38D6-495C-9C60-65B2A3385605}" type="datetimeFigureOut">
               <a:rPr lang="zh-CN" altLang="en-US" smtClean="0"/>
-              <a:t>2018/11/2</a:t>
+              <a:t>2018/11/6</a:t>
             </a:fld>
             <a:endParaRPr lang="zh-CN" altLang="en-US"/>
           </a:p>
@@ -1625,7 +1635,7 @@
           <a:p>
             <a:fld id="{61290F4B-38D6-495C-9C60-65B2A3385605}" type="datetimeFigureOut">
               <a:rPr lang="zh-CN" altLang="en-US" smtClean="0"/>
-              <a:t>2018/11/2</a:t>
+              <a:t>2018/11/6</a:t>
             </a:fld>
             <a:endParaRPr lang="zh-CN" altLang="en-US"/>
           </a:p>
@@ -1743,7 +1753,7 @@
           <a:p>
             <a:fld id="{61290F4B-38D6-495C-9C60-65B2A3385605}" type="datetimeFigureOut">
               <a:rPr lang="zh-CN" altLang="en-US" smtClean="0"/>
-              <a:t>2018/11/2</a:t>
+              <a:t>2018/11/6</a:t>
             </a:fld>
             <a:endParaRPr lang="zh-CN" altLang="en-US"/>
           </a:p>
@@ -1838,7 +1848,7 @@
           <a:p>
             <a:fld id="{61290F4B-38D6-495C-9C60-65B2A3385605}" type="datetimeFigureOut">
               <a:rPr lang="zh-CN" altLang="en-US" smtClean="0"/>
-              <a:t>2018/11/2</a:t>
+              <a:t>2018/11/6</a:t>
             </a:fld>
             <a:endParaRPr lang="zh-CN" altLang="en-US"/>
           </a:p>
@@ -2115,7 +2125,7 @@
           <a:p>
             <a:fld id="{61290F4B-38D6-495C-9C60-65B2A3385605}" type="datetimeFigureOut">
               <a:rPr lang="zh-CN" altLang="en-US" smtClean="0"/>
-              <a:t>2018/11/2</a:t>
+              <a:t>2018/11/6</a:t>
             </a:fld>
             <a:endParaRPr lang="zh-CN" altLang="en-US"/>
           </a:p>
@@ -2368,7 +2378,7 @@
           <a:p>
             <a:fld id="{61290F4B-38D6-495C-9C60-65B2A3385605}" type="datetimeFigureOut">
               <a:rPr lang="zh-CN" altLang="en-US" smtClean="0"/>
-              <a:t>2018/11/2</a:t>
+              <a:t>2018/11/6</a:t>
             </a:fld>
             <a:endParaRPr lang="zh-CN" altLang="en-US"/>
           </a:p>
@@ -2581,7 +2591,7 @@
           <a:p>
             <a:fld id="{61290F4B-38D6-495C-9C60-65B2A3385605}" type="datetimeFigureOut">
               <a:rPr lang="zh-CN" altLang="en-US" smtClean="0"/>
-              <a:t>2018/11/2</a:t>
+              <a:t>2018/11/6</a:t>
             </a:fld>
             <a:endParaRPr lang="zh-CN" altLang="en-US"/>
           </a:p>
@@ -2986,44 +2996,47 @@
           <a:chExt cx="0" cy="0"/>
         </a:xfrm>
       </p:grpSpPr>
-      <p:sp>
-        <p:nvSpPr>
-          <p:cNvPr id="2" name="标题 1"/>
-          <p:cNvSpPr>
-            <a:spLocks noGrp="1"/>
-          </p:cNvSpPr>
-          <p:nvPr>
-            <p:ph type="ctrTitle"/>
-          </p:nvPr>
-        </p:nvSpPr>
-        <p:spPr/>
-        <p:txBody>
-          <a:bodyPr/>
-          <a:lstStyle/>
-          <a:p>
-            <a:endParaRPr lang="zh-CN" altLang="en-US"/>
-          </a:p>
-        </p:txBody>
-      </p:sp>
-      <p:sp>
-        <p:nvSpPr>
-          <p:cNvPr id="3" name="副标题 2"/>
-          <p:cNvSpPr>
-            <a:spLocks noGrp="1"/>
-          </p:cNvSpPr>
-          <p:nvPr>
-            <p:ph type="subTitle" idx="1"/>
-          </p:nvPr>
-        </p:nvSpPr>
-        <p:spPr/>
-        <p:txBody>
-          <a:bodyPr/>
-          <a:lstStyle/>
-          <a:p>
-            <a:endParaRPr lang="zh-CN" altLang="en-US"/>
-          </a:p>
-        </p:txBody>
-      </p:sp>
+      <p:pic>
+        <p:nvPicPr>
+          <p:cNvPr id="4" name="Picture 4" descr="http://5b0988e595225.cdn.sohucs.com/images/20180418/73a83824f4f7488d92cc5f7d65764645.gif"/>
+          <p:cNvPicPr>
+            <a:picLocks noChangeAspect="1" noChangeArrowheads="1"/>
+          </p:cNvPicPr>
+          <p:nvPr/>
+        </p:nvPicPr>
+        <p:blipFill>
+          <a:blip r:embed="rId2">
+            <a:extLst>
+              <a:ext uri="{28A0092B-C50C-407E-A947-70E740481C1C}">
+                <a14:useLocalDpi xmlns:a14="http://schemas.microsoft.com/office/drawing/2010/main" val="0"/>
+              </a:ext>
+            </a:extLst>
+          </a:blip>
+          <a:srcRect/>
+          <a:stretch>
+            <a:fillRect/>
+          </a:stretch>
+        </p:blipFill>
+        <p:spPr bwMode="auto">
+          <a:xfrm>
+            <a:off x="1583393" y="1876315"/>
+            <a:ext cx="9144000" cy="2819400"/>
+          </a:xfrm>
+          <a:prstGeom prst="rect">
+            <a:avLst/>
+          </a:prstGeom>
+          <a:noFill/>
+          <a:extLst>
+            <a:ext uri="{909E8E84-426E-40DD-AFC4-6F175D3DCCD1}">
+              <a14:hiddenFill xmlns:a14="http://schemas.microsoft.com/office/drawing/2010/main">
+                <a:solidFill>
+                  <a:srgbClr val="FFFFFF"/>
+                </a:solidFill>
+              </a14:hiddenFill>
+            </a:ext>
+          </a:extLst>
+        </p:spPr>
+      </p:pic>
     </p:spTree>
     <p:extLst>
       <p:ext uri="{BB962C8B-B14F-4D97-AF65-F5344CB8AC3E}">
@@ -4177,7 +4190,6 @@
               <a:rPr kumimoji="1" lang="zh-CN" altLang="en-US" dirty="0"/>
               <a:t>品牌</a:t>
             </a:r>
-            <a:endParaRPr kumimoji="1" lang="zh-CN" altLang="en-US" dirty="0"/>
           </a:p>
         </p:txBody>
       </p:sp>
@@ -4197,7 +4209,7 @@
         </p:blipFill>
         <p:spPr>
           <a:xfrm>
-            <a:off x="6283586" y="4461214"/>
+            <a:off x="5932310" y="4758616"/>
             <a:ext cx="1705013" cy="1298433"/>
           </a:xfrm>
           <a:prstGeom prst="rect">
@@ -4245,7 +4257,7 @@
         </p:blipFill>
         <p:spPr>
           <a:xfrm>
-            <a:off x="6436013" y="1578238"/>
+            <a:off x="6940980" y="1578237"/>
             <a:ext cx="2095238" cy="1447619"/>
           </a:xfrm>
           <a:prstGeom prst="rect">
@@ -4255,7 +4267,7 @@
       </p:pic>
       <p:pic>
         <p:nvPicPr>
-          <p:cNvPr id="12" name="图片 11"/>
+          <p:cNvPr id="14" name="图片 13"/>
           <p:cNvPicPr>
             <a:picLocks noChangeAspect="1"/>
           </p:cNvPicPr>
@@ -4269,8 +4281,8 @@
         </p:blipFill>
         <p:spPr>
           <a:xfrm>
-            <a:off x="8667593" y="1624106"/>
-            <a:ext cx="2333333" cy="1323810"/>
+            <a:off x="3252121" y="3280204"/>
+            <a:ext cx="2410223" cy="1181010"/>
           </a:xfrm>
           <a:prstGeom prst="rect">
             <a:avLst/>
@@ -4279,7 +4291,7 @@
       </p:pic>
       <p:pic>
         <p:nvPicPr>
-          <p:cNvPr id="14" name="图片 13"/>
+          <p:cNvPr id="2" name="图片 1"/>
           <p:cNvPicPr>
             <a:picLocks noChangeAspect="1"/>
           </p:cNvPicPr>
@@ -4293,8 +4305,32 @@
         </p:blipFill>
         <p:spPr>
           <a:xfrm>
-            <a:off x="3252121" y="3280204"/>
-            <a:ext cx="2410223" cy="1181010"/>
+            <a:off x="7735811" y="3588934"/>
+            <a:ext cx="2833804" cy="872280"/>
+          </a:xfrm>
+          <a:prstGeom prst="rect">
+            <a:avLst/>
+          </a:prstGeom>
+        </p:spPr>
+      </p:pic>
+      <p:pic>
+        <p:nvPicPr>
+          <p:cNvPr id="4" name="图片 3"/>
+          <p:cNvPicPr>
+            <a:picLocks noChangeAspect="1"/>
+          </p:cNvPicPr>
+          <p:nvPr/>
+        </p:nvPicPr>
+        <p:blipFill>
+          <a:blip r:embed="rId7"/>
+          <a:stretch>
+            <a:fillRect/>
+          </a:stretch>
+        </p:blipFill>
+        <p:spPr>
+          <a:xfrm>
+            <a:off x="1138195" y="4985112"/>
+            <a:ext cx="2770055" cy="1071937"/>
           </a:xfrm>
           <a:prstGeom prst="rect">
             <a:avLst/>
@@ -4341,7 +4377,7 @@
         </p:nvSpPr>
         <p:spPr>
           <a:xfrm>
-            <a:off x="1638996" y="344732"/>
+            <a:off x="1352393" y="440267"/>
             <a:ext cx="9144000" cy="1037696"/>
           </a:xfrm>
           <a:prstGeom prst="rect">
@@ -4373,17 +4409,41 @@
           </a:lstStyle>
           <a:p>
             <a:r>
-              <a:rPr lang="zh-CN" altLang="en-US" dirty="0"/>
-              <a:t>跑步是最省钱的运动</a:t>
-            </a:r>
-            <a:endParaRPr lang="zh-CN" altLang="en-US" dirty="0"/>
-          </a:p>
-        </p:txBody>
-      </p:sp>
+              <a:rPr kumimoji="1" lang="zh-CN" altLang="en-US" dirty="0" smtClean="0"/>
+              <a:t>亚瑟士</a:t>
+            </a:r>
+            <a:endParaRPr kumimoji="1" lang="zh-CN" altLang="en-US" dirty="0"/>
+          </a:p>
+        </p:txBody>
+      </p:sp>
+      <p:pic>
+        <p:nvPicPr>
+          <p:cNvPr id="5" name="图片 4"/>
+          <p:cNvPicPr>
+            <a:picLocks noChangeAspect="1"/>
+          </p:cNvPicPr>
+          <p:nvPr/>
+        </p:nvPicPr>
+        <p:blipFill>
+          <a:blip r:embed="rId2"/>
+          <a:stretch>
+            <a:fillRect/>
+          </a:stretch>
+        </p:blipFill>
+        <p:spPr>
+          <a:xfrm>
+            <a:off x="2735902" y="1619180"/>
+            <a:ext cx="6376982" cy="4713990"/>
+          </a:xfrm>
+          <a:prstGeom prst="rect">
+            <a:avLst/>
+          </a:prstGeom>
+        </p:spPr>
+      </p:pic>
     </p:spTree>
     <p:extLst>
       <p:ext uri="{BB962C8B-B14F-4D97-AF65-F5344CB8AC3E}">
-        <p14:creationId xmlns:p14="http://schemas.microsoft.com/office/powerpoint/2010/main" val="3363770656"/>
+        <p14:creationId xmlns:p14="http://schemas.microsoft.com/office/powerpoint/2010/main" val="1006665238"/>
       </p:ext>
     </p:extLst>
   </p:cSld>
@@ -4410,74 +4470,88 @@
           <a:chExt cx="0" cy="0"/>
         </a:xfrm>
       </p:grpSpPr>
-      <p:sp>
-        <p:nvSpPr>
-          <p:cNvPr id="2" name="矩形 1"/>
-          <p:cNvSpPr/>
+      <p:pic>
+        <p:nvPicPr>
+          <p:cNvPr id="2" name="图片 1"/>
+          <p:cNvPicPr>
+            <a:picLocks noChangeAspect="1"/>
+          </p:cNvPicPr>
           <p:nvPr/>
-        </p:nvSpPr>
-        <p:spPr>
-          <a:xfrm>
-            <a:off x="1123666" y="1629854"/>
-            <a:ext cx="10108442" cy="3170099"/>
+        </p:nvPicPr>
+        <p:blipFill>
+          <a:blip r:embed="rId2"/>
+          <a:stretch>
+            <a:fillRect/>
+          </a:stretch>
+        </p:blipFill>
+        <p:spPr>
+          <a:xfrm>
+            <a:off x="1248538" y="849596"/>
+            <a:ext cx="9334335" cy="4568565"/>
           </a:xfrm>
           <a:prstGeom prst="rect">
             <a:avLst/>
           </a:prstGeom>
         </p:spPr>
-        <p:txBody>
-          <a:bodyPr wrap="square">
-            <a:spAutoFit/>
-          </a:bodyPr>
-          <a:lstStyle/>
-          <a:p>
-            <a:r>
-              <a:rPr lang="en-US" altLang="zh-CN" sz="4000" b="0" i="0" dirty="0" smtClean="0">
-                <a:solidFill>
-                  <a:srgbClr val="000000"/>
-                </a:solidFill>
-                <a:effectLst/>
-                <a:latin typeface="微软雅黑" panose="020B0503020204020204" pitchFamily="34" charset="-122"/>
-                <a:ea typeface="微软雅黑" panose="020B0503020204020204" pitchFamily="34" charset="-122"/>
-              </a:rPr>
-              <a:t>You don't stop running because you get old, you get old because you stop running. </a:t>
-            </a:r>
-            <a:br>
-              <a:rPr lang="en-US" altLang="zh-CN" sz="4000" b="0" i="0" dirty="0" smtClean="0">
-                <a:solidFill>
-                  <a:srgbClr val="000000"/>
-                </a:solidFill>
-                <a:effectLst/>
-                <a:latin typeface="微软雅黑" panose="020B0503020204020204" pitchFamily="34" charset="-122"/>
-                <a:ea typeface="微软雅黑" panose="020B0503020204020204" pitchFamily="34" charset="-122"/>
-              </a:rPr>
-            </a:br>
-            <a:r>
-              <a:rPr lang="zh-CN" altLang="en-US" sz="4000" b="0" i="0" dirty="0" smtClean="0">
-                <a:solidFill>
-                  <a:srgbClr val="000000"/>
-                </a:solidFill>
-                <a:effectLst/>
-                <a:latin typeface="微软雅黑" panose="020B0503020204020204" pitchFamily="34" charset="-122"/>
-                <a:ea typeface="微软雅黑" panose="020B0503020204020204" pitchFamily="34" charset="-122"/>
-              </a:rPr>
-              <a:t>你不是因为变老而停止跑步，你是因为停止跑步才变老。</a:t>
-            </a:r>
-            <a:endParaRPr lang="zh-CN" altLang="en-US" sz="4000" b="0" i="0" dirty="0">
-              <a:solidFill>
-                <a:srgbClr val="000000"/>
-              </a:solidFill>
-              <a:effectLst/>
-              <a:latin typeface="微软雅黑" panose="020B0503020204020204" pitchFamily="34" charset="-122"/>
-              <a:ea typeface="微软雅黑" panose="020B0503020204020204" pitchFamily="34" charset="-122"/>
-            </a:endParaRPr>
-          </a:p>
-        </p:txBody>
-      </p:sp>
+      </p:pic>
     </p:spTree>
     <p:extLst>
       <p:ext uri="{BB962C8B-B14F-4D97-AF65-F5344CB8AC3E}">
-        <p14:creationId xmlns:p14="http://schemas.microsoft.com/office/powerpoint/2010/main" val="783356898"/>
+        <p14:creationId xmlns:p14="http://schemas.microsoft.com/office/powerpoint/2010/main" val="1568557732"/>
+      </p:ext>
+    </p:extLst>
+  </p:cSld>
+  <p:clrMapOvr>
+    <a:masterClrMapping/>
+  </p:clrMapOvr>
+</p:sld>
+</file>
+
+<file path=ppt/slides/slide19.xml><?xml version="1.0" encoding="utf-8"?>
+<p:sld xmlns:a="http://schemas.openxmlformats.org/drawingml/2006/main" xmlns:r="http://schemas.openxmlformats.org/officeDocument/2006/relationships" xmlns:p="http://schemas.openxmlformats.org/presentationml/2006/main">
+  <p:cSld>
+    <p:spTree>
+      <p:nvGrpSpPr>
+        <p:cNvPr id="1" name=""/>
+        <p:cNvGrpSpPr/>
+        <p:nvPr/>
+      </p:nvGrpSpPr>
+      <p:grpSpPr>
+        <a:xfrm>
+          <a:off x="0" y="0"/>
+          <a:ext cx="0" cy="0"/>
+          <a:chOff x="0" y="0"/>
+          <a:chExt cx="0" cy="0"/>
+        </a:xfrm>
+      </p:grpSpPr>
+      <p:pic>
+        <p:nvPicPr>
+          <p:cNvPr id="3" name="图片 2"/>
+          <p:cNvPicPr>
+            <a:picLocks noChangeAspect="1"/>
+          </p:cNvPicPr>
+          <p:nvPr/>
+        </p:nvPicPr>
+        <p:blipFill>
+          <a:blip r:embed="rId2"/>
+          <a:stretch>
+            <a:fillRect/>
+          </a:stretch>
+        </p:blipFill>
+        <p:spPr>
+          <a:xfrm>
+            <a:off x="1978927" y="1108054"/>
+            <a:ext cx="7893744" cy="4175015"/>
+          </a:xfrm>
+          <a:prstGeom prst="rect">
+            <a:avLst/>
+          </a:prstGeom>
+        </p:spPr>
+      </p:pic>
+    </p:spTree>
+    <p:extLst>
+      <p:ext uri="{BB962C8B-B14F-4D97-AF65-F5344CB8AC3E}">
+        <p14:creationId xmlns:p14="http://schemas.microsoft.com/office/powerpoint/2010/main" val="68429218"/>
       </p:ext>
     </p:extLst>
   </p:cSld>
@@ -4532,161 +4606,783 @@
           </a:p>
         </p:txBody>
       </p:sp>
-      <p:sp>
-        <p:nvSpPr>
-          <p:cNvPr id="4" name="矩形 3"/>
-          <p:cNvSpPr/>
-          <p:nvPr/>
-        </p:nvSpPr>
-        <p:spPr>
-          <a:xfrm>
-            <a:off x="2349539" y="1879558"/>
-            <a:ext cx="684803" cy="523220"/>
-          </a:xfrm>
-          <a:prstGeom prst="rect">
-            <a:avLst/>
-          </a:prstGeom>
-        </p:spPr>
-        <p:txBody>
-          <a:bodyPr wrap="none">
-            <a:spAutoFit/>
-          </a:bodyPr>
-          <a:lstStyle/>
-          <a:p>
-            <a:r>
-              <a:rPr lang="en-US" altLang="zh-CN" sz="2800" dirty="0" smtClean="0">
-                <a:latin typeface="arial" charset="0"/>
-              </a:rPr>
-              <a:t>1/3</a:t>
-            </a:r>
-            <a:endParaRPr lang="zh-CN" altLang="en-US" sz="2800" dirty="0"/>
-          </a:p>
-        </p:txBody>
-      </p:sp>
-      <p:sp>
-        <p:nvSpPr>
-          <p:cNvPr id="5" name="矩形 4"/>
-          <p:cNvSpPr/>
-          <p:nvPr/>
-        </p:nvSpPr>
-        <p:spPr>
-          <a:xfrm>
-            <a:off x="2395021" y="2792242"/>
-            <a:ext cx="684803" cy="523220"/>
-          </a:xfrm>
-          <a:prstGeom prst="rect">
-            <a:avLst/>
-          </a:prstGeom>
-        </p:spPr>
-        <p:txBody>
-          <a:bodyPr wrap="none">
-            <a:spAutoFit/>
-          </a:bodyPr>
-          <a:lstStyle/>
-          <a:p>
-            <a:r>
-              <a:rPr lang="en-US" altLang="zh-CN" sz="2800" dirty="0" smtClean="0">
-                <a:latin typeface="arial" charset="0"/>
-              </a:rPr>
-              <a:t>1/5</a:t>
-            </a:r>
-          </a:p>
-        </p:txBody>
-      </p:sp>
-      <p:sp>
-        <p:nvSpPr>
-          <p:cNvPr id="6" name="矩形 5"/>
-          <p:cNvSpPr/>
-          <p:nvPr/>
-        </p:nvSpPr>
-        <p:spPr>
-          <a:xfrm>
-            <a:off x="2440503" y="3704926"/>
-            <a:ext cx="684803" cy="523220"/>
-          </a:xfrm>
-          <a:prstGeom prst="rect">
-            <a:avLst/>
-          </a:prstGeom>
-        </p:spPr>
-        <p:txBody>
-          <a:bodyPr wrap="none">
-            <a:spAutoFit/>
-          </a:bodyPr>
-          <a:lstStyle/>
-          <a:p>
-            <a:r>
-              <a:rPr lang="en-US" altLang="zh-CN" sz="2800" dirty="0" smtClean="0">
-                <a:latin typeface="arial" charset="0"/>
-              </a:rPr>
-              <a:t>1/7</a:t>
-            </a:r>
-          </a:p>
-        </p:txBody>
-      </p:sp>
-      <p:sp>
-        <p:nvSpPr>
-          <p:cNvPr id="7" name="矩形 6"/>
-          <p:cNvSpPr/>
-          <p:nvPr/>
-        </p:nvSpPr>
-        <p:spPr>
-          <a:xfrm>
-            <a:off x="2440503" y="4617610"/>
-            <a:ext cx="1204176" cy="523220"/>
-          </a:xfrm>
-          <a:prstGeom prst="rect">
-            <a:avLst/>
-          </a:prstGeom>
-        </p:spPr>
-        <p:txBody>
-          <a:bodyPr wrap="none">
-            <a:spAutoFit/>
-          </a:bodyPr>
-          <a:lstStyle/>
-          <a:p>
-            <a:r>
-              <a:rPr lang="en-US" altLang="zh-CN" sz="2800" dirty="0" smtClean="0">
-                <a:latin typeface="arial" charset="0"/>
-              </a:rPr>
-              <a:t>15.7%</a:t>
-            </a:r>
-          </a:p>
-        </p:txBody>
-      </p:sp>
-      <p:sp>
-        <p:nvSpPr>
-          <p:cNvPr id="8" name="矩形 7"/>
-          <p:cNvSpPr/>
-          <p:nvPr/>
-        </p:nvSpPr>
-        <p:spPr>
-          <a:xfrm>
-            <a:off x="2523218" y="5530294"/>
-            <a:ext cx="994183" cy="523220"/>
-          </a:xfrm>
-          <a:prstGeom prst="rect">
-            <a:avLst/>
-          </a:prstGeom>
-        </p:spPr>
-        <p:txBody>
-          <a:bodyPr wrap="none">
-            <a:spAutoFit/>
-          </a:bodyPr>
-          <a:lstStyle/>
-          <a:p>
-            <a:r>
-              <a:rPr lang="en-US" altLang="zh-CN" sz="2800" dirty="0" smtClean="0">
-                <a:latin typeface="arial" charset="0"/>
-              </a:rPr>
-              <a:t>2 ~ 3</a:t>
-            </a:r>
-          </a:p>
-        </p:txBody>
-      </p:sp>
     </p:spTree>
     <p:extLst>
       <p:ext uri="{BB962C8B-B14F-4D97-AF65-F5344CB8AC3E}">
         <p14:creationId xmlns:p14="http://schemas.microsoft.com/office/powerpoint/2010/main" val="3629642837"/>
+      </p:ext>
+    </p:extLst>
+  </p:cSld>
+  <p:clrMapOvr>
+    <a:masterClrMapping/>
+  </p:clrMapOvr>
+</p:sld>
+</file>
+
+<file path=ppt/slides/slide20.xml><?xml version="1.0" encoding="utf-8"?>
+<p:sld xmlns:a="http://schemas.openxmlformats.org/drawingml/2006/main" xmlns:r="http://schemas.openxmlformats.org/officeDocument/2006/relationships" xmlns:p="http://schemas.openxmlformats.org/presentationml/2006/main">
+  <p:cSld>
+    <p:spTree>
+      <p:nvGrpSpPr>
+        <p:cNvPr id="1" name=""/>
+        <p:cNvGrpSpPr/>
+        <p:nvPr/>
+      </p:nvGrpSpPr>
+      <p:grpSpPr>
+        <a:xfrm>
+          <a:off x="0" y="0"/>
+          <a:ext cx="0" cy="0"/>
+          <a:chOff x="0" y="0"/>
+          <a:chExt cx="0" cy="0"/>
+        </a:xfrm>
+      </p:grpSpPr>
+      <p:sp>
+        <p:nvSpPr>
+          <p:cNvPr id="3" name="标题 1"/>
+          <p:cNvSpPr txBox="1">
+            <a:spLocks/>
+          </p:cNvSpPr>
+          <p:nvPr/>
+        </p:nvSpPr>
+        <p:spPr>
+          <a:xfrm>
+            <a:off x="1352393" y="440267"/>
+            <a:ext cx="9144000" cy="1037696"/>
+          </a:xfrm>
+          <a:prstGeom prst="rect">
+            <a:avLst/>
+          </a:prstGeom>
+        </p:spPr>
+        <p:txBody>
+          <a:bodyPr vert="horz" lIns="91440" tIns="45720" rIns="91440" bIns="45720" rtlCol="0" anchor="b">
+            <a:normAutofit/>
+          </a:bodyPr>
+          <a:lstStyle>
+            <a:lvl1pPr algn="ctr" defTabSz="914400" rtl="0" eaLnBrk="1" latinLnBrk="0" hangingPunct="1">
+              <a:lnSpc>
+                <a:spcPct val="90000"/>
+              </a:lnSpc>
+              <a:spcBef>
+                <a:spcPct val="0"/>
+              </a:spcBef>
+              <a:buNone/>
+              <a:defRPr sz="6000" kern="1200">
+                <a:solidFill>
+                  <a:schemeClr val="tx1"/>
+                </a:solidFill>
+                <a:latin typeface="+mj-lt"/>
+                <a:ea typeface="+mj-ea"/>
+                <a:cs typeface="+mj-cs"/>
+              </a:defRPr>
+            </a:lvl1pPr>
+          </a:lstStyle>
+          <a:p>
+            <a:r>
+              <a:rPr kumimoji="1" lang="en-US" altLang="zh-CN" dirty="0"/>
+              <a:t>adidas</a:t>
+            </a:r>
+            <a:endParaRPr kumimoji="1" lang="zh-CN" altLang="en-US" dirty="0"/>
+          </a:p>
+        </p:txBody>
+      </p:sp>
+      <p:sp>
+        <p:nvSpPr>
+          <p:cNvPr id="2" name="矩形 1"/>
+          <p:cNvSpPr/>
+          <p:nvPr/>
+        </p:nvSpPr>
+        <p:spPr>
+          <a:xfrm>
+            <a:off x="3256948" y="1838615"/>
+            <a:ext cx="1127425" cy="584775"/>
+          </a:xfrm>
+          <a:prstGeom prst="rect">
+            <a:avLst/>
+          </a:prstGeom>
+        </p:spPr>
+        <p:txBody>
+          <a:bodyPr wrap="none">
+            <a:spAutoFit/>
+          </a:bodyPr>
+          <a:lstStyle/>
+          <a:p>
+            <a:r>
+              <a:rPr kumimoji="1" lang="en-US" altLang="zh-CN" sz="3200" dirty="0" smtClean="0"/>
+              <a:t>boost</a:t>
+            </a:r>
+            <a:endParaRPr lang="zh-CN" altLang="en-US" sz="3200" dirty="0"/>
+          </a:p>
+        </p:txBody>
+      </p:sp>
+    </p:spTree>
+    <p:extLst>
+      <p:ext uri="{BB962C8B-B14F-4D97-AF65-F5344CB8AC3E}">
+        <p14:creationId xmlns:p14="http://schemas.microsoft.com/office/powerpoint/2010/main" val="4239707030"/>
+      </p:ext>
+    </p:extLst>
+  </p:cSld>
+  <p:clrMapOvr>
+    <a:masterClrMapping/>
+  </p:clrMapOvr>
+</p:sld>
+</file>
+
+<file path=ppt/slides/slide21.xml><?xml version="1.0" encoding="utf-8"?>
+<p:sld xmlns:a="http://schemas.openxmlformats.org/drawingml/2006/main" xmlns:r="http://schemas.openxmlformats.org/officeDocument/2006/relationships" xmlns:p="http://schemas.openxmlformats.org/presentationml/2006/main">
+  <p:cSld>
+    <p:spTree>
+      <p:nvGrpSpPr>
+        <p:cNvPr id="1" name=""/>
+        <p:cNvGrpSpPr/>
+        <p:nvPr/>
+      </p:nvGrpSpPr>
+      <p:grpSpPr>
+        <a:xfrm>
+          <a:off x="0" y="0"/>
+          <a:ext cx="0" cy="0"/>
+          <a:chOff x="0" y="0"/>
+          <a:chExt cx="0" cy="0"/>
+        </a:xfrm>
+      </p:grpSpPr>
+      <p:sp>
+        <p:nvSpPr>
+          <p:cNvPr id="3" name="标题 1"/>
+          <p:cNvSpPr txBox="1">
+            <a:spLocks/>
+          </p:cNvSpPr>
+          <p:nvPr/>
+        </p:nvSpPr>
+        <p:spPr>
+          <a:xfrm>
+            <a:off x="1352393" y="440267"/>
+            <a:ext cx="9144000" cy="1037696"/>
+          </a:xfrm>
+          <a:prstGeom prst="rect">
+            <a:avLst/>
+          </a:prstGeom>
+        </p:spPr>
+        <p:txBody>
+          <a:bodyPr vert="horz" lIns="91440" tIns="45720" rIns="91440" bIns="45720" rtlCol="0" anchor="b">
+            <a:normAutofit/>
+          </a:bodyPr>
+          <a:lstStyle>
+            <a:lvl1pPr algn="ctr" defTabSz="914400" rtl="0" eaLnBrk="1" latinLnBrk="0" hangingPunct="1">
+              <a:lnSpc>
+                <a:spcPct val="90000"/>
+              </a:lnSpc>
+              <a:spcBef>
+                <a:spcPct val="0"/>
+              </a:spcBef>
+              <a:buNone/>
+              <a:defRPr sz="6000" kern="1200">
+                <a:solidFill>
+                  <a:schemeClr val="tx1"/>
+                </a:solidFill>
+                <a:latin typeface="+mj-lt"/>
+                <a:ea typeface="+mj-ea"/>
+                <a:cs typeface="+mj-cs"/>
+              </a:defRPr>
+            </a:lvl1pPr>
+          </a:lstStyle>
+          <a:p>
+            <a:r>
+              <a:rPr kumimoji="1" lang="zh-CN" altLang="en-US" dirty="0" smtClean="0"/>
+              <a:t>美津浓</a:t>
+            </a:r>
+            <a:endParaRPr kumimoji="1" lang="zh-CN" altLang="en-US" dirty="0"/>
+          </a:p>
+        </p:txBody>
+      </p:sp>
+      <p:pic>
+        <p:nvPicPr>
+          <p:cNvPr id="7" name="图片 6"/>
+          <p:cNvPicPr>
+            <a:picLocks noChangeAspect="1"/>
+          </p:cNvPicPr>
+          <p:nvPr/>
+        </p:nvPicPr>
+        <p:blipFill>
+          <a:blip r:embed="rId2"/>
+          <a:stretch>
+            <a:fillRect/>
+          </a:stretch>
+        </p:blipFill>
+        <p:spPr>
+          <a:xfrm>
+            <a:off x="1846347" y="2233330"/>
+            <a:ext cx="2385859" cy="1648412"/>
+          </a:xfrm>
+          <a:prstGeom prst="rect">
+            <a:avLst/>
+          </a:prstGeom>
+        </p:spPr>
+      </p:pic>
+      <p:pic>
+        <p:nvPicPr>
+          <p:cNvPr id="8" name="图片 7"/>
+          <p:cNvPicPr>
+            <a:picLocks noChangeAspect="1"/>
+          </p:cNvPicPr>
+          <p:nvPr/>
+        </p:nvPicPr>
+        <p:blipFill>
+          <a:blip r:embed="rId3"/>
+          <a:stretch>
+            <a:fillRect/>
+          </a:stretch>
+        </p:blipFill>
+        <p:spPr>
+          <a:xfrm>
+            <a:off x="7625976" y="2411730"/>
+            <a:ext cx="2518860" cy="1429068"/>
+          </a:xfrm>
+          <a:prstGeom prst="rect">
+            <a:avLst/>
+          </a:prstGeom>
+        </p:spPr>
+      </p:pic>
+    </p:spTree>
+    <p:extLst>
+      <p:ext uri="{BB962C8B-B14F-4D97-AF65-F5344CB8AC3E}">
+        <p14:creationId xmlns:p14="http://schemas.microsoft.com/office/powerpoint/2010/main" val="1496799608"/>
+      </p:ext>
+    </p:extLst>
+  </p:cSld>
+  <p:clrMapOvr>
+    <a:masterClrMapping/>
+  </p:clrMapOvr>
+</p:sld>
+</file>
+
+<file path=ppt/slides/slide22.xml><?xml version="1.0" encoding="utf-8"?>
+<p:sld xmlns:a="http://schemas.openxmlformats.org/drawingml/2006/main" xmlns:r="http://schemas.openxmlformats.org/officeDocument/2006/relationships" xmlns:p="http://schemas.openxmlformats.org/presentationml/2006/main">
+  <p:cSld>
+    <p:spTree>
+      <p:nvGrpSpPr>
+        <p:cNvPr id="1" name=""/>
+        <p:cNvGrpSpPr/>
+        <p:nvPr/>
+      </p:nvGrpSpPr>
+      <p:grpSpPr>
+        <a:xfrm>
+          <a:off x="0" y="0"/>
+          <a:ext cx="0" cy="0"/>
+          <a:chOff x="0" y="0"/>
+          <a:chExt cx="0" cy="0"/>
+        </a:xfrm>
+      </p:grpSpPr>
+      <p:pic>
+        <p:nvPicPr>
+          <p:cNvPr id="2" name="图片 1"/>
+          <p:cNvPicPr>
+            <a:picLocks noChangeAspect="1"/>
+          </p:cNvPicPr>
+          <p:nvPr/>
+        </p:nvPicPr>
+        <p:blipFill>
+          <a:blip r:embed="rId2"/>
+          <a:stretch>
+            <a:fillRect/>
+          </a:stretch>
+        </p:blipFill>
+        <p:spPr>
+          <a:xfrm>
+            <a:off x="1961717" y="1104096"/>
+            <a:ext cx="7679694" cy="4027462"/>
+          </a:xfrm>
+          <a:prstGeom prst="rect">
+            <a:avLst/>
+          </a:prstGeom>
+        </p:spPr>
+      </p:pic>
+    </p:spTree>
+    <p:extLst>
+      <p:ext uri="{BB962C8B-B14F-4D97-AF65-F5344CB8AC3E}">
+        <p14:creationId xmlns:p14="http://schemas.microsoft.com/office/powerpoint/2010/main" val="3859669827"/>
+      </p:ext>
+    </p:extLst>
+  </p:cSld>
+  <p:clrMapOvr>
+    <a:masterClrMapping/>
+  </p:clrMapOvr>
+</p:sld>
+</file>
+
+<file path=ppt/slides/slide23.xml><?xml version="1.0" encoding="utf-8"?>
+<p:sld xmlns:a="http://schemas.openxmlformats.org/drawingml/2006/main" xmlns:r="http://schemas.openxmlformats.org/officeDocument/2006/relationships" xmlns:p="http://schemas.openxmlformats.org/presentationml/2006/main">
+  <p:cSld>
+    <p:spTree>
+      <p:nvGrpSpPr>
+        <p:cNvPr id="1" name=""/>
+        <p:cNvGrpSpPr/>
+        <p:nvPr/>
+      </p:nvGrpSpPr>
+      <p:grpSpPr>
+        <a:xfrm>
+          <a:off x="0" y="0"/>
+          <a:ext cx="0" cy="0"/>
+          <a:chOff x="0" y="0"/>
+          <a:chExt cx="0" cy="0"/>
+        </a:xfrm>
+      </p:grpSpPr>
+      <p:pic>
+        <p:nvPicPr>
+          <p:cNvPr id="3" name="图片 2"/>
+          <p:cNvPicPr>
+            <a:picLocks noChangeAspect="1"/>
+          </p:cNvPicPr>
+          <p:nvPr/>
+        </p:nvPicPr>
+        <p:blipFill>
+          <a:blip r:embed="rId2"/>
+          <a:stretch>
+            <a:fillRect/>
+          </a:stretch>
+        </p:blipFill>
+        <p:spPr>
+          <a:xfrm>
+            <a:off x="1789429" y="1351128"/>
+            <a:ext cx="8441978" cy="3826721"/>
+          </a:xfrm>
+          <a:prstGeom prst="rect">
+            <a:avLst/>
+          </a:prstGeom>
+        </p:spPr>
+      </p:pic>
+    </p:spTree>
+    <p:extLst>
+      <p:ext uri="{BB962C8B-B14F-4D97-AF65-F5344CB8AC3E}">
+        <p14:creationId xmlns:p14="http://schemas.microsoft.com/office/powerpoint/2010/main" val="2599077769"/>
+      </p:ext>
+    </p:extLst>
+  </p:cSld>
+  <p:clrMapOvr>
+    <a:masterClrMapping/>
+  </p:clrMapOvr>
+</p:sld>
+</file>
+
+<file path=ppt/slides/slide24.xml><?xml version="1.0" encoding="utf-8"?>
+<p:sld xmlns:a="http://schemas.openxmlformats.org/drawingml/2006/main" xmlns:r="http://schemas.openxmlformats.org/officeDocument/2006/relationships" xmlns:p="http://schemas.openxmlformats.org/presentationml/2006/main">
+  <p:cSld>
+    <p:spTree>
+      <p:nvGrpSpPr>
+        <p:cNvPr id="1" name=""/>
+        <p:cNvGrpSpPr/>
+        <p:nvPr/>
+      </p:nvGrpSpPr>
+      <p:grpSpPr>
+        <a:xfrm>
+          <a:off x="0" y="0"/>
+          <a:ext cx="0" cy="0"/>
+          <a:chOff x="0" y="0"/>
+          <a:chExt cx="0" cy="0"/>
+        </a:xfrm>
+      </p:grpSpPr>
+      <p:pic>
+        <p:nvPicPr>
+          <p:cNvPr id="1026" name="Picture 2" descr="https://gd1.alicdn.com/imgextra/i1/55179079/O1CN012GwEKsoDN0nWxxl_!!55179079.jpg"/>
+          <p:cNvPicPr>
+            <a:picLocks noChangeAspect="1" noChangeArrowheads="1"/>
+          </p:cNvPicPr>
+          <p:nvPr/>
+        </p:nvPicPr>
+        <p:blipFill>
+          <a:blip r:embed="rId2">
+            <a:extLst>
+              <a:ext uri="{28A0092B-C50C-407E-A947-70E740481C1C}">
+                <a14:useLocalDpi xmlns:a14="http://schemas.microsoft.com/office/drawing/2010/main" val="0"/>
+              </a:ext>
+            </a:extLst>
+          </a:blip>
+          <a:srcRect/>
+          <a:stretch>
+            <a:fillRect/>
+          </a:stretch>
+        </p:blipFill>
+        <p:spPr bwMode="auto">
+          <a:xfrm>
+            <a:off x="1629533" y="539040"/>
+            <a:ext cx="8749031" cy="5807169"/>
+          </a:xfrm>
+          <a:prstGeom prst="rect">
+            <a:avLst/>
+          </a:prstGeom>
+          <a:noFill/>
+          <a:extLst>
+            <a:ext uri="{909E8E84-426E-40DD-AFC4-6F175D3DCCD1}">
+              <a14:hiddenFill xmlns:a14="http://schemas.microsoft.com/office/drawing/2010/main">
+                <a:solidFill>
+                  <a:srgbClr val="FFFFFF"/>
+                </a:solidFill>
+              </a14:hiddenFill>
+            </a:ext>
+          </a:extLst>
+        </p:spPr>
+      </p:pic>
+    </p:spTree>
+    <p:extLst>
+      <p:ext uri="{BB962C8B-B14F-4D97-AF65-F5344CB8AC3E}">
+        <p14:creationId xmlns:p14="http://schemas.microsoft.com/office/powerpoint/2010/main" val="695833860"/>
+      </p:ext>
+    </p:extLst>
+  </p:cSld>
+  <p:clrMapOvr>
+    <a:masterClrMapping/>
+  </p:clrMapOvr>
+</p:sld>
+</file>
+
+<file path=ppt/slides/slide25.xml><?xml version="1.0" encoding="utf-8"?>
+<p:sld xmlns:a="http://schemas.openxmlformats.org/drawingml/2006/main" xmlns:r="http://schemas.openxmlformats.org/officeDocument/2006/relationships" xmlns:p="http://schemas.openxmlformats.org/presentationml/2006/main">
+  <p:cSld>
+    <p:spTree>
+      <p:nvGrpSpPr>
+        <p:cNvPr id="1" name=""/>
+        <p:cNvGrpSpPr/>
+        <p:nvPr/>
+      </p:nvGrpSpPr>
+      <p:grpSpPr>
+        <a:xfrm>
+          <a:off x="0" y="0"/>
+          <a:ext cx="0" cy="0"/>
+          <a:chOff x="0" y="0"/>
+          <a:chExt cx="0" cy="0"/>
+        </a:xfrm>
+      </p:grpSpPr>
+      <p:pic>
+        <p:nvPicPr>
+          <p:cNvPr id="2" name="图片 1"/>
+          <p:cNvPicPr>
+            <a:picLocks noChangeAspect="1"/>
+          </p:cNvPicPr>
+          <p:nvPr/>
+        </p:nvPicPr>
+        <p:blipFill>
+          <a:blip r:embed="rId2"/>
+          <a:stretch>
+            <a:fillRect/>
+          </a:stretch>
+        </p:blipFill>
+        <p:spPr>
+          <a:xfrm>
+            <a:off x="1673888" y="1050878"/>
+            <a:ext cx="7886728" cy="4224078"/>
+          </a:xfrm>
+          <a:prstGeom prst="rect">
+            <a:avLst/>
+          </a:prstGeom>
+        </p:spPr>
+      </p:pic>
+    </p:spTree>
+    <p:extLst>
+      <p:ext uri="{BB962C8B-B14F-4D97-AF65-F5344CB8AC3E}">
+        <p14:creationId xmlns:p14="http://schemas.microsoft.com/office/powerpoint/2010/main" val="421658426"/>
+      </p:ext>
+    </p:extLst>
+  </p:cSld>
+  <p:clrMapOvr>
+    <a:masterClrMapping/>
+  </p:clrMapOvr>
+</p:sld>
+</file>
+
+<file path=ppt/slides/slide26.xml><?xml version="1.0" encoding="utf-8"?>
+<p:sld xmlns:a="http://schemas.openxmlformats.org/drawingml/2006/main" xmlns:r="http://schemas.openxmlformats.org/officeDocument/2006/relationships" xmlns:p="http://schemas.openxmlformats.org/presentationml/2006/main">
+  <p:cSld>
+    <p:spTree>
+      <p:nvGrpSpPr>
+        <p:cNvPr id="1" name=""/>
+        <p:cNvGrpSpPr/>
+        <p:nvPr/>
+      </p:nvGrpSpPr>
+      <p:grpSpPr>
+        <a:xfrm>
+          <a:off x="0" y="0"/>
+          <a:ext cx="0" cy="0"/>
+          <a:chOff x="0" y="0"/>
+          <a:chExt cx="0" cy="0"/>
+        </a:xfrm>
+      </p:grpSpPr>
+      <p:sp>
+        <p:nvSpPr>
+          <p:cNvPr id="4" name="矩形 3"/>
+          <p:cNvSpPr/>
+          <p:nvPr/>
+        </p:nvSpPr>
+        <p:spPr>
+          <a:xfrm>
+            <a:off x="973536" y="1992279"/>
+            <a:ext cx="10463285" cy="1200329"/>
+          </a:xfrm>
+          <a:prstGeom prst="rect">
+            <a:avLst/>
+          </a:prstGeom>
+        </p:spPr>
+        <p:txBody>
+          <a:bodyPr wrap="square">
+            <a:spAutoFit/>
+          </a:bodyPr>
+          <a:lstStyle/>
+          <a:p>
+            <a:r>
+              <a:rPr lang="zh-CN" altLang="en-US" dirty="0">
+                <a:solidFill>
+                  <a:srgbClr val="333333"/>
+                </a:solidFill>
+                <a:latin typeface="Helvetica" panose="020B0604020202020204" pitchFamily="34" charset="0"/>
+              </a:rPr>
+              <a:t>“崭新的水野牌（</a:t>
+            </a:r>
+            <a:r>
+              <a:rPr lang="en-US" altLang="zh-CN" dirty="0">
+                <a:solidFill>
+                  <a:srgbClr val="333333"/>
+                </a:solidFill>
+                <a:latin typeface="Helvetica" panose="020B0604020202020204" pitchFamily="34" charset="0"/>
+              </a:rPr>
+              <a:t>Mizuno</a:t>
+            </a:r>
+            <a:r>
+              <a:rPr lang="zh-CN" altLang="en-US" dirty="0">
+                <a:solidFill>
+                  <a:srgbClr val="333333"/>
+                </a:solidFill>
+                <a:latin typeface="Helvetica" panose="020B0604020202020204" pitchFamily="34" charset="0"/>
+              </a:rPr>
+              <a:t>）</a:t>
+            </a:r>
+            <a:r>
+              <a:rPr lang="zh-CN" altLang="en-US" dirty="0">
+                <a:latin typeface="Helvetica" panose="020B0604020202020204" pitchFamily="34" charset="0"/>
+              </a:rPr>
+              <a:t>慢跑鞋</a:t>
+            </a:r>
+            <a:r>
+              <a:rPr lang="zh-CN" altLang="en-US" dirty="0">
+                <a:solidFill>
+                  <a:srgbClr val="333333"/>
+                </a:solidFill>
+                <a:latin typeface="Helvetica" panose="020B0604020202020204" pitchFamily="34" charset="0"/>
+              </a:rPr>
+              <a:t>买好了</a:t>
+            </a:r>
+            <a:r>
+              <a:rPr lang="en-US" altLang="zh-CN" dirty="0">
+                <a:solidFill>
+                  <a:srgbClr val="333333"/>
+                </a:solidFill>
+                <a:latin typeface="Helvetica" panose="020B0604020202020204" pitchFamily="34" charset="0"/>
+              </a:rPr>
+              <a:t>……</a:t>
+            </a:r>
+            <a:r>
+              <a:rPr lang="zh-CN" altLang="en-US" dirty="0">
+                <a:solidFill>
+                  <a:srgbClr val="333333"/>
+                </a:solidFill>
+                <a:latin typeface="Helvetica" panose="020B0604020202020204" pitchFamily="34" charset="0"/>
+              </a:rPr>
+              <a:t>一如往常，是那种不屑去讨好顾客的脚感</a:t>
+            </a:r>
+            <a:r>
+              <a:rPr lang="en-US" altLang="zh-CN" dirty="0">
+                <a:solidFill>
+                  <a:srgbClr val="333333"/>
+                </a:solidFill>
+                <a:latin typeface="Helvetica" panose="020B0604020202020204" pitchFamily="34" charset="0"/>
+              </a:rPr>
+              <a:t>……</a:t>
+            </a:r>
+            <a:r>
+              <a:rPr lang="zh-CN" altLang="en-US" dirty="0">
+                <a:solidFill>
+                  <a:srgbClr val="333333"/>
+                </a:solidFill>
+                <a:latin typeface="Helvetica" panose="020B0604020202020204" pitchFamily="34" charset="0"/>
+              </a:rPr>
+              <a:t>这当然只是我的感想，萝卜青菜各有所爱吧。从前，我曾有机会跟水野慢跑鞋的销售负责人交谈过，当时他很有些不平：‘我们公司的鞋子外形朴素，不引人瞩目。虽然对于产品，我们很有自信，可就是看上去不讨人喜欢呀。’”</a:t>
+            </a:r>
+            <a:endParaRPr lang="zh-CN" altLang="en-US" dirty="0"/>
+          </a:p>
+        </p:txBody>
+      </p:sp>
+    </p:spTree>
+    <p:extLst>
+      <p:ext uri="{BB962C8B-B14F-4D97-AF65-F5344CB8AC3E}">
+        <p14:creationId xmlns:p14="http://schemas.microsoft.com/office/powerpoint/2010/main" val="3775161474"/>
+      </p:ext>
+    </p:extLst>
+  </p:cSld>
+  <p:clrMapOvr>
+    <a:masterClrMapping/>
+  </p:clrMapOvr>
+</p:sld>
+</file>
+
+<file path=ppt/slides/slide27.xml><?xml version="1.0" encoding="utf-8"?>
+<p:sld xmlns:a="http://schemas.openxmlformats.org/drawingml/2006/main" xmlns:r="http://schemas.openxmlformats.org/officeDocument/2006/relationships" xmlns:p="http://schemas.openxmlformats.org/presentationml/2006/main">
+  <p:cSld>
+    <p:spTree>
+      <p:nvGrpSpPr>
+        <p:cNvPr id="1" name=""/>
+        <p:cNvGrpSpPr/>
+        <p:nvPr/>
+      </p:nvGrpSpPr>
+      <p:grpSpPr>
+        <a:xfrm>
+          <a:off x="0" y="0"/>
+          <a:ext cx="0" cy="0"/>
+          <a:chOff x="0" y="0"/>
+          <a:chExt cx="0" cy="0"/>
+        </a:xfrm>
+      </p:grpSpPr>
+      <p:sp>
+        <p:nvSpPr>
+          <p:cNvPr id="3" name="标题 1"/>
+          <p:cNvSpPr txBox="1">
+            <a:spLocks/>
+          </p:cNvSpPr>
+          <p:nvPr/>
+        </p:nvSpPr>
+        <p:spPr>
+          <a:xfrm>
+            <a:off x="1638996" y="344732"/>
+            <a:ext cx="9144000" cy="1037696"/>
+          </a:xfrm>
+          <a:prstGeom prst="rect">
+            <a:avLst/>
+          </a:prstGeom>
+        </p:spPr>
+        <p:txBody>
+          <a:bodyPr vert="horz" lIns="91440" tIns="45720" rIns="91440" bIns="45720" rtlCol="0" anchor="b">
+            <a:normAutofit/>
+          </a:bodyPr>
+          <a:lstStyle>
+            <a:lvl1pPr algn="ctr" defTabSz="914400" rtl="0" eaLnBrk="1" latinLnBrk="0" hangingPunct="1">
+              <a:lnSpc>
+                <a:spcPct val="90000"/>
+              </a:lnSpc>
+              <a:spcBef>
+                <a:spcPct val="0"/>
+              </a:spcBef>
+              <a:buNone/>
+              <a:defRPr sz="6000" kern="1200">
+                <a:solidFill>
+                  <a:schemeClr val="tx1"/>
+                </a:solidFill>
+                <a:latin typeface="+mj-lt"/>
+                <a:ea typeface="+mj-ea"/>
+                <a:cs typeface="+mj-cs"/>
+              </a:defRPr>
+            </a:lvl1pPr>
+          </a:lstStyle>
+          <a:p>
+            <a:r>
+              <a:rPr lang="zh-CN" altLang="en-US" dirty="0"/>
+              <a:t>跑步是最省钱的运动</a:t>
+            </a:r>
+          </a:p>
+        </p:txBody>
+      </p:sp>
+    </p:spTree>
+    <p:extLst>
+      <p:ext uri="{BB962C8B-B14F-4D97-AF65-F5344CB8AC3E}">
+        <p14:creationId xmlns:p14="http://schemas.microsoft.com/office/powerpoint/2010/main" val="3363770656"/>
+      </p:ext>
+    </p:extLst>
+  </p:cSld>
+  <p:clrMapOvr>
+    <a:masterClrMapping/>
+  </p:clrMapOvr>
+</p:sld>
+</file>
+
+<file path=ppt/slides/slide28.xml><?xml version="1.0" encoding="utf-8"?>
+<p:sld xmlns:a="http://schemas.openxmlformats.org/drawingml/2006/main" xmlns:r="http://schemas.openxmlformats.org/officeDocument/2006/relationships" xmlns:p="http://schemas.openxmlformats.org/presentationml/2006/main">
+  <p:cSld>
+    <p:spTree>
+      <p:nvGrpSpPr>
+        <p:cNvPr id="1" name=""/>
+        <p:cNvGrpSpPr/>
+        <p:nvPr/>
+      </p:nvGrpSpPr>
+      <p:grpSpPr>
+        <a:xfrm>
+          <a:off x="0" y="0"/>
+          <a:ext cx="0" cy="0"/>
+          <a:chOff x="0" y="0"/>
+          <a:chExt cx="0" cy="0"/>
+        </a:xfrm>
+      </p:grpSpPr>
+      <p:sp>
+        <p:nvSpPr>
+          <p:cNvPr id="2" name="矩形 1"/>
+          <p:cNvSpPr/>
+          <p:nvPr/>
+        </p:nvSpPr>
+        <p:spPr>
+          <a:xfrm>
+            <a:off x="1123666" y="1629854"/>
+            <a:ext cx="10108442" cy="3170099"/>
+          </a:xfrm>
+          <a:prstGeom prst="rect">
+            <a:avLst/>
+          </a:prstGeom>
+        </p:spPr>
+        <p:txBody>
+          <a:bodyPr wrap="square">
+            <a:spAutoFit/>
+          </a:bodyPr>
+          <a:lstStyle/>
+          <a:p>
+            <a:r>
+              <a:rPr lang="en-US" altLang="zh-CN" sz="4000" b="0" i="0" dirty="0" smtClean="0">
+                <a:solidFill>
+                  <a:srgbClr val="000000"/>
+                </a:solidFill>
+                <a:effectLst/>
+                <a:latin typeface="微软雅黑" panose="020B0503020204020204" pitchFamily="34" charset="-122"/>
+                <a:ea typeface="微软雅黑" panose="020B0503020204020204" pitchFamily="34" charset="-122"/>
+              </a:rPr>
+              <a:t>You don't stop running because you get old, you get old because you stop running. </a:t>
+            </a:r>
+            <a:br>
+              <a:rPr lang="en-US" altLang="zh-CN" sz="4000" b="0" i="0" dirty="0" smtClean="0">
+                <a:solidFill>
+                  <a:srgbClr val="000000"/>
+                </a:solidFill>
+                <a:effectLst/>
+                <a:latin typeface="微软雅黑" panose="020B0503020204020204" pitchFamily="34" charset="-122"/>
+                <a:ea typeface="微软雅黑" panose="020B0503020204020204" pitchFamily="34" charset="-122"/>
+              </a:rPr>
+            </a:br>
+            <a:r>
+              <a:rPr lang="zh-CN" altLang="en-US" sz="4000" b="0" i="0" dirty="0" smtClean="0">
+                <a:solidFill>
+                  <a:srgbClr val="000000"/>
+                </a:solidFill>
+                <a:effectLst/>
+                <a:latin typeface="微软雅黑" panose="020B0503020204020204" pitchFamily="34" charset="-122"/>
+                <a:ea typeface="微软雅黑" panose="020B0503020204020204" pitchFamily="34" charset="-122"/>
+              </a:rPr>
+              <a:t>你不是因为变老而停止跑步，你是因为停止跑步才变老。</a:t>
+            </a:r>
+            <a:endParaRPr lang="zh-CN" altLang="en-US" sz="4000" b="0" i="0" dirty="0">
+              <a:solidFill>
+                <a:srgbClr val="000000"/>
+              </a:solidFill>
+              <a:effectLst/>
+              <a:latin typeface="微软雅黑" panose="020B0503020204020204" pitchFamily="34" charset="-122"/>
+              <a:ea typeface="微软雅黑" panose="020B0503020204020204" pitchFamily="34" charset="-122"/>
+            </a:endParaRPr>
+          </a:p>
+        </p:txBody>
+      </p:sp>
+    </p:spTree>
+    <p:extLst>
+      <p:ext uri="{BB962C8B-B14F-4D97-AF65-F5344CB8AC3E}">
+        <p14:creationId xmlns:p14="http://schemas.microsoft.com/office/powerpoint/2010/main" val="783356898"/>
       </p:ext>
     </p:extLst>
   </p:cSld>

--- a/跑鞋/prod.pptx
+++ b/跑鞋/prod.pptx
@@ -270,7 +270,7 @@
           <a:p>
             <a:fld id="{61290F4B-38D6-495C-9C60-65B2A3385605}" type="datetimeFigureOut">
               <a:rPr lang="zh-CN" altLang="en-US" smtClean="0"/>
-              <a:t>2018/11/6</a:t>
+              <a:t>2018/11/7</a:t>
             </a:fld>
             <a:endParaRPr lang="zh-CN" altLang="en-US"/>
           </a:p>
@@ -440,7 +440,7 @@
           <a:p>
             <a:fld id="{61290F4B-38D6-495C-9C60-65B2A3385605}" type="datetimeFigureOut">
               <a:rPr lang="zh-CN" altLang="en-US" smtClean="0"/>
-              <a:t>2018/11/6</a:t>
+              <a:t>2018/11/7</a:t>
             </a:fld>
             <a:endParaRPr lang="zh-CN" altLang="en-US"/>
           </a:p>
@@ -620,7 +620,7 @@
           <a:p>
             <a:fld id="{61290F4B-38D6-495C-9C60-65B2A3385605}" type="datetimeFigureOut">
               <a:rPr lang="zh-CN" altLang="en-US" smtClean="0"/>
-              <a:t>2018/11/6</a:t>
+              <a:t>2018/11/7</a:t>
             </a:fld>
             <a:endParaRPr lang="zh-CN" altLang="en-US"/>
           </a:p>
@@ -790,7 +790,7 @@
           <a:p>
             <a:fld id="{61290F4B-38D6-495C-9C60-65B2A3385605}" type="datetimeFigureOut">
               <a:rPr lang="zh-CN" altLang="en-US" smtClean="0"/>
-              <a:t>2018/11/6</a:t>
+              <a:t>2018/11/7</a:t>
             </a:fld>
             <a:endParaRPr lang="zh-CN" altLang="en-US"/>
           </a:p>
@@ -1036,7 +1036,7 @@
           <a:p>
             <a:fld id="{61290F4B-38D6-495C-9C60-65B2A3385605}" type="datetimeFigureOut">
               <a:rPr lang="zh-CN" altLang="en-US" smtClean="0"/>
-              <a:t>2018/11/6</a:t>
+              <a:t>2018/11/7</a:t>
             </a:fld>
             <a:endParaRPr lang="zh-CN" altLang="en-US"/>
           </a:p>
@@ -1268,7 +1268,7 @@
           <a:p>
             <a:fld id="{61290F4B-38D6-495C-9C60-65B2A3385605}" type="datetimeFigureOut">
               <a:rPr lang="zh-CN" altLang="en-US" smtClean="0"/>
-              <a:t>2018/11/6</a:t>
+              <a:t>2018/11/7</a:t>
             </a:fld>
             <a:endParaRPr lang="zh-CN" altLang="en-US"/>
           </a:p>
@@ -1635,7 +1635,7 @@
           <a:p>
             <a:fld id="{61290F4B-38D6-495C-9C60-65B2A3385605}" type="datetimeFigureOut">
               <a:rPr lang="zh-CN" altLang="en-US" smtClean="0"/>
-              <a:t>2018/11/6</a:t>
+              <a:t>2018/11/7</a:t>
             </a:fld>
             <a:endParaRPr lang="zh-CN" altLang="en-US"/>
           </a:p>
@@ -1753,7 +1753,7 @@
           <a:p>
             <a:fld id="{61290F4B-38D6-495C-9C60-65B2A3385605}" type="datetimeFigureOut">
               <a:rPr lang="zh-CN" altLang="en-US" smtClean="0"/>
-              <a:t>2018/11/6</a:t>
+              <a:t>2018/11/7</a:t>
             </a:fld>
             <a:endParaRPr lang="zh-CN" altLang="en-US"/>
           </a:p>
@@ -1848,7 +1848,7 @@
           <a:p>
             <a:fld id="{61290F4B-38D6-495C-9C60-65B2A3385605}" type="datetimeFigureOut">
               <a:rPr lang="zh-CN" altLang="en-US" smtClean="0"/>
-              <a:t>2018/11/6</a:t>
+              <a:t>2018/11/7</a:t>
             </a:fld>
             <a:endParaRPr lang="zh-CN" altLang="en-US"/>
           </a:p>
@@ -2125,7 +2125,7 @@
           <a:p>
             <a:fld id="{61290F4B-38D6-495C-9C60-65B2A3385605}" type="datetimeFigureOut">
               <a:rPr lang="zh-CN" altLang="en-US" smtClean="0"/>
-              <a:t>2018/11/6</a:t>
+              <a:t>2018/11/7</a:t>
             </a:fld>
             <a:endParaRPr lang="zh-CN" altLang="en-US"/>
           </a:p>
@@ -2378,7 +2378,7 @@
           <a:p>
             <a:fld id="{61290F4B-38D6-495C-9C60-65B2A3385605}" type="datetimeFigureOut">
               <a:rPr lang="zh-CN" altLang="en-US" smtClean="0"/>
-              <a:t>2018/11/6</a:t>
+              <a:t>2018/11/7</a:t>
             </a:fld>
             <a:endParaRPr lang="zh-CN" altLang="en-US"/>
           </a:p>
@@ -2591,7 +2591,7 @@
           <a:p>
             <a:fld id="{61290F4B-38D6-495C-9C60-65B2A3385605}" type="datetimeFigureOut">
               <a:rPr lang="zh-CN" altLang="en-US" smtClean="0"/>
-              <a:t>2018/11/6</a:t>
+              <a:t>2018/11/7</a:t>
             </a:fld>
             <a:endParaRPr lang="zh-CN" altLang="en-US"/>
           </a:p>
@@ -3203,9 +3203,43 @@
           </a:p>
         </p:txBody>
       </p:sp>
+      <p:sp>
+        <p:nvSpPr>
+          <p:cNvPr id="5" name="矩形 4"/>
+          <p:cNvSpPr/>
+          <p:nvPr/>
+        </p:nvSpPr>
+        <p:spPr>
+          <a:xfrm>
+            <a:off x="578764" y="4883460"/>
+            <a:ext cx="11403970" cy="646331"/>
+          </a:xfrm>
+          <a:prstGeom prst="rect">
+            <a:avLst/>
+          </a:prstGeom>
+        </p:spPr>
+        <p:txBody>
+          <a:bodyPr wrap="square">
+            <a:spAutoFit/>
+          </a:bodyPr>
+          <a:lstStyle/>
+          <a:p>
+            <a:r>
+              <a:rPr lang="zh-CN" altLang="en-US" dirty="0">
+                <a:solidFill>
+                  <a:srgbClr val="1A1A1A"/>
+                </a:solidFill>
+                <a:latin typeface="-apple-system" charset="0"/>
+              </a:rPr>
+              <a:t>正常内旋的跑者，后跟落地之后，脚底与地面之间基本保持平稳。启动时，前掌整体发力，而内侧是主要发力区。这样的发力更加均衡、落地亦更加平稳，跑步时更加高效。</a:t>
+            </a:r>
+            <a:endParaRPr lang="zh-CN" altLang="en-US" dirty="0"/>
+          </a:p>
+        </p:txBody>
+      </p:sp>
       <p:pic>
         <p:nvPicPr>
-          <p:cNvPr id="4" name="Picture 2" descr="http://hupu-run.hupucdn.com/PostImg_4657ab26a38d326adc385d5ef8f9ab3d.gif?imageView2/2/w/720"/>
+          <p:cNvPr id="6" name="Picture 12" descr="https://pic1.zhimg.com/80/v2-59aba05a7ba79ace2891926353fdacc8_hd.jpg"/>
           <p:cNvPicPr>
             <a:picLocks noChangeAspect="1" noChangeArrowheads="1"/>
           </p:cNvPicPr>
@@ -3226,8 +3260,8 @@
         </p:blipFill>
         <p:spPr bwMode="auto">
           <a:xfrm>
-            <a:off x="7507362" y="164080"/>
-            <a:ext cx="1590070" cy="1590070"/>
+            <a:off x="3522131" y="2228211"/>
+            <a:ext cx="5715000" cy="1905000"/>
           </a:xfrm>
           <a:prstGeom prst="rect">
             <a:avLst/>
@@ -3246,33 +3280,33 @@
       </p:pic>
       <p:sp>
         <p:nvSpPr>
-          <p:cNvPr id="5" name="矩形 4"/>
+          <p:cNvPr id="7" name="矩形 6"/>
           <p:cNvSpPr/>
           <p:nvPr/>
         </p:nvSpPr>
         <p:spPr>
           <a:xfrm>
-            <a:off x="578764" y="4883460"/>
-            <a:ext cx="11403970" cy="646331"/>
+            <a:off x="578764" y="5782818"/>
+            <a:ext cx="1114408" cy="369332"/>
           </a:xfrm>
           <a:prstGeom prst="rect">
             <a:avLst/>
           </a:prstGeom>
         </p:spPr>
         <p:txBody>
-          <a:bodyPr wrap="square">
+          <a:bodyPr wrap="none">
             <a:spAutoFit/>
           </a:bodyPr>
           <a:lstStyle/>
           <a:p>
             <a:r>
-              <a:rPr lang="zh-CN" altLang="en-US" dirty="0">
-                <a:solidFill>
-                  <a:srgbClr val="1A1A1A"/>
-                </a:solidFill>
-                <a:latin typeface="-apple-system" charset="0"/>
+              <a:rPr lang="zh-CN" altLang="en-US" b="1" dirty="0" smtClean="0">
+                <a:solidFill>
+                  <a:srgbClr val="E53333"/>
+                </a:solidFill>
+                <a:latin typeface="-apple-system-font" charset="0"/>
               </a:rPr>
-              <a:t>正常内旋的跑者，后跟落地之后，脚底与地面之间基本保持平稳。启动时，前掌整体发力，而内侧是主要发力区。这样的发力更加均衡、落地亦更加平稳，跑步时更加高效。</a:t>
+              <a:t>缓冲减震</a:t>
             </a:r>
             <a:endParaRPr lang="zh-CN" altLang="en-US" dirty="0"/>
           </a:p>
@@ -3280,79 +3314,28 @@
       </p:sp>
       <p:pic>
         <p:nvPicPr>
-          <p:cNvPr id="6" name="Picture 12" descr="https://pic1.zhimg.com/80/v2-59aba05a7ba79ace2891926353fdacc8_hd.jpg"/>
+          <p:cNvPr id="9" name="图片 8"/>
           <p:cNvPicPr>
-            <a:picLocks noChangeAspect="1" noChangeArrowheads="1"/>
+            <a:picLocks noChangeAspect="1"/>
           </p:cNvPicPr>
           <p:nvPr/>
         </p:nvPicPr>
         <p:blipFill>
-          <a:blip r:embed="rId3">
-            <a:extLst>
-              <a:ext uri="{28A0092B-C50C-407E-A947-70E740481C1C}">
-                <a14:useLocalDpi xmlns:a14="http://schemas.microsoft.com/office/drawing/2010/main" val="0"/>
-              </a:ext>
-            </a:extLst>
-          </a:blip>
-          <a:srcRect/>
+          <a:blip r:embed="rId3"/>
           <a:stretch>
             <a:fillRect/>
           </a:stretch>
         </p:blipFill>
-        <p:spPr bwMode="auto">
-          <a:xfrm>
-            <a:off x="3522131" y="2228211"/>
-            <a:ext cx="5715000" cy="1905000"/>
+        <p:spPr>
+          <a:xfrm>
+            <a:off x="9480617" y="440267"/>
+            <a:ext cx="1507792" cy="2565892"/>
           </a:xfrm>
           <a:prstGeom prst="rect">
             <a:avLst/>
           </a:prstGeom>
-          <a:noFill/>
-          <a:extLst>
-            <a:ext uri="{909E8E84-426E-40DD-AFC4-6F175D3DCCD1}">
-              <a14:hiddenFill xmlns:a14="http://schemas.microsoft.com/office/drawing/2010/main">
-                <a:solidFill>
-                  <a:srgbClr val="FFFFFF"/>
-                </a:solidFill>
-              </a14:hiddenFill>
-            </a:ext>
-          </a:extLst>
         </p:spPr>
       </p:pic>
-      <p:sp>
-        <p:nvSpPr>
-          <p:cNvPr id="7" name="矩形 6"/>
-          <p:cNvSpPr/>
-          <p:nvPr/>
-        </p:nvSpPr>
-        <p:spPr>
-          <a:xfrm>
-            <a:off x="578764" y="5782818"/>
-            <a:ext cx="1114408" cy="369332"/>
-          </a:xfrm>
-          <a:prstGeom prst="rect">
-            <a:avLst/>
-          </a:prstGeom>
-        </p:spPr>
-        <p:txBody>
-          <a:bodyPr wrap="none">
-            <a:spAutoFit/>
-          </a:bodyPr>
-          <a:lstStyle/>
-          <a:p>
-            <a:r>
-              <a:rPr lang="zh-CN" altLang="en-US" b="1" dirty="0" smtClean="0">
-                <a:solidFill>
-                  <a:srgbClr val="E53333"/>
-                </a:solidFill>
-                <a:latin typeface="-apple-system-font" charset="0"/>
-              </a:rPr>
-              <a:t>缓冲减震</a:t>
-            </a:r>
-            <a:endParaRPr lang="zh-CN" altLang="en-US" dirty="0"/>
-          </a:p>
-        </p:txBody>
-      </p:sp>
     </p:spTree>
     <p:extLst>
       <p:ext uri="{BB962C8B-B14F-4D97-AF65-F5344CB8AC3E}">
@@ -3503,7 +3486,7 @@
       </p:sp>
       <p:pic>
         <p:nvPicPr>
-          <p:cNvPr id="7" name="Picture 4" descr="http://hupu-run.hupucdn.com/PostImg_6d8e00a24106314f013f70fcd4fe2add.gif?imageView2/2/w/720"/>
+          <p:cNvPr id="8" name="Picture 10" descr="https://pic4.zhimg.com/80/v2-c4c468b5c31ade2447658eed90651033_hd.jpg"/>
           <p:cNvPicPr>
             <a:picLocks noChangeAspect="1" noChangeArrowheads="1"/>
           </p:cNvPicPr>
@@ -3524,8 +3507,8 @@
         </p:blipFill>
         <p:spPr bwMode="auto">
           <a:xfrm>
-            <a:off x="6991255" y="222089"/>
-            <a:ext cx="1477469" cy="1477469"/>
+            <a:off x="3066893" y="2228211"/>
+            <a:ext cx="5715000" cy="1905000"/>
           </a:xfrm>
           <a:prstGeom prst="rect">
             <a:avLst/>
@@ -3542,81 +3525,64 @@
           </a:extLst>
         </p:spPr>
       </p:pic>
+      <p:sp>
+        <p:nvSpPr>
+          <p:cNvPr id="9" name="矩形 8"/>
+          <p:cNvSpPr/>
+          <p:nvPr/>
+        </p:nvSpPr>
+        <p:spPr>
+          <a:xfrm>
+            <a:off x="607324" y="6192251"/>
+            <a:ext cx="1346844" cy="369332"/>
+          </a:xfrm>
+          <a:prstGeom prst="rect">
+            <a:avLst/>
+          </a:prstGeom>
+        </p:spPr>
+        <p:txBody>
+          <a:bodyPr wrap="none">
+            <a:spAutoFit/>
+          </a:bodyPr>
+          <a:lstStyle/>
+          <a:p>
+            <a:r>
+              <a:rPr lang="zh-CN" altLang="en-US" b="1" dirty="0" smtClean="0">
+                <a:solidFill>
+                  <a:srgbClr val="E53333"/>
+                </a:solidFill>
+                <a:latin typeface="-apple-system-font" charset="0"/>
+              </a:rPr>
+              <a:t>支撑、控制</a:t>
+            </a:r>
+            <a:endParaRPr lang="zh-CN" altLang="en-US" dirty="0"/>
+          </a:p>
+        </p:txBody>
+      </p:sp>
       <p:pic>
         <p:nvPicPr>
-          <p:cNvPr id="8" name="Picture 10" descr="https://pic4.zhimg.com/80/v2-c4c468b5c31ade2447658eed90651033_hd.jpg"/>
+          <p:cNvPr id="2" name="图片 1"/>
           <p:cNvPicPr>
-            <a:picLocks noChangeAspect="1" noChangeArrowheads="1"/>
+            <a:picLocks noChangeAspect="1"/>
           </p:cNvPicPr>
           <p:nvPr/>
         </p:nvPicPr>
         <p:blipFill>
-          <a:blip r:embed="rId3">
-            <a:extLst>
-              <a:ext uri="{28A0092B-C50C-407E-A947-70E740481C1C}">
-                <a14:useLocalDpi xmlns:a14="http://schemas.microsoft.com/office/drawing/2010/main" val="0"/>
-              </a:ext>
-            </a:extLst>
-          </a:blip>
-          <a:srcRect/>
+          <a:blip r:embed="rId3"/>
           <a:stretch>
             <a:fillRect/>
           </a:stretch>
         </p:blipFill>
-        <p:spPr bwMode="auto">
-          <a:xfrm>
-            <a:off x="3066893" y="2228211"/>
-            <a:ext cx="5715000" cy="1905000"/>
+        <p:spPr>
+          <a:xfrm>
+            <a:off x="9778100" y="440267"/>
+            <a:ext cx="1436585" cy="2390180"/>
           </a:xfrm>
           <a:prstGeom prst="rect">
             <a:avLst/>
           </a:prstGeom>
-          <a:noFill/>
-          <a:extLst>
-            <a:ext uri="{909E8E84-426E-40DD-AFC4-6F175D3DCCD1}">
-              <a14:hiddenFill xmlns:a14="http://schemas.microsoft.com/office/drawing/2010/main">
-                <a:solidFill>
-                  <a:srgbClr val="FFFFFF"/>
-                </a:solidFill>
-              </a14:hiddenFill>
-            </a:ext>
-          </a:extLst>
         </p:spPr>
       </p:pic>
-      <p:sp>
-        <p:nvSpPr>
-          <p:cNvPr id="9" name="矩形 8"/>
-          <p:cNvSpPr/>
-          <p:nvPr/>
-        </p:nvSpPr>
-        <p:spPr>
-          <a:xfrm>
-            <a:off x="607324" y="6192251"/>
-            <a:ext cx="1346844" cy="369332"/>
-          </a:xfrm>
-          <a:prstGeom prst="rect">
-            <a:avLst/>
-          </a:prstGeom>
-        </p:spPr>
-        <p:txBody>
-          <a:bodyPr wrap="none">
-            <a:spAutoFit/>
-          </a:bodyPr>
-          <a:lstStyle/>
-          <a:p>
-            <a:r>
-              <a:rPr lang="zh-CN" altLang="en-US" b="1" dirty="0" smtClean="0">
-                <a:solidFill>
-                  <a:srgbClr val="E53333"/>
-                </a:solidFill>
-                <a:latin typeface="-apple-system-font" charset="0"/>
-              </a:rPr>
-              <a:t>支撑、控制</a:t>
-            </a:r>
-            <a:endParaRPr lang="zh-CN" altLang="en-US" dirty="0"/>
-          </a:p>
-        </p:txBody>
-      </p:sp>
     </p:spTree>
     <p:extLst>
       <p:ext uri="{BB962C8B-B14F-4D97-AF65-F5344CB8AC3E}">
@@ -3732,7 +3698,7 @@
       </p:sp>
       <p:pic>
         <p:nvPicPr>
-          <p:cNvPr id="6" name="Picture 6" descr="http://hupu-run.hupucdn.com/PostImg_4f2873759e1d5af0d1ea2baa667b9d71.gif?imageView2/2/w/720"/>
+          <p:cNvPr id="9" name="Picture 8" descr="https://pic4.zhimg.com/80/v2-0bcbce59bc91f93afbfe25f7d528c0d3_hd.jpg"/>
           <p:cNvPicPr>
             <a:picLocks noChangeAspect="1" noChangeArrowheads="1"/>
           </p:cNvPicPr>
@@ -3753,8 +3719,8 @@
         </p:blipFill>
         <p:spPr bwMode="auto">
           <a:xfrm>
-            <a:off x="7285883" y="327853"/>
-            <a:ext cx="1475097" cy="1475097"/>
+            <a:off x="3423249" y="2228211"/>
+            <a:ext cx="5715000" cy="1905000"/>
           </a:xfrm>
           <a:prstGeom prst="rect">
             <a:avLst/>
@@ -3771,78 +3737,110 @@
           </a:extLst>
         </p:spPr>
       </p:pic>
+      <p:sp>
+        <p:nvSpPr>
+          <p:cNvPr id="10" name="矩形 9"/>
+          <p:cNvSpPr/>
+          <p:nvPr/>
+        </p:nvSpPr>
+        <p:spPr>
+          <a:xfrm>
+            <a:off x="578764" y="5782818"/>
+            <a:ext cx="1114408" cy="369332"/>
+          </a:xfrm>
+          <a:prstGeom prst="rect">
+            <a:avLst/>
+          </a:prstGeom>
+        </p:spPr>
+        <p:txBody>
+          <a:bodyPr wrap="none">
+            <a:spAutoFit/>
+          </a:bodyPr>
+          <a:lstStyle/>
+          <a:p>
+            <a:r>
+              <a:rPr lang="zh-CN" altLang="en-US" b="1" dirty="0" smtClean="0">
+                <a:solidFill>
+                  <a:srgbClr val="E53333"/>
+                </a:solidFill>
+                <a:latin typeface="-apple-system-font" charset="0"/>
+              </a:rPr>
+              <a:t>缓冲减震</a:t>
+            </a:r>
+            <a:endParaRPr lang="zh-CN" altLang="en-US" dirty="0"/>
+          </a:p>
+        </p:txBody>
+      </p:sp>
       <p:pic>
         <p:nvPicPr>
-          <p:cNvPr id="9" name="Picture 8" descr="https://pic4.zhimg.com/80/v2-0bcbce59bc91f93afbfe25f7d528c0d3_hd.jpg"/>
+          <p:cNvPr id="2" name="图片 1"/>
           <p:cNvPicPr>
-            <a:picLocks noChangeAspect="1" noChangeArrowheads="1"/>
+            <a:picLocks noChangeAspect="1"/>
           </p:cNvPicPr>
           <p:nvPr/>
         </p:nvPicPr>
         <p:blipFill>
-          <a:blip r:embed="rId3">
-            <a:extLst>
-              <a:ext uri="{28A0092B-C50C-407E-A947-70E740481C1C}">
-                <a14:useLocalDpi xmlns:a14="http://schemas.microsoft.com/office/drawing/2010/main" val="0"/>
-              </a:ext>
-            </a:extLst>
-          </a:blip>
-          <a:srcRect/>
+          <a:blip r:embed="rId3"/>
           <a:stretch>
             <a:fillRect/>
           </a:stretch>
         </p:blipFill>
-        <p:spPr bwMode="auto">
-          <a:xfrm>
-            <a:off x="3423249" y="2228211"/>
-            <a:ext cx="5715000" cy="1905000"/>
+        <p:spPr>
+          <a:xfrm>
+            <a:off x="9690057" y="112390"/>
+            <a:ext cx="1612672" cy="2536058"/>
           </a:xfrm>
           <a:prstGeom prst="rect">
             <a:avLst/>
           </a:prstGeom>
-          <a:noFill/>
-          <a:extLst>
-            <a:ext uri="{909E8E84-426E-40DD-AFC4-6F175D3DCCD1}">
-              <a14:hiddenFill xmlns:a14="http://schemas.microsoft.com/office/drawing/2010/main">
-                <a:solidFill>
-                  <a:srgbClr val="FFFFFF"/>
-                </a:solidFill>
-              </a14:hiddenFill>
-            </a:ext>
-          </a:extLst>
         </p:spPr>
       </p:pic>
       <p:sp>
         <p:nvSpPr>
-          <p:cNvPr id="10" name="矩形 9"/>
-          <p:cNvSpPr/>
+          <p:cNvPr id="11" name="标题 1"/>
+          <p:cNvSpPr txBox="1">
+            <a:spLocks/>
+          </p:cNvSpPr>
           <p:nvPr/>
         </p:nvSpPr>
         <p:spPr>
           <a:xfrm>
-            <a:off x="578764" y="5782818"/>
-            <a:ext cx="1114408" cy="369332"/>
+            <a:off x="1352393" y="453914"/>
+            <a:ext cx="9144000" cy="1037696"/>
           </a:xfrm>
           <a:prstGeom prst="rect">
             <a:avLst/>
           </a:prstGeom>
         </p:spPr>
         <p:txBody>
-          <a:bodyPr wrap="none">
-            <a:spAutoFit/>
+          <a:bodyPr vert="horz" lIns="91440" tIns="45720" rIns="91440" bIns="45720" rtlCol="0" anchor="b">
+            <a:normAutofit/>
           </a:bodyPr>
-          <a:lstStyle/>
-          <a:p>
-            <a:r>
-              <a:rPr lang="zh-CN" altLang="en-US" b="1" dirty="0" smtClean="0">
-                <a:solidFill>
-                  <a:srgbClr val="E53333"/>
-                </a:solidFill>
-                <a:latin typeface="-apple-system-font" charset="0"/>
-              </a:rPr>
-              <a:t>缓冲减震</a:t>
-            </a:r>
-            <a:endParaRPr lang="zh-CN" altLang="en-US" dirty="0"/>
+          <a:lstStyle>
+            <a:lvl1pPr algn="ctr" defTabSz="914400" rtl="0" eaLnBrk="1" latinLnBrk="0" hangingPunct="1">
+              <a:lnSpc>
+                <a:spcPct val="90000"/>
+              </a:lnSpc>
+              <a:spcBef>
+                <a:spcPct val="0"/>
+              </a:spcBef>
+              <a:buNone/>
+              <a:defRPr sz="6000" kern="1200">
+                <a:solidFill>
+                  <a:schemeClr val="tx1"/>
+                </a:solidFill>
+                <a:latin typeface="+mj-lt"/>
+                <a:ea typeface="+mj-ea"/>
+                <a:cs typeface="+mj-cs"/>
+              </a:defRPr>
+            </a:lvl1pPr>
+          </a:lstStyle>
+          <a:p>
+            <a:r>
+              <a:rPr kumimoji="1" lang="zh-CN" altLang="en-US" dirty="0" smtClean="0"/>
+              <a:t>高足弓</a:t>
+            </a:r>
+            <a:endParaRPr kumimoji="1" lang="zh-CN" altLang="en-US" dirty="0"/>
           </a:p>
         </p:txBody>
       </p:sp>
@@ -5112,7 +5110,7 @@
         </p:nvSpPr>
         <p:spPr>
           <a:xfrm>
-            <a:off x="973536" y="1992279"/>
+            <a:off x="932593" y="2592781"/>
             <a:ext cx="10463285" cy="1200329"/>
           </a:xfrm>
           <a:prstGeom prst="rect">
@@ -6186,48 +6184,31 @@
       </p:sp>
       <p:pic>
         <p:nvPicPr>
-          <p:cNvPr id="7170" name="Picture 2" descr="https://pic3.zhimg.com/80/v2-9dfb38a25fd0ca0dd53e847a16e21506_hd.png"/>
+          <p:cNvPr id="4" name="图片 3"/>
           <p:cNvPicPr>
-            <a:picLocks noChangeAspect="1" noChangeArrowheads="1"/>
+            <a:picLocks noChangeAspect="1"/>
           </p:cNvPicPr>
           <p:nvPr/>
         </p:nvPicPr>
         <p:blipFill>
-          <a:blip r:embed="rId2">
-            <a:extLst>
-              <a:ext uri="{28A0092B-C50C-407E-A947-70E740481C1C}">
-                <a14:useLocalDpi xmlns:a14="http://schemas.microsoft.com/office/drawing/2010/main" val="0"/>
-              </a:ext>
-            </a:extLst>
-          </a:blip>
-          <a:srcRect/>
+          <a:blip r:embed="rId2"/>
           <a:stretch>
             <a:fillRect/>
           </a:stretch>
         </p:blipFill>
-        <p:spPr bwMode="auto">
-          <a:xfrm>
-            <a:off x="589751" y="1774208"/>
-            <a:ext cx="5488304" cy="3152633"/>
+        <p:spPr>
+          <a:xfrm>
+            <a:off x="6078055" y="1774208"/>
+            <a:ext cx="5181348" cy="3154385"/>
           </a:xfrm>
           <a:prstGeom prst="rect">
             <a:avLst/>
           </a:prstGeom>
-          <a:noFill/>
-          <a:extLst>
-            <a:ext uri="{909E8E84-426E-40DD-AFC4-6F175D3DCCD1}">
-              <a14:hiddenFill xmlns:a14="http://schemas.microsoft.com/office/drawing/2010/main">
-                <a:solidFill>
-                  <a:srgbClr val="FFFFFF"/>
-                </a:solidFill>
-              </a14:hiddenFill>
-            </a:ext>
-          </a:extLst>
         </p:spPr>
       </p:pic>
       <p:pic>
         <p:nvPicPr>
-          <p:cNvPr id="4" name="图片 3"/>
+          <p:cNvPr id="2" name="图片 1"/>
           <p:cNvPicPr>
             <a:picLocks noChangeAspect="1"/>
           </p:cNvPicPr>
@@ -6241,8 +6222,8 @@
         </p:blipFill>
         <p:spPr>
           <a:xfrm>
-            <a:off x="6078055" y="1774208"/>
-            <a:ext cx="5181348" cy="3154385"/>
+            <a:off x="2654569" y="1310071"/>
+            <a:ext cx="2149444" cy="3657827"/>
           </a:xfrm>
           <a:prstGeom prst="rect">
             <a:avLst/>

--- a/跑鞋/prod.pptx
+++ b/跑鞋/prod.pptx
@@ -13,26 +13,27 @@
     <p:sldId id="261" r:id="rId7"/>
     <p:sldId id="262" r:id="rId8"/>
     <p:sldId id="263" r:id="rId9"/>
-    <p:sldId id="264" r:id="rId10"/>
-    <p:sldId id="276" r:id="rId11"/>
-    <p:sldId id="265" r:id="rId12"/>
-    <p:sldId id="266" r:id="rId13"/>
-    <p:sldId id="267" r:id="rId14"/>
-    <p:sldId id="269" r:id="rId15"/>
-    <p:sldId id="268" r:id="rId16"/>
-    <p:sldId id="270" r:id="rId17"/>
-    <p:sldId id="277" r:id="rId18"/>
-    <p:sldId id="282" r:id="rId19"/>
-    <p:sldId id="283" r:id="rId20"/>
-    <p:sldId id="280" r:id="rId21"/>
-    <p:sldId id="278" r:id="rId22"/>
-    <p:sldId id="281" r:id="rId23"/>
-    <p:sldId id="284" r:id="rId24"/>
-    <p:sldId id="285" r:id="rId25"/>
-    <p:sldId id="286" r:id="rId26"/>
-    <p:sldId id="279" r:id="rId27"/>
-    <p:sldId id="275" r:id="rId28"/>
-    <p:sldId id="274" r:id="rId29"/>
+    <p:sldId id="287" r:id="rId10"/>
+    <p:sldId id="264" r:id="rId11"/>
+    <p:sldId id="276" r:id="rId12"/>
+    <p:sldId id="265" r:id="rId13"/>
+    <p:sldId id="266" r:id="rId14"/>
+    <p:sldId id="267" r:id="rId15"/>
+    <p:sldId id="269" r:id="rId16"/>
+    <p:sldId id="288" r:id="rId17"/>
+    <p:sldId id="268" r:id="rId18"/>
+    <p:sldId id="270" r:id="rId19"/>
+    <p:sldId id="277" r:id="rId20"/>
+    <p:sldId id="282" r:id="rId21"/>
+    <p:sldId id="283" r:id="rId22"/>
+    <p:sldId id="280" r:id="rId23"/>
+    <p:sldId id="278" r:id="rId24"/>
+    <p:sldId id="281" r:id="rId25"/>
+    <p:sldId id="284" r:id="rId26"/>
+    <p:sldId id="285" r:id="rId27"/>
+    <p:sldId id="286" r:id="rId28"/>
+    <p:sldId id="275" r:id="rId29"/>
+    <p:sldId id="274" r:id="rId30"/>
   </p:sldIdLst>
   <p:sldSz cx="12192000" cy="6858000"/>
   <p:notesSz cx="6858000" cy="9144000"/>
@@ -3019,8 +3020,8 @@
         </p:blipFill>
         <p:spPr bwMode="auto">
           <a:xfrm>
-            <a:off x="1583393" y="1876315"/>
-            <a:ext cx="9144000" cy="2819400"/>
+            <a:off x="882273" y="1665027"/>
+            <a:ext cx="10404678" cy="3208109"/>
           </a:xfrm>
           <a:prstGeom prst="rect">
             <a:avLst/>
@@ -3047,6 +3048,13 @@
   <p:clrMapOvr>
     <a:masterClrMapping/>
   </p:clrMapOvr>
+  <p:timing>
+    <p:tnLst>
+      <p:par>
+        <p:cTn id="1" dur="indefinite" restart="never" nodeType="tmRoot"/>
+      </p:par>
+    </p:tnLst>
+  </p:timing>
 </p:sld>
 </file>
 
@@ -3077,7 +3085,7 @@
         </p:nvSpPr>
         <p:spPr>
           <a:xfrm>
-            <a:off x="1652643" y="411848"/>
+            <a:off x="1202267" y="440267"/>
             <a:ext cx="9144000" cy="1037696"/>
           </a:xfrm>
           <a:prstGeom prst="rect">
@@ -3109,31 +3117,78 @@
           </a:lstStyle>
           <a:p>
             <a:r>
-              <a:rPr lang="zh-CN" altLang="en-US" dirty="0"/>
-              <a:t>足</a:t>
-            </a:r>
-            <a:r>
-              <a:rPr lang="zh-CN" altLang="en-US" dirty="0" smtClean="0"/>
-              <a:t>弓对</a:t>
-            </a:r>
-            <a:r>
-              <a:rPr lang="zh-CN" altLang="en-US" dirty="0"/>
-              <a:t>跑步很重要</a:t>
+              <a:rPr kumimoji="1" lang="zh-CN" altLang="en-US" dirty="0" smtClean="0"/>
+              <a:t>足弓</a:t>
             </a:r>
             <a:endParaRPr kumimoji="1" lang="zh-CN" altLang="en-US" dirty="0"/>
           </a:p>
         </p:txBody>
       </p:sp>
+      <p:pic>
+        <p:nvPicPr>
+          <p:cNvPr id="4" name="图片 3"/>
+          <p:cNvPicPr>
+            <a:picLocks noChangeAspect="1"/>
+          </p:cNvPicPr>
+          <p:nvPr/>
+        </p:nvPicPr>
+        <p:blipFill>
+          <a:blip r:embed="rId2"/>
+          <a:stretch>
+            <a:fillRect/>
+          </a:stretch>
+        </p:blipFill>
+        <p:spPr>
+          <a:xfrm>
+            <a:off x="6078055" y="1774208"/>
+            <a:ext cx="5181348" cy="3154385"/>
+          </a:xfrm>
+          <a:prstGeom prst="rect">
+            <a:avLst/>
+          </a:prstGeom>
+        </p:spPr>
+      </p:pic>
+      <p:pic>
+        <p:nvPicPr>
+          <p:cNvPr id="2" name="图片 1"/>
+          <p:cNvPicPr>
+            <a:picLocks noChangeAspect="1"/>
+          </p:cNvPicPr>
+          <p:nvPr/>
+        </p:nvPicPr>
+        <p:blipFill>
+          <a:blip r:embed="rId3"/>
+          <a:stretch>
+            <a:fillRect/>
+          </a:stretch>
+        </p:blipFill>
+        <p:spPr>
+          <a:xfrm>
+            <a:off x="2654569" y="1310071"/>
+            <a:ext cx="2149444" cy="3657827"/>
+          </a:xfrm>
+          <a:prstGeom prst="rect">
+            <a:avLst/>
+          </a:prstGeom>
+        </p:spPr>
+      </p:pic>
     </p:spTree>
     <p:extLst>
       <p:ext uri="{BB962C8B-B14F-4D97-AF65-F5344CB8AC3E}">
-        <p14:creationId xmlns:p14="http://schemas.microsoft.com/office/powerpoint/2010/main" val="1806691004"/>
+        <p14:creationId xmlns:p14="http://schemas.microsoft.com/office/powerpoint/2010/main" val="1348104753"/>
       </p:ext>
     </p:extLst>
   </p:cSld>
   <p:clrMapOvr>
     <a:masterClrMapping/>
   </p:clrMapOvr>
+  <p:timing>
+    <p:tnLst>
+      <p:par>
+        <p:cTn id="1" dur="indefinite" restart="never" nodeType="tmRoot"/>
+      </p:par>
+    </p:tnLst>
+  </p:timing>
 </p:sld>
 </file>
 
@@ -3164,7 +3219,7 @@
         </p:nvSpPr>
         <p:spPr>
           <a:xfrm>
-            <a:off x="1352393" y="440267"/>
+            <a:off x="1652643" y="411848"/>
             <a:ext cx="9144000" cy="1037696"/>
           </a:xfrm>
           <a:prstGeom prst="rect">
@@ -3196,44 +3251,104 @@
           </a:lstStyle>
           <a:p>
             <a:r>
-              <a:rPr kumimoji="1" lang="zh-CN" altLang="en-US" dirty="0" smtClean="0"/>
-              <a:t>正常足弓</a:t>
+              <a:rPr lang="zh-CN" altLang="en-US" dirty="0"/>
+              <a:t>足</a:t>
+            </a:r>
+            <a:r>
+              <a:rPr lang="zh-CN" altLang="en-US" dirty="0" smtClean="0"/>
+              <a:t>弓对</a:t>
+            </a:r>
+            <a:r>
+              <a:rPr lang="zh-CN" altLang="en-US" dirty="0"/>
+              <a:t>跑步很重要</a:t>
             </a:r>
             <a:endParaRPr kumimoji="1" lang="zh-CN" altLang="en-US" dirty="0"/>
           </a:p>
         </p:txBody>
       </p:sp>
-      <p:sp>
-        <p:nvSpPr>
-          <p:cNvPr id="5" name="矩形 4"/>
-          <p:cNvSpPr/>
+    </p:spTree>
+    <p:extLst>
+      <p:ext uri="{BB962C8B-B14F-4D97-AF65-F5344CB8AC3E}">
+        <p14:creationId xmlns:p14="http://schemas.microsoft.com/office/powerpoint/2010/main" val="1806691004"/>
+      </p:ext>
+    </p:extLst>
+  </p:cSld>
+  <p:clrMapOvr>
+    <a:masterClrMapping/>
+  </p:clrMapOvr>
+  <p:timing>
+    <p:tnLst>
+      <p:par>
+        <p:cTn id="1" dur="indefinite" restart="never" nodeType="tmRoot"/>
+      </p:par>
+    </p:tnLst>
+  </p:timing>
+</p:sld>
+</file>
+
+<file path=ppt/slides/slide12.xml><?xml version="1.0" encoding="utf-8"?>
+<p:sld xmlns:a="http://schemas.openxmlformats.org/drawingml/2006/main" xmlns:r="http://schemas.openxmlformats.org/officeDocument/2006/relationships" xmlns:p="http://schemas.openxmlformats.org/presentationml/2006/main">
+  <p:cSld>
+    <p:spTree>
+      <p:nvGrpSpPr>
+        <p:cNvPr id="1" name=""/>
+        <p:cNvGrpSpPr/>
+        <p:nvPr/>
+      </p:nvGrpSpPr>
+      <p:grpSpPr>
+        <a:xfrm>
+          <a:off x="0" y="0"/>
+          <a:ext cx="0" cy="0"/>
+          <a:chOff x="0" y="0"/>
+          <a:chExt cx="0" cy="0"/>
+        </a:xfrm>
+      </p:grpSpPr>
+      <p:sp>
+        <p:nvSpPr>
+          <p:cNvPr id="3" name="标题 1"/>
+          <p:cNvSpPr txBox="1">
+            <a:spLocks/>
+          </p:cNvSpPr>
           <p:nvPr/>
         </p:nvSpPr>
         <p:spPr>
           <a:xfrm>
-            <a:off x="578764" y="4883460"/>
-            <a:ext cx="11403970" cy="646331"/>
+            <a:off x="1352393" y="440267"/>
+            <a:ext cx="9144000" cy="1037696"/>
           </a:xfrm>
           <a:prstGeom prst="rect">
             <a:avLst/>
           </a:prstGeom>
         </p:spPr>
         <p:txBody>
-          <a:bodyPr wrap="square">
-            <a:spAutoFit/>
+          <a:bodyPr vert="horz" lIns="91440" tIns="45720" rIns="91440" bIns="45720" rtlCol="0" anchor="b">
+            <a:normAutofit/>
           </a:bodyPr>
-          <a:lstStyle/>
-          <a:p>
-            <a:r>
-              <a:rPr lang="zh-CN" altLang="en-US" dirty="0">
+          <a:lstStyle>
+            <a:lvl1pPr algn="ctr" defTabSz="914400" rtl="0" eaLnBrk="1" latinLnBrk="0" hangingPunct="1">
+              <a:lnSpc>
+                <a:spcPct val="90000"/>
+              </a:lnSpc>
+              <a:spcBef>
+                <a:spcPct val="0"/>
+              </a:spcBef>
+              <a:buNone/>
+              <a:defRPr sz="6000" kern="1200">
                 <a:solidFill>
-                  <a:srgbClr val="1A1A1A"/>
+                  <a:schemeClr val="tx1"/>
                 </a:solidFill>
-                <a:latin typeface="-apple-system" charset="0"/>
-              </a:rPr>
-              <a:t>正常内旋的跑者，后跟落地之后，脚底与地面之间基本保持平稳。启动时，前掌整体发力，而内侧是主要发力区。这样的发力更加均衡、落地亦更加平稳，跑步时更加高效。</a:t>
-            </a:r>
-            <a:endParaRPr lang="zh-CN" altLang="en-US" dirty="0"/>
+                <a:latin typeface="+mj-lt"/>
+                <a:ea typeface="+mj-ea"/>
+                <a:cs typeface="+mj-cs"/>
+              </a:defRPr>
+            </a:lvl1pPr>
+          </a:lstStyle>
+          <a:p>
+            <a:r>
+              <a:rPr kumimoji="1" lang="zh-CN" altLang="en-US" dirty="0" smtClean="0"/>
+              <a:t>正常足弓</a:t>
+            </a:r>
+            <a:endParaRPr kumimoji="1" lang="zh-CN" altLang="en-US" dirty="0"/>
           </a:p>
         </p:txBody>
       </p:sp>
@@ -3260,8 +3375,8 @@
         </p:blipFill>
         <p:spPr bwMode="auto">
           <a:xfrm>
-            <a:off x="3522131" y="2228211"/>
-            <a:ext cx="5715000" cy="1905000"/>
+            <a:off x="2275323" y="1982552"/>
+            <a:ext cx="6826650" cy="2275550"/>
           </a:xfrm>
           <a:prstGeom prst="rect">
             <a:avLst/>
@@ -3278,40 +3393,6 @@
           </a:extLst>
         </p:spPr>
       </p:pic>
-      <p:sp>
-        <p:nvSpPr>
-          <p:cNvPr id="7" name="矩形 6"/>
-          <p:cNvSpPr/>
-          <p:nvPr/>
-        </p:nvSpPr>
-        <p:spPr>
-          <a:xfrm>
-            <a:off x="578764" y="5782818"/>
-            <a:ext cx="1114408" cy="369332"/>
-          </a:xfrm>
-          <a:prstGeom prst="rect">
-            <a:avLst/>
-          </a:prstGeom>
-        </p:spPr>
-        <p:txBody>
-          <a:bodyPr wrap="none">
-            <a:spAutoFit/>
-          </a:bodyPr>
-          <a:lstStyle/>
-          <a:p>
-            <a:r>
-              <a:rPr lang="zh-CN" altLang="en-US" b="1" dirty="0" smtClean="0">
-                <a:solidFill>
-                  <a:srgbClr val="E53333"/>
-                </a:solidFill>
-                <a:latin typeface="-apple-system-font" charset="0"/>
-              </a:rPr>
-              <a:t>缓冲减震</a:t>
-            </a:r>
-            <a:endParaRPr lang="zh-CN" altLang="en-US" dirty="0"/>
-          </a:p>
-        </p:txBody>
-      </p:sp>
       <p:pic>
         <p:nvPicPr>
           <p:cNvPr id="9" name="图片 8"/>
@@ -3328,7 +3409,7 @@
         </p:blipFill>
         <p:spPr>
           <a:xfrm>
-            <a:off x="9480617" y="440267"/>
+            <a:off x="9742497" y="440267"/>
             <a:ext cx="1507792" cy="2565892"/>
           </a:xfrm>
           <a:prstGeom prst="rect">
@@ -3346,10 +3427,17 @@
   <p:clrMapOvr>
     <a:masterClrMapping/>
   </p:clrMapOvr>
+  <p:timing>
+    <p:tnLst>
+      <p:par>
+        <p:cTn id="1" dur="indefinite" restart="never" nodeType="tmRoot"/>
+      </p:par>
+    </p:tnLst>
+  </p:timing>
 </p:sld>
 </file>
 
-<file path=ppt/slides/slide12.xml><?xml version="1.0" encoding="utf-8"?>
+<file path=ppt/slides/slide13.xml><?xml version="1.0" encoding="utf-8"?>
 <p:sld xmlns:a="http://schemas.openxmlformats.org/drawingml/2006/main" xmlns:r="http://schemas.openxmlformats.org/officeDocument/2006/relationships" xmlns:p="http://schemas.openxmlformats.org/presentationml/2006/main">
   <p:cSld>
     <p:spTree>
@@ -3412,75 +3500,6 @@
               <a:t>低足弓</a:t>
             </a:r>
             <a:endParaRPr kumimoji="1" lang="zh-CN" altLang="en-US" dirty="0"/>
-          </a:p>
-        </p:txBody>
-      </p:sp>
-      <p:sp>
-        <p:nvSpPr>
-          <p:cNvPr id="5" name="矩形 4"/>
-          <p:cNvSpPr/>
-          <p:nvPr/>
-        </p:nvSpPr>
-        <p:spPr>
-          <a:xfrm>
-            <a:off x="578764" y="4883460"/>
-            <a:ext cx="11403970" cy="1200329"/>
-          </a:xfrm>
-          <a:prstGeom prst="rect">
-            <a:avLst/>
-          </a:prstGeom>
-        </p:spPr>
-        <p:txBody>
-          <a:bodyPr wrap="square">
-            <a:spAutoFit/>
-          </a:bodyPr>
-          <a:lstStyle/>
-          <a:p>
-            <a:r>
-              <a:rPr lang="zh-CN" altLang="en-US" dirty="0" smtClean="0">
-                <a:solidFill>
-                  <a:srgbClr val="1A1A1A"/>
-                </a:solidFill>
-                <a:latin typeface="-apple-system" charset="0"/>
-              </a:rPr>
-              <a:t>你跑起来的时候，足弓部分会向内侧“塌陷”。尽管这样可以起到减震的效果，但额外的内旋会加重双脚和膝盖的负担，增加受伤的风险。</a:t>
-            </a:r>
-            <a:endParaRPr lang="en-US" altLang="zh-CN" dirty="0" smtClean="0">
-              <a:solidFill>
-                <a:srgbClr val="1A1A1A"/>
-              </a:solidFill>
-              <a:latin typeface="-apple-system" charset="0"/>
-            </a:endParaRPr>
-          </a:p>
-          <a:p>
-            <a:r>
-              <a:rPr lang="zh-CN" altLang="en-US" dirty="0" smtClean="0">
-                <a:solidFill>
-                  <a:srgbClr val="1A1A1A"/>
-                </a:solidFill>
-                <a:latin typeface="-apple-system" charset="0"/>
-              </a:rPr>
-              <a:t>过度内旋跑者，后跟落地之后，脚向内移动（内旋）超过</a:t>
-            </a:r>
-            <a:r>
-              <a:rPr lang="en-US" altLang="zh-CN" dirty="0" smtClean="0">
-                <a:solidFill>
-                  <a:srgbClr val="1A1A1A"/>
-                </a:solidFill>
-                <a:latin typeface="-apple-system" charset="0"/>
-              </a:rPr>
-              <a:t>15</a:t>
-            </a:r>
-            <a:r>
-              <a:rPr lang="zh-CN" altLang="en-US" dirty="0" smtClean="0">
-                <a:solidFill>
-                  <a:srgbClr val="1A1A1A"/>
-                </a:solidFill>
-                <a:latin typeface="-apple-system" charset="0"/>
-              </a:rPr>
-              <a:t>度以上，起步时，大拇脚指以及足内侧提供了绝大部分起步时所需的推动力。这样的发力，使稳定性变差，对于足部以及腿部会有较高的支撑要求。</a:t>
-            </a:r>
-            <a:endParaRPr lang="zh-CN" altLang="en-US" dirty="0" smtClean="0"/>
           </a:p>
         </p:txBody>
       </p:sp>
@@ -3507,8 +3526,8 @@
         </p:blipFill>
         <p:spPr bwMode="auto">
           <a:xfrm>
-            <a:off x="3066893" y="2228211"/>
-            <a:ext cx="5715000" cy="1905000"/>
+            <a:off x="2168911" y="1787857"/>
+            <a:ext cx="7077006" cy="2359002"/>
           </a:xfrm>
           <a:prstGeom prst="rect">
             <a:avLst/>
@@ -3525,40 +3544,6 @@
           </a:extLst>
         </p:spPr>
       </p:pic>
-      <p:sp>
-        <p:nvSpPr>
-          <p:cNvPr id="9" name="矩形 8"/>
-          <p:cNvSpPr/>
-          <p:nvPr/>
-        </p:nvSpPr>
-        <p:spPr>
-          <a:xfrm>
-            <a:off x="607324" y="6192251"/>
-            <a:ext cx="1346844" cy="369332"/>
-          </a:xfrm>
-          <a:prstGeom prst="rect">
-            <a:avLst/>
-          </a:prstGeom>
-        </p:spPr>
-        <p:txBody>
-          <a:bodyPr wrap="none">
-            <a:spAutoFit/>
-          </a:bodyPr>
-          <a:lstStyle/>
-          <a:p>
-            <a:r>
-              <a:rPr lang="zh-CN" altLang="en-US" b="1" dirty="0" smtClean="0">
-                <a:solidFill>
-                  <a:srgbClr val="E53333"/>
-                </a:solidFill>
-                <a:latin typeface="-apple-system-font" charset="0"/>
-              </a:rPr>
-              <a:t>支撑、控制</a:t>
-            </a:r>
-            <a:endParaRPr lang="zh-CN" altLang="en-US" dirty="0"/>
-          </a:p>
-        </p:txBody>
-      </p:sp>
       <p:pic>
         <p:nvPicPr>
           <p:cNvPr id="2" name="图片 1"/>
@@ -3583,6 +3568,92 @@
           </a:prstGeom>
         </p:spPr>
       </p:pic>
+      <p:sp>
+        <p:nvSpPr>
+          <p:cNvPr id="4" name="矩形 3"/>
+          <p:cNvSpPr/>
+          <p:nvPr/>
+        </p:nvSpPr>
+        <p:spPr>
+          <a:xfrm>
+            <a:off x="2168911" y="4456753"/>
+            <a:ext cx="800219" cy="461665"/>
+          </a:xfrm>
+          <a:prstGeom prst="rect">
+            <a:avLst/>
+          </a:prstGeom>
+        </p:spPr>
+        <p:txBody>
+          <a:bodyPr wrap="none">
+            <a:spAutoFit/>
+          </a:bodyPr>
+          <a:lstStyle/>
+          <a:p>
+            <a:r>
+              <a:rPr lang="zh-CN" altLang="en-US" sz="2400" dirty="0" smtClean="0">
+                <a:solidFill>
+                  <a:srgbClr val="1A1A1A"/>
+                </a:solidFill>
+                <a:latin typeface="-apple-system" charset="0"/>
+              </a:rPr>
+              <a:t>内翻</a:t>
+            </a:r>
+            <a:endParaRPr lang="zh-CN" altLang="en-US" sz="2400" dirty="0"/>
+          </a:p>
+        </p:txBody>
+      </p:sp>
+      <p:sp>
+        <p:nvSpPr>
+          <p:cNvPr id="6" name="矩形 5"/>
+          <p:cNvSpPr/>
+          <p:nvPr/>
+        </p:nvSpPr>
+        <p:spPr>
+          <a:xfrm>
+            <a:off x="2127967" y="5228312"/>
+            <a:ext cx="2424062" cy="461665"/>
+          </a:xfrm>
+          <a:prstGeom prst="rect">
+            <a:avLst/>
+          </a:prstGeom>
+        </p:spPr>
+        <p:txBody>
+          <a:bodyPr wrap="none">
+            <a:spAutoFit/>
+          </a:bodyPr>
+          <a:lstStyle/>
+          <a:p>
+            <a:r>
+              <a:rPr lang="zh-CN" altLang="en-US" sz="2400" dirty="0">
+                <a:solidFill>
+                  <a:srgbClr val="1A1A1A"/>
+                </a:solidFill>
+                <a:latin typeface="-apple-system" charset="0"/>
+              </a:rPr>
+              <a:t>支撑</a:t>
+            </a:r>
+            <a:r>
+              <a:rPr lang="en-US" altLang="zh-CN" sz="2400" dirty="0">
+                <a:solidFill>
+                  <a:srgbClr val="1A1A1A"/>
+                </a:solidFill>
+                <a:latin typeface="-apple-system" charset="0"/>
+              </a:rPr>
+              <a:t>/</a:t>
+            </a:r>
+            <a:r>
+              <a:rPr lang="zh-CN" altLang="en-US" sz="2400" dirty="0">
+                <a:solidFill>
+                  <a:srgbClr val="1A1A1A"/>
+                </a:solidFill>
+                <a:latin typeface="-apple-system" charset="0"/>
+              </a:rPr>
+              <a:t>稳定系跑鞋</a:t>
+            </a:r>
+            <a:endParaRPr lang="zh-CN" altLang="en-US" sz="2400" dirty="0"/>
+          </a:p>
+        </p:txBody>
+      </p:sp>
     </p:spTree>
     <p:extLst>
       <p:ext uri="{BB962C8B-B14F-4D97-AF65-F5344CB8AC3E}">
@@ -3593,10 +3664,17 @@
   <p:clrMapOvr>
     <a:masterClrMapping/>
   </p:clrMapOvr>
+  <p:timing>
+    <p:tnLst>
+      <p:par>
+        <p:cTn id="1" dur="indefinite" restart="never" nodeType="tmRoot"/>
+      </p:par>
+    </p:tnLst>
+  </p:timing>
 </p:sld>
 </file>
 
-<file path=ppt/slides/slide13.xml><?xml version="1.0" encoding="utf-8"?>
+<file path=ppt/slides/slide14.xml><?xml version="1.0" encoding="utf-8"?>
 <p:sld xmlns:a="http://schemas.openxmlformats.org/drawingml/2006/main" xmlns:r="http://schemas.openxmlformats.org/officeDocument/2006/relationships" xmlns:p="http://schemas.openxmlformats.org/presentationml/2006/main">
   <p:cSld>
     <p:spTree>
@@ -3659,40 +3737,6 @@
               <a:t>高足弓</a:t>
             </a:r>
             <a:endParaRPr kumimoji="1" lang="zh-CN" altLang="en-US" dirty="0"/>
-          </a:p>
-        </p:txBody>
-      </p:sp>
-      <p:sp>
-        <p:nvSpPr>
-          <p:cNvPr id="5" name="矩形 4"/>
-          <p:cNvSpPr/>
-          <p:nvPr/>
-        </p:nvSpPr>
-        <p:spPr>
-          <a:xfrm>
-            <a:off x="578764" y="4883460"/>
-            <a:ext cx="11403970" cy="646331"/>
-          </a:xfrm>
-          <a:prstGeom prst="rect">
-            <a:avLst/>
-          </a:prstGeom>
-        </p:spPr>
-        <p:txBody>
-          <a:bodyPr wrap="square">
-            <a:spAutoFit/>
-          </a:bodyPr>
-          <a:lstStyle/>
-          <a:p>
-            <a:r>
-              <a:rPr lang="zh-CN" altLang="en-US" dirty="0" smtClean="0">
-                <a:solidFill>
-                  <a:srgbClr val="1A1A1A"/>
-                </a:solidFill>
-                <a:latin typeface="-apple-system" charset="0"/>
-              </a:rPr>
-              <a:t>内旋不足的跑者，后跟落地之后，足部外侧与地面接触较多；启动时，前掌外侧为主要发力点。大部分的冲击力以及身体重量都压在足部、腿部外侧，对于缓震有较高的要求。</a:t>
-            </a:r>
-            <a:endParaRPr lang="zh-CN" altLang="en-US" dirty="0"/>
           </a:p>
         </p:txBody>
       </p:sp>
@@ -3719,8 +3763,8 @@
         </p:blipFill>
         <p:spPr bwMode="auto">
           <a:xfrm>
-            <a:off x="3423249" y="2228211"/>
-            <a:ext cx="5715000" cy="1905000"/>
+            <a:off x="2525265" y="2169994"/>
+            <a:ext cx="6626631" cy="2208877"/>
           </a:xfrm>
           <a:prstGeom prst="rect">
             <a:avLst/>
@@ -3737,40 +3781,6 @@
           </a:extLst>
         </p:spPr>
       </p:pic>
-      <p:sp>
-        <p:nvSpPr>
-          <p:cNvPr id="10" name="矩形 9"/>
-          <p:cNvSpPr/>
-          <p:nvPr/>
-        </p:nvSpPr>
-        <p:spPr>
-          <a:xfrm>
-            <a:off x="578764" y="5782818"/>
-            <a:ext cx="1114408" cy="369332"/>
-          </a:xfrm>
-          <a:prstGeom prst="rect">
-            <a:avLst/>
-          </a:prstGeom>
-        </p:spPr>
-        <p:txBody>
-          <a:bodyPr wrap="none">
-            <a:spAutoFit/>
-          </a:bodyPr>
-          <a:lstStyle/>
-          <a:p>
-            <a:r>
-              <a:rPr lang="zh-CN" altLang="en-US" b="1" dirty="0" smtClean="0">
-                <a:solidFill>
-                  <a:srgbClr val="E53333"/>
-                </a:solidFill>
-                <a:latin typeface="-apple-system-font" charset="0"/>
-              </a:rPr>
-              <a:t>缓冲减震</a:t>
-            </a:r>
-            <a:endParaRPr lang="zh-CN" altLang="en-US" dirty="0"/>
-          </a:p>
-        </p:txBody>
-      </p:sp>
       <p:pic>
         <p:nvPicPr>
           <p:cNvPr id="2" name="图片 1"/>
@@ -3844,6 +3854,92 @@
           </a:p>
         </p:txBody>
       </p:sp>
+      <p:sp>
+        <p:nvSpPr>
+          <p:cNvPr id="4" name="矩形 3"/>
+          <p:cNvSpPr/>
+          <p:nvPr/>
+        </p:nvSpPr>
+        <p:spPr>
+          <a:xfrm>
+            <a:off x="2525265" y="4687923"/>
+            <a:ext cx="800219" cy="461665"/>
+          </a:xfrm>
+          <a:prstGeom prst="rect">
+            <a:avLst/>
+          </a:prstGeom>
+        </p:spPr>
+        <p:txBody>
+          <a:bodyPr wrap="none">
+            <a:spAutoFit/>
+          </a:bodyPr>
+          <a:lstStyle/>
+          <a:p>
+            <a:r>
+              <a:rPr lang="zh-CN" altLang="mr-IN" sz="2400" dirty="0">
+                <a:solidFill>
+                  <a:srgbClr val="1A1A1A"/>
+                </a:solidFill>
+                <a:latin typeface="-apple-system" charset="0"/>
+              </a:rPr>
+              <a:t>外翻</a:t>
+            </a:r>
+            <a:endParaRPr lang="zh-CN" altLang="en-US" sz="2400" dirty="0"/>
+          </a:p>
+        </p:txBody>
+      </p:sp>
+      <p:sp>
+        <p:nvSpPr>
+          <p:cNvPr id="6" name="矩形 5"/>
+          <p:cNvSpPr/>
+          <p:nvPr/>
+        </p:nvSpPr>
+        <p:spPr>
+          <a:xfrm>
+            <a:off x="2525265" y="5273974"/>
+            <a:ext cx="2492990" cy="461665"/>
+          </a:xfrm>
+          <a:prstGeom prst="rect">
+            <a:avLst/>
+          </a:prstGeom>
+        </p:spPr>
+        <p:txBody>
+          <a:bodyPr wrap="none">
+            <a:spAutoFit/>
+          </a:bodyPr>
+          <a:lstStyle/>
+          <a:p>
+            <a:r>
+              <a:rPr lang="zh-CN" altLang="mr-IN" sz="2400" dirty="0">
+                <a:solidFill>
+                  <a:srgbClr val="1A1A1A"/>
+                </a:solidFill>
+                <a:latin typeface="-apple-system" charset="0"/>
+              </a:rPr>
+              <a:t>缓冲</a:t>
+            </a:r>
+            <a:r>
+              <a:rPr lang="mr-IN" altLang="zh-CN" sz="2400" dirty="0">
+                <a:solidFill>
+                  <a:srgbClr val="1A1A1A"/>
+                </a:solidFill>
+                <a:latin typeface="-apple-system" charset="0"/>
+              </a:rPr>
+              <a:t>/</a:t>
+            </a:r>
+            <a:r>
+              <a:rPr lang="zh-CN" altLang="mr-IN" sz="2400" dirty="0">
+                <a:solidFill>
+                  <a:srgbClr val="1A1A1A"/>
+                </a:solidFill>
+                <a:latin typeface="-apple-system" charset="0"/>
+              </a:rPr>
+              <a:t>减震系跑鞋</a:t>
+            </a:r>
+            <a:endParaRPr lang="zh-CN" altLang="en-US" sz="2400" dirty="0"/>
+          </a:p>
+        </p:txBody>
+      </p:sp>
     </p:spTree>
     <p:extLst>
       <p:ext uri="{BB962C8B-B14F-4D97-AF65-F5344CB8AC3E}">
@@ -3854,187 +3950,13 @@
   <p:clrMapOvr>
     <a:masterClrMapping/>
   </p:clrMapOvr>
-</p:sld>
-</file>
-
-<file path=ppt/slides/slide14.xml><?xml version="1.0" encoding="utf-8"?>
-<p:sld xmlns:a="http://schemas.openxmlformats.org/drawingml/2006/main" xmlns:r="http://schemas.openxmlformats.org/officeDocument/2006/relationships" xmlns:p="http://schemas.openxmlformats.org/presentationml/2006/main">
-  <p:cSld>
-    <p:spTree>
-      <p:nvGrpSpPr>
-        <p:cNvPr id="1" name=""/>
-        <p:cNvGrpSpPr/>
-        <p:nvPr/>
-      </p:nvGrpSpPr>
-      <p:grpSpPr>
-        <a:xfrm>
-          <a:off x="0" y="0"/>
-          <a:ext cx="0" cy="0"/>
-          <a:chOff x="0" y="0"/>
-          <a:chExt cx="0" cy="0"/>
-        </a:xfrm>
-      </p:grpSpPr>
-      <p:sp>
-        <p:nvSpPr>
-          <p:cNvPr id="3" name="标题 1"/>
-          <p:cNvSpPr txBox="1">
-            <a:spLocks/>
-          </p:cNvSpPr>
-          <p:nvPr/>
-        </p:nvSpPr>
-        <p:spPr>
-          <a:xfrm>
-            <a:off x="1352393" y="440267"/>
-            <a:ext cx="9144000" cy="1037696"/>
-          </a:xfrm>
-          <a:prstGeom prst="rect">
-            <a:avLst/>
-          </a:prstGeom>
-        </p:spPr>
-        <p:txBody>
-          <a:bodyPr vert="horz" lIns="91440" tIns="45720" rIns="91440" bIns="45720" rtlCol="0" anchor="b">
-            <a:normAutofit/>
-          </a:bodyPr>
-          <a:lstStyle>
-            <a:lvl1pPr algn="ctr" defTabSz="914400" rtl="0" eaLnBrk="1" latinLnBrk="0" hangingPunct="1">
-              <a:lnSpc>
-                <a:spcPct val="90000"/>
-              </a:lnSpc>
-              <a:spcBef>
-                <a:spcPct val="0"/>
-              </a:spcBef>
-              <a:buNone/>
-              <a:defRPr sz="6000" kern="1200">
-                <a:solidFill>
-                  <a:schemeClr val="tx1"/>
-                </a:solidFill>
-                <a:latin typeface="+mj-lt"/>
-                <a:ea typeface="+mj-ea"/>
-                <a:cs typeface="+mj-cs"/>
-              </a:defRPr>
-            </a:lvl1pPr>
-          </a:lstStyle>
-          <a:p>
-            <a:r>
-              <a:rPr kumimoji="1" lang="zh-CN" altLang="en-US" dirty="0" smtClean="0"/>
-              <a:t>如何知道自己是什么足形</a:t>
-            </a:r>
-            <a:endParaRPr kumimoji="1" lang="zh-CN" altLang="en-US" dirty="0"/>
-          </a:p>
-        </p:txBody>
-      </p:sp>
-      <p:sp>
-        <p:nvSpPr>
-          <p:cNvPr id="7" name="矩形 6"/>
-          <p:cNvSpPr/>
-          <p:nvPr/>
-        </p:nvSpPr>
-        <p:spPr>
-          <a:xfrm>
-            <a:off x="1860393" y="1812583"/>
-            <a:ext cx="8636000" cy="369332"/>
-          </a:xfrm>
-          <a:prstGeom prst="rect">
-            <a:avLst/>
-          </a:prstGeom>
-        </p:spPr>
-        <p:txBody>
-          <a:bodyPr wrap="square">
-            <a:spAutoFit/>
-          </a:bodyPr>
-          <a:lstStyle/>
-          <a:p>
-            <a:r>
-              <a:rPr lang="zh-CN" altLang="en-US" dirty="0" smtClean="0">
-                <a:solidFill>
-                  <a:srgbClr val="191919"/>
-                </a:solidFill>
-                <a:latin typeface="PingFang SC" charset="-122"/>
-              </a:rPr>
-              <a:t>踩在纸上</a:t>
-            </a:r>
-            <a:endParaRPr lang="zh-CN" altLang="en-US" dirty="0"/>
-          </a:p>
-        </p:txBody>
-      </p:sp>
-      <p:sp>
-        <p:nvSpPr>
-          <p:cNvPr id="8" name="矩形 7"/>
-          <p:cNvSpPr/>
-          <p:nvPr/>
-        </p:nvSpPr>
-        <p:spPr>
-          <a:xfrm>
-            <a:off x="1860393" y="2516535"/>
-            <a:ext cx="8636000" cy="369332"/>
-          </a:xfrm>
-          <a:prstGeom prst="rect">
-            <a:avLst/>
-          </a:prstGeom>
-        </p:spPr>
-        <p:txBody>
-          <a:bodyPr wrap="square">
-            <a:spAutoFit/>
-          </a:bodyPr>
-          <a:lstStyle/>
-          <a:p>
-            <a:r>
-              <a:rPr lang="zh-CN" altLang="en-US" dirty="0">
-                <a:solidFill>
-                  <a:srgbClr val="191919"/>
-                </a:solidFill>
-                <a:latin typeface="PingFang SC" charset="-122"/>
-              </a:rPr>
-              <a:t>拿出一双穿过鞋子（穿的时间越久越好），查看鞋底的磨损程度</a:t>
-            </a:r>
-            <a:endParaRPr lang="zh-CN" altLang="en-US" dirty="0"/>
-          </a:p>
-        </p:txBody>
-      </p:sp>
-      <p:sp>
-        <p:nvSpPr>
-          <p:cNvPr id="10" name="矩形 9"/>
-          <p:cNvSpPr/>
-          <p:nvPr/>
-        </p:nvSpPr>
-        <p:spPr>
-          <a:xfrm>
-            <a:off x="1860393" y="3220487"/>
-            <a:ext cx="8636000" cy="369332"/>
-          </a:xfrm>
-          <a:prstGeom prst="rect">
-            <a:avLst/>
-          </a:prstGeom>
-        </p:spPr>
-        <p:txBody>
-          <a:bodyPr wrap="square">
-            <a:spAutoFit/>
-          </a:bodyPr>
-          <a:lstStyle/>
-          <a:p>
-            <a:r>
-              <a:rPr lang="zh-CN" altLang="en-US" dirty="0" smtClean="0">
-                <a:solidFill>
-                  <a:srgbClr val="191919"/>
-                </a:solidFill>
-                <a:latin typeface="PingFang SC" charset="-122"/>
-              </a:rPr>
-              <a:t>跑鞋店</a:t>
-            </a:r>
-            <a:endParaRPr lang="zh-CN" altLang="en-US" dirty="0"/>
-          </a:p>
-        </p:txBody>
-      </p:sp>
-    </p:spTree>
-    <p:extLst>
-      <p:ext uri="{BB962C8B-B14F-4D97-AF65-F5344CB8AC3E}">
-        <p14:creationId xmlns:p14="http://schemas.microsoft.com/office/powerpoint/2010/main" val="3249087948"/>
-      </p:ext>
-    </p:extLst>
-  </p:cSld>
-  <p:clrMapOvr>
-    <a:masterClrMapping/>
-  </p:clrMapOvr>
+  <p:timing>
+    <p:tnLst>
+      <p:par>
+        <p:cTn id="1" dur="indefinite" restart="never" nodeType="tmRoot"/>
+      </p:par>
+    </p:tnLst>
+  </p:timing>
 </p:sld>
 </file>
 
@@ -4097,28 +4019,131 @@
           </a:lstStyle>
           <a:p>
             <a:r>
-              <a:rPr lang="zh-CN" altLang="en-US" dirty="0">
+              <a:rPr kumimoji="1" lang="zh-CN" altLang="en-US" dirty="0" smtClean="0"/>
+              <a:t>如何知道自己是什么足形</a:t>
+            </a:r>
+            <a:endParaRPr kumimoji="1" lang="zh-CN" altLang="en-US" dirty="0"/>
+          </a:p>
+        </p:txBody>
+      </p:sp>
+      <p:sp>
+        <p:nvSpPr>
+          <p:cNvPr id="7" name="矩形 6"/>
+          <p:cNvSpPr/>
+          <p:nvPr/>
+        </p:nvSpPr>
+        <p:spPr>
+          <a:xfrm>
+            <a:off x="1860393" y="1812583"/>
+            <a:ext cx="8636000" cy="461665"/>
+          </a:xfrm>
+          <a:prstGeom prst="rect">
+            <a:avLst/>
+          </a:prstGeom>
+        </p:spPr>
+        <p:txBody>
+          <a:bodyPr wrap="square">
+            <a:spAutoFit/>
+          </a:bodyPr>
+          <a:lstStyle/>
+          <a:p>
+            <a:r>
+              <a:rPr lang="en-US" altLang="zh-CN" sz="2400" dirty="0"/>
+              <a:t>A4</a:t>
+            </a:r>
+            <a:r>
+              <a:rPr lang="zh-CN" altLang="en-US" sz="2400" dirty="0"/>
+              <a:t>纸</a:t>
+            </a:r>
+            <a:endParaRPr lang="zh-CN" altLang="en-US" sz="2400" dirty="0"/>
+          </a:p>
+        </p:txBody>
+      </p:sp>
+      <p:sp>
+        <p:nvSpPr>
+          <p:cNvPr id="8" name="矩形 7"/>
+          <p:cNvSpPr/>
+          <p:nvPr/>
+        </p:nvSpPr>
+        <p:spPr>
+          <a:xfrm>
+            <a:off x="1860393" y="2516535"/>
+            <a:ext cx="8636000" cy="830997"/>
+          </a:xfrm>
+          <a:prstGeom prst="rect">
+            <a:avLst/>
+          </a:prstGeom>
+        </p:spPr>
+        <p:txBody>
+          <a:bodyPr wrap="square">
+            <a:spAutoFit/>
+          </a:bodyPr>
+          <a:lstStyle/>
+          <a:p>
+            <a:r>
+              <a:rPr lang="zh-CN" altLang="en-US" sz="2400" dirty="0">
                 <a:solidFill>
-                  <a:srgbClr val="1A1A1A"/>
+                  <a:srgbClr val="191919"/>
                 </a:solidFill>
-                <a:latin typeface="-apple-system"/>
+                <a:latin typeface="PingFang SC" charset="-122"/>
               </a:rPr>
-              <a:t>天生就会跑</a:t>
-            </a:r>
-            <a:endParaRPr lang="zh-CN" altLang="en-US" dirty="0"/>
+              <a:t>拿出一双穿过鞋子（穿的时间越久越好），查看鞋底的磨损程度</a:t>
+            </a:r>
+            <a:endParaRPr lang="zh-CN" altLang="en-US" sz="2400" dirty="0"/>
+          </a:p>
+        </p:txBody>
+      </p:sp>
+      <p:sp>
+        <p:nvSpPr>
+          <p:cNvPr id="10" name="矩形 9"/>
+          <p:cNvSpPr/>
+          <p:nvPr/>
+        </p:nvSpPr>
+        <p:spPr>
+          <a:xfrm>
+            <a:off x="1860393" y="3589819"/>
+            <a:ext cx="8636000" cy="461665"/>
+          </a:xfrm>
+          <a:prstGeom prst="rect">
+            <a:avLst/>
+          </a:prstGeom>
+        </p:spPr>
+        <p:txBody>
+          <a:bodyPr wrap="square">
+            <a:spAutoFit/>
+          </a:bodyPr>
+          <a:lstStyle/>
+          <a:p>
+            <a:r>
+              <a:rPr lang="zh-CN" altLang="en-US" sz="2400" dirty="0" smtClean="0">
+                <a:solidFill>
+                  <a:srgbClr val="191919"/>
+                </a:solidFill>
+                <a:latin typeface="PingFang SC" charset="-122"/>
+              </a:rPr>
+              <a:t>跑鞋店</a:t>
+            </a:r>
+            <a:endParaRPr lang="zh-CN" altLang="en-US" sz="2400" dirty="0"/>
           </a:p>
         </p:txBody>
       </p:sp>
     </p:spTree>
     <p:extLst>
       <p:ext uri="{BB962C8B-B14F-4D97-AF65-F5344CB8AC3E}">
-        <p14:creationId xmlns:p14="http://schemas.microsoft.com/office/powerpoint/2010/main" val="1748890624"/>
+        <p14:creationId xmlns:p14="http://schemas.microsoft.com/office/powerpoint/2010/main" val="3249087948"/>
       </p:ext>
     </p:extLst>
   </p:cSld>
   <p:clrMapOvr>
     <a:masterClrMapping/>
   </p:clrMapOvr>
+  <p:timing>
+    <p:tnLst>
+      <p:par>
+        <p:cTn id="1" dur="indefinite" restart="never" nodeType="tmRoot"/>
+      </p:par>
+    </p:tnLst>
+  </p:timing>
 </p:sld>
 </file>
 
@@ -4182,18 +4207,15 @@
           <a:p>
             <a:r>
               <a:rPr kumimoji="1" lang="zh-CN" altLang="en-US" dirty="0" smtClean="0"/>
-              <a:t>跑鞋</a:t>
-            </a:r>
-            <a:r>
-              <a:rPr kumimoji="1" lang="zh-CN" altLang="en-US" dirty="0"/>
-              <a:t>品牌</a:t>
-            </a:r>
+              <a:t>选鞋</a:t>
+            </a:r>
+            <a:endParaRPr kumimoji="1" lang="zh-CN" altLang="en-US" dirty="0"/>
           </a:p>
         </p:txBody>
       </p:sp>
       <p:pic>
         <p:nvPicPr>
-          <p:cNvPr id="9" name="图片 8"/>
+          <p:cNvPr id="2" name="图片 1"/>
           <p:cNvPicPr>
             <a:picLocks noChangeAspect="1"/>
           </p:cNvPicPr>
@@ -4207,8 +4229,8 @@
         </p:blipFill>
         <p:spPr>
           <a:xfrm>
-            <a:off x="5932310" y="4758616"/>
-            <a:ext cx="1705013" cy="1298433"/>
+            <a:off x="99400" y="1491612"/>
+            <a:ext cx="5728193" cy="2479368"/>
           </a:xfrm>
           <a:prstGeom prst="rect">
             <a:avLst/>
@@ -4217,7 +4239,7 @@
       </p:pic>
       <p:pic>
         <p:nvPicPr>
-          <p:cNvPr id="10" name="图片 9"/>
+          <p:cNvPr id="4" name="图片 3"/>
           <p:cNvPicPr>
             <a:picLocks noChangeAspect="1"/>
           </p:cNvPicPr>
@@ -4231,104 +4253,8 @@
         </p:blipFill>
         <p:spPr>
           <a:xfrm>
-            <a:off x="1138195" y="1810251"/>
-            <a:ext cx="2158978" cy="1137665"/>
-          </a:xfrm>
-          <a:prstGeom prst="rect">
-            <a:avLst/>
-          </a:prstGeom>
-        </p:spPr>
-      </p:pic>
-      <p:pic>
-        <p:nvPicPr>
-          <p:cNvPr id="11" name="图片 10"/>
-          <p:cNvPicPr>
-            <a:picLocks noChangeAspect="1"/>
-          </p:cNvPicPr>
-          <p:nvPr/>
-        </p:nvPicPr>
-        <p:blipFill>
-          <a:blip r:embed="rId4"/>
-          <a:stretch>
-            <a:fillRect/>
-          </a:stretch>
-        </p:blipFill>
-        <p:spPr>
-          <a:xfrm>
-            <a:off x="6940980" y="1578237"/>
-            <a:ext cx="2095238" cy="1447619"/>
-          </a:xfrm>
-          <a:prstGeom prst="rect">
-            <a:avLst/>
-          </a:prstGeom>
-        </p:spPr>
-      </p:pic>
-      <p:pic>
-        <p:nvPicPr>
-          <p:cNvPr id="14" name="图片 13"/>
-          <p:cNvPicPr>
-            <a:picLocks noChangeAspect="1"/>
-          </p:cNvPicPr>
-          <p:nvPr/>
-        </p:nvPicPr>
-        <p:blipFill>
-          <a:blip r:embed="rId5"/>
-          <a:stretch>
-            <a:fillRect/>
-          </a:stretch>
-        </p:blipFill>
-        <p:spPr>
-          <a:xfrm>
-            <a:off x="3252121" y="3280204"/>
-            <a:ext cx="2410223" cy="1181010"/>
-          </a:xfrm>
-          <a:prstGeom prst="rect">
-            <a:avLst/>
-          </a:prstGeom>
-        </p:spPr>
-      </p:pic>
-      <p:pic>
-        <p:nvPicPr>
-          <p:cNvPr id="2" name="图片 1"/>
-          <p:cNvPicPr>
-            <a:picLocks noChangeAspect="1"/>
-          </p:cNvPicPr>
-          <p:nvPr/>
-        </p:nvPicPr>
-        <p:blipFill>
-          <a:blip r:embed="rId6"/>
-          <a:stretch>
-            <a:fillRect/>
-          </a:stretch>
-        </p:blipFill>
-        <p:spPr>
-          <a:xfrm>
-            <a:off x="7735811" y="3588934"/>
-            <a:ext cx="2833804" cy="872280"/>
-          </a:xfrm>
-          <a:prstGeom prst="rect">
-            <a:avLst/>
-          </a:prstGeom>
-        </p:spPr>
-      </p:pic>
-      <p:pic>
-        <p:nvPicPr>
-          <p:cNvPr id="4" name="图片 3"/>
-          <p:cNvPicPr>
-            <a:picLocks noChangeAspect="1"/>
-          </p:cNvPicPr>
-          <p:nvPr/>
-        </p:nvPicPr>
-        <p:blipFill>
-          <a:blip r:embed="rId7"/>
-          <a:stretch>
-            <a:fillRect/>
-          </a:stretch>
-        </p:blipFill>
-        <p:spPr>
-          <a:xfrm>
-            <a:off x="1138195" y="4985112"/>
-            <a:ext cx="2770055" cy="1071937"/>
+            <a:off x="5404177" y="4040647"/>
+            <a:ext cx="6515473" cy="2435927"/>
           </a:xfrm>
           <a:prstGeom prst="rect">
             <a:avLst/>
@@ -4338,13 +4264,20 @@
     </p:spTree>
     <p:extLst>
       <p:ext uri="{BB962C8B-B14F-4D97-AF65-F5344CB8AC3E}">
-        <p14:creationId xmlns:p14="http://schemas.microsoft.com/office/powerpoint/2010/main" val="3496841375"/>
+        <p14:creationId xmlns:p14="http://schemas.microsoft.com/office/powerpoint/2010/main" val="320075487"/>
       </p:ext>
     </p:extLst>
   </p:cSld>
   <p:clrMapOvr>
     <a:masterClrMapping/>
   </p:clrMapOvr>
+  <p:timing>
+    <p:tnLst>
+      <p:par>
+        <p:cTn id="1" dur="indefinite" restart="never" nodeType="tmRoot"/>
+      </p:par>
+    </p:tnLst>
+  </p:timing>
 </p:sld>
 </file>
 
@@ -4407,6 +4340,330 @@
           </a:lstStyle>
           <a:p>
             <a:r>
+              <a:rPr lang="zh-CN" altLang="en-US" dirty="0">
+                <a:solidFill>
+                  <a:srgbClr val="1A1A1A"/>
+                </a:solidFill>
+                <a:latin typeface="-apple-system"/>
+              </a:rPr>
+              <a:t>天生就会跑</a:t>
+            </a:r>
+            <a:endParaRPr lang="zh-CN" altLang="en-US" dirty="0"/>
+          </a:p>
+        </p:txBody>
+      </p:sp>
+    </p:spTree>
+    <p:extLst>
+      <p:ext uri="{BB962C8B-B14F-4D97-AF65-F5344CB8AC3E}">
+        <p14:creationId xmlns:p14="http://schemas.microsoft.com/office/powerpoint/2010/main" val="1748890624"/>
+      </p:ext>
+    </p:extLst>
+  </p:cSld>
+  <p:clrMapOvr>
+    <a:masterClrMapping/>
+  </p:clrMapOvr>
+  <p:timing>
+    <p:tnLst>
+      <p:par>
+        <p:cTn id="1" dur="indefinite" restart="never" nodeType="tmRoot"/>
+      </p:par>
+    </p:tnLst>
+  </p:timing>
+</p:sld>
+</file>
+
+<file path=ppt/slides/slide18.xml><?xml version="1.0" encoding="utf-8"?>
+<p:sld xmlns:a="http://schemas.openxmlformats.org/drawingml/2006/main" xmlns:r="http://schemas.openxmlformats.org/officeDocument/2006/relationships" xmlns:p="http://schemas.openxmlformats.org/presentationml/2006/main">
+  <p:cSld>
+    <p:spTree>
+      <p:nvGrpSpPr>
+        <p:cNvPr id="1" name=""/>
+        <p:cNvGrpSpPr/>
+        <p:nvPr/>
+      </p:nvGrpSpPr>
+      <p:grpSpPr>
+        <a:xfrm>
+          <a:off x="0" y="0"/>
+          <a:ext cx="0" cy="0"/>
+          <a:chOff x="0" y="0"/>
+          <a:chExt cx="0" cy="0"/>
+        </a:xfrm>
+      </p:grpSpPr>
+      <p:sp>
+        <p:nvSpPr>
+          <p:cNvPr id="3" name="标题 1"/>
+          <p:cNvSpPr txBox="1">
+            <a:spLocks/>
+          </p:cNvSpPr>
+          <p:nvPr/>
+        </p:nvSpPr>
+        <p:spPr>
+          <a:xfrm>
+            <a:off x="1352393" y="440267"/>
+            <a:ext cx="9144000" cy="1037696"/>
+          </a:xfrm>
+          <a:prstGeom prst="rect">
+            <a:avLst/>
+          </a:prstGeom>
+        </p:spPr>
+        <p:txBody>
+          <a:bodyPr vert="horz" lIns="91440" tIns="45720" rIns="91440" bIns="45720" rtlCol="0" anchor="b">
+            <a:normAutofit/>
+          </a:bodyPr>
+          <a:lstStyle>
+            <a:lvl1pPr algn="ctr" defTabSz="914400" rtl="0" eaLnBrk="1" latinLnBrk="0" hangingPunct="1">
+              <a:lnSpc>
+                <a:spcPct val="90000"/>
+              </a:lnSpc>
+              <a:spcBef>
+                <a:spcPct val="0"/>
+              </a:spcBef>
+              <a:buNone/>
+              <a:defRPr sz="6000" kern="1200">
+                <a:solidFill>
+                  <a:schemeClr val="tx1"/>
+                </a:solidFill>
+                <a:latin typeface="+mj-lt"/>
+                <a:ea typeface="+mj-ea"/>
+                <a:cs typeface="+mj-cs"/>
+              </a:defRPr>
+            </a:lvl1pPr>
+          </a:lstStyle>
+          <a:p>
+            <a:r>
+              <a:rPr kumimoji="1" lang="zh-CN" altLang="en-US" dirty="0" smtClean="0"/>
+              <a:t>跑鞋</a:t>
+            </a:r>
+            <a:r>
+              <a:rPr kumimoji="1" lang="zh-CN" altLang="en-US" dirty="0"/>
+              <a:t>品牌</a:t>
+            </a:r>
+          </a:p>
+        </p:txBody>
+      </p:sp>
+      <p:pic>
+        <p:nvPicPr>
+          <p:cNvPr id="9" name="图片 8"/>
+          <p:cNvPicPr>
+            <a:picLocks noChangeAspect="1"/>
+          </p:cNvPicPr>
+          <p:nvPr/>
+        </p:nvPicPr>
+        <p:blipFill>
+          <a:blip r:embed="rId2"/>
+          <a:stretch>
+            <a:fillRect/>
+          </a:stretch>
+        </p:blipFill>
+        <p:spPr>
+          <a:xfrm>
+            <a:off x="5932310" y="4758616"/>
+            <a:ext cx="1705013" cy="1298433"/>
+          </a:xfrm>
+          <a:prstGeom prst="rect">
+            <a:avLst/>
+          </a:prstGeom>
+        </p:spPr>
+      </p:pic>
+      <p:pic>
+        <p:nvPicPr>
+          <p:cNvPr id="10" name="图片 9"/>
+          <p:cNvPicPr>
+            <a:picLocks noChangeAspect="1"/>
+          </p:cNvPicPr>
+          <p:nvPr/>
+        </p:nvPicPr>
+        <p:blipFill>
+          <a:blip r:embed="rId3"/>
+          <a:stretch>
+            <a:fillRect/>
+          </a:stretch>
+        </p:blipFill>
+        <p:spPr>
+          <a:xfrm>
+            <a:off x="1138195" y="1810251"/>
+            <a:ext cx="2158978" cy="1137665"/>
+          </a:xfrm>
+          <a:prstGeom prst="rect">
+            <a:avLst/>
+          </a:prstGeom>
+        </p:spPr>
+      </p:pic>
+      <p:pic>
+        <p:nvPicPr>
+          <p:cNvPr id="11" name="图片 10"/>
+          <p:cNvPicPr>
+            <a:picLocks noChangeAspect="1"/>
+          </p:cNvPicPr>
+          <p:nvPr/>
+        </p:nvPicPr>
+        <p:blipFill>
+          <a:blip r:embed="rId4"/>
+          <a:stretch>
+            <a:fillRect/>
+          </a:stretch>
+        </p:blipFill>
+        <p:spPr>
+          <a:xfrm>
+            <a:off x="6940980" y="1578237"/>
+            <a:ext cx="2095238" cy="1447619"/>
+          </a:xfrm>
+          <a:prstGeom prst="rect">
+            <a:avLst/>
+          </a:prstGeom>
+        </p:spPr>
+      </p:pic>
+      <p:pic>
+        <p:nvPicPr>
+          <p:cNvPr id="14" name="图片 13"/>
+          <p:cNvPicPr>
+            <a:picLocks noChangeAspect="1"/>
+          </p:cNvPicPr>
+          <p:nvPr/>
+        </p:nvPicPr>
+        <p:blipFill>
+          <a:blip r:embed="rId5"/>
+          <a:stretch>
+            <a:fillRect/>
+          </a:stretch>
+        </p:blipFill>
+        <p:spPr>
+          <a:xfrm>
+            <a:off x="3252121" y="3280204"/>
+            <a:ext cx="2410223" cy="1181010"/>
+          </a:xfrm>
+          <a:prstGeom prst="rect">
+            <a:avLst/>
+          </a:prstGeom>
+        </p:spPr>
+      </p:pic>
+      <p:pic>
+        <p:nvPicPr>
+          <p:cNvPr id="2" name="图片 1"/>
+          <p:cNvPicPr>
+            <a:picLocks noChangeAspect="1"/>
+          </p:cNvPicPr>
+          <p:nvPr/>
+        </p:nvPicPr>
+        <p:blipFill>
+          <a:blip r:embed="rId6"/>
+          <a:stretch>
+            <a:fillRect/>
+          </a:stretch>
+        </p:blipFill>
+        <p:spPr>
+          <a:xfrm>
+            <a:off x="7735811" y="3588934"/>
+            <a:ext cx="2833804" cy="872280"/>
+          </a:xfrm>
+          <a:prstGeom prst="rect">
+            <a:avLst/>
+          </a:prstGeom>
+        </p:spPr>
+      </p:pic>
+      <p:pic>
+        <p:nvPicPr>
+          <p:cNvPr id="4" name="图片 3"/>
+          <p:cNvPicPr>
+            <a:picLocks noChangeAspect="1"/>
+          </p:cNvPicPr>
+          <p:nvPr/>
+        </p:nvPicPr>
+        <p:blipFill>
+          <a:blip r:embed="rId7"/>
+          <a:stretch>
+            <a:fillRect/>
+          </a:stretch>
+        </p:blipFill>
+        <p:spPr>
+          <a:xfrm>
+            <a:off x="1138195" y="4985112"/>
+            <a:ext cx="2770055" cy="1071937"/>
+          </a:xfrm>
+          <a:prstGeom prst="rect">
+            <a:avLst/>
+          </a:prstGeom>
+        </p:spPr>
+      </p:pic>
+    </p:spTree>
+    <p:extLst>
+      <p:ext uri="{BB962C8B-B14F-4D97-AF65-F5344CB8AC3E}">
+        <p14:creationId xmlns:p14="http://schemas.microsoft.com/office/powerpoint/2010/main" val="3496841375"/>
+      </p:ext>
+    </p:extLst>
+  </p:cSld>
+  <p:clrMapOvr>
+    <a:masterClrMapping/>
+  </p:clrMapOvr>
+  <p:timing>
+    <p:tnLst>
+      <p:par>
+        <p:cTn id="1" dur="indefinite" restart="never" nodeType="tmRoot"/>
+      </p:par>
+    </p:tnLst>
+  </p:timing>
+</p:sld>
+</file>
+
+<file path=ppt/slides/slide19.xml><?xml version="1.0" encoding="utf-8"?>
+<p:sld xmlns:a="http://schemas.openxmlformats.org/drawingml/2006/main" xmlns:r="http://schemas.openxmlformats.org/officeDocument/2006/relationships" xmlns:p="http://schemas.openxmlformats.org/presentationml/2006/main">
+  <p:cSld>
+    <p:spTree>
+      <p:nvGrpSpPr>
+        <p:cNvPr id="1" name=""/>
+        <p:cNvGrpSpPr/>
+        <p:nvPr/>
+      </p:nvGrpSpPr>
+      <p:grpSpPr>
+        <a:xfrm>
+          <a:off x="0" y="0"/>
+          <a:ext cx="0" cy="0"/>
+          <a:chOff x="0" y="0"/>
+          <a:chExt cx="0" cy="0"/>
+        </a:xfrm>
+      </p:grpSpPr>
+      <p:sp>
+        <p:nvSpPr>
+          <p:cNvPr id="3" name="标题 1"/>
+          <p:cNvSpPr txBox="1">
+            <a:spLocks/>
+          </p:cNvSpPr>
+          <p:nvPr/>
+        </p:nvSpPr>
+        <p:spPr>
+          <a:xfrm>
+            <a:off x="1352393" y="440267"/>
+            <a:ext cx="9144000" cy="1037696"/>
+          </a:xfrm>
+          <a:prstGeom prst="rect">
+            <a:avLst/>
+          </a:prstGeom>
+        </p:spPr>
+        <p:txBody>
+          <a:bodyPr vert="horz" lIns="91440" tIns="45720" rIns="91440" bIns="45720" rtlCol="0" anchor="b">
+            <a:normAutofit/>
+          </a:bodyPr>
+          <a:lstStyle>
+            <a:lvl1pPr algn="ctr" defTabSz="914400" rtl="0" eaLnBrk="1" latinLnBrk="0" hangingPunct="1">
+              <a:lnSpc>
+                <a:spcPct val="90000"/>
+              </a:lnSpc>
+              <a:spcBef>
+                <a:spcPct val="0"/>
+              </a:spcBef>
+              <a:buNone/>
+              <a:defRPr sz="6000" kern="1200">
+                <a:solidFill>
+                  <a:schemeClr val="tx1"/>
+                </a:solidFill>
+                <a:latin typeface="+mj-lt"/>
+                <a:ea typeface="+mj-ea"/>
+                <a:cs typeface="+mj-cs"/>
+              </a:defRPr>
+            </a:lvl1pPr>
+          </a:lstStyle>
+          <a:p>
+            <a:r>
               <a:rPr kumimoji="1" lang="zh-CN" altLang="en-US" dirty="0" smtClean="0"/>
               <a:t>亚瑟士</a:t>
             </a:r>
@@ -4448,10 +4705,75 @@
   <p:clrMapOvr>
     <a:masterClrMapping/>
   </p:clrMapOvr>
+  <p:timing>
+    <p:tnLst>
+      <p:par>
+        <p:cTn id="1" dur="indefinite" restart="never" nodeType="tmRoot"/>
+      </p:par>
+    </p:tnLst>
+  </p:timing>
 </p:sld>
 </file>
 
-<file path=ppt/slides/slide18.xml><?xml version="1.0" encoding="utf-8"?>
+<file path=ppt/slides/slide2.xml><?xml version="1.0" encoding="utf-8"?>
+<p:sld xmlns:a="http://schemas.openxmlformats.org/drawingml/2006/main" xmlns:r="http://schemas.openxmlformats.org/officeDocument/2006/relationships" xmlns:p="http://schemas.openxmlformats.org/presentationml/2006/main">
+  <p:cSld>
+    <p:spTree>
+      <p:nvGrpSpPr>
+        <p:cNvPr id="1" name=""/>
+        <p:cNvGrpSpPr/>
+        <p:nvPr/>
+      </p:nvGrpSpPr>
+      <p:grpSpPr>
+        <a:xfrm>
+          <a:off x="0" y="0"/>
+          <a:ext cx="0" cy="0"/>
+          <a:chOff x="0" y="0"/>
+          <a:chExt cx="0" cy="0"/>
+        </a:xfrm>
+      </p:grpSpPr>
+      <p:sp>
+        <p:nvSpPr>
+          <p:cNvPr id="2" name="标题 1"/>
+          <p:cNvSpPr>
+            <a:spLocks noGrp="1"/>
+          </p:cNvSpPr>
+          <p:nvPr>
+            <p:ph type="ctrTitle"/>
+          </p:nvPr>
+        </p:nvSpPr>
+        <p:spPr>
+          <a:xfrm>
+            <a:off x="1428465" y="341194"/>
+            <a:ext cx="9144000" cy="1148900"/>
+          </a:xfrm>
+        </p:spPr>
+        <p:txBody>
+          <a:bodyPr/>
+          <a:lstStyle/>
+          <a:p>
+            <a:r>
+              <a:rPr kumimoji="1" lang="zh-CN" altLang="en-US" dirty="0" smtClean="0"/>
+              <a:t>跑步是一项危险的运动</a:t>
+            </a:r>
+            <a:endParaRPr lang="zh-CN" altLang="en-US" dirty="0"/>
+          </a:p>
+        </p:txBody>
+      </p:sp>
+    </p:spTree>
+    <p:extLst>
+      <p:ext uri="{BB962C8B-B14F-4D97-AF65-F5344CB8AC3E}">
+        <p14:creationId xmlns:p14="http://schemas.microsoft.com/office/powerpoint/2010/main" val="3629642837"/>
+      </p:ext>
+    </p:extLst>
+  </p:cSld>
+  <p:clrMapOvr>
+    <a:masterClrMapping/>
+  </p:clrMapOvr>
+</p:sld>
+</file>
+
+<file path=ppt/slides/slide20.xml><?xml version="1.0" encoding="utf-8"?>
 <p:sld xmlns:a="http://schemas.openxmlformats.org/drawingml/2006/main" xmlns:r="http://schemas.openxmlformats.org/officeDocument/2006/relationships" xmlns:p="http://schemas.openxmlformats.org/presentationml/2006/main">
   <p:cSld>
     <p:spTree>
@@ -4502,10 +4824,17 @@
   <p:clrMapOvr>
     <a:masterClrMapping/>
   </p:clrMapOvr>
+  <p:timing>
+    <p:tnLst>
+      <p:par>
+        <p:cTn id="1" dur="indefinite" restart="never" nodeType="tmRoot"/>
+      </p:par>
+    </p:tnLst>
+  </p:timing>
 </p:sld>
 </file>
 
-<file path=ppt/slides/slide19.xml><?xml version="1.0" encoding="utf-8"?>
+<file path=ppt/slides/slide21.xml><?xml version="1.0" encoding="utf-8"?>
 <p:sld xmlns:a="http://schemas.openxmlformats.org/drawingml/2006/main" xmlns:r="http://schemas.openxmlformats.org/officeDocument/2006/relationships" xmlns:p="http://schemas.openxmlformats.org/presentationml/2006/main">
   <p:cSld>
     <p:spTree>
@@ -4556,10 +4885,17 @@
   <p:clrMapOvr>
     <a:masterClrMapping/>
   </p:clrMapOvr>
+  <p:timing>
+    <p:tnLst>
+      <p:par>
+        <p:cTn id="1" dur="indefinite" restart="never" nodeType="tmRoot"/>
+      </p:par>
+    </p:tnLst>
+  </p:timing>
 </p:sld>
 </file>
 
-<file path=ppt/slides/slide2.xml><?xml version="1.0" encoding="utf-8"?>
+<file path=ppt/slides/slide22.xml><?xml version="1.0" encoding="utf-8"?>
 <p:sld xmlns:a="http://schemas.openxmlformats.org/drawingml/2006/main" xmlns:r="http://schemas.openxmlformats.org/officeDocument/2006/relationships" xmlns:p="http://schemas.openxmlformats.org/presentationml/2006/main">
   <p:cSld>
     <p:spTree>
@@ -4578,46 +4914,103 @@
       </p:grpSpPr>
       <p:sp>
         <p:nvSpPr>
-          <p:cNvPr id="2" name="标题 1"/>
-          <p:cNvSpPr>
-            <a:spLocks noGrp="1"/>
-          </p:cNvSpPr>
-          <p:nvPr>
-            <p:ph type="ctrTitle"/>
-          </p:nvPr>
-        </p:nvSpPr>
-        <p:spPr>
-          <a:xfrm>
-            <a:off x="1428465" y="341194"/>
-            <a:ext cx="9144000" cy="1148900"/>
-          </a:xfrm>
-        </p:spPr>
-        <p:txBody>
-          <a:bodyPr/>
+          <p:cNvPr id="3" name="标题 1"/>
+          <p:cNvSpPr txBox="1">
+            <a:spLocks/>
+          </p:cNvSpPr>
+          <p:nvPr/>
+        </p:nvSpPr>
+        <p:spPr>
+          <a:xfrm>
+            <a:off x="1352393" y="440267"/>
+            <a:ext cx="9144000" cy="1037696"/>
+          </a:xfrm>
+          <a:prstGeom prst="rect">
+            <a:avLst/>
+          </a:prstGeom>
+        </p:spPr>
+        <p:txBody>
+          <a:bodyPr vert="horz" lIns="91440" tIns="45720" rIns="91440" bIns="45720" rtlCol="0" anchor="b">
+            <a:normAutofit/>
+          </a:bodyPr>
+          <a:lstStyle>
+            <a:lvl1pPr algn="ctr" defTabSz="914400" rtl="0" eaLnBrk="1" latinLnBrk="0" hangingPunct="1">
+              <a:lnSpc>
+                <a:spcPct val="90000"/>
+              </a:lnSpc>
+              <a:spcBef>
+                <a:spcPct val="0"/>
+              </a:spcBef>
+              <a:buNone/>
+              <a:defRPr sz="6000" kern="1200">
+                <a:solidFill>
+                  <a:schemeClr val="tx1"/>
+                </a:solidFill>
+                <a:latin typeface="+mj-lt"/>
+                <a:ea typeface="+mj-ea"/>
+                <a:cs typeface="+mj-cs"/>
+              </a:defRPr>
+            </a:lvl1pPr>
+          </a:lstStyle>
+          <a:p>
+            <a:r>
+              <a:rPr kumimoji="1" lang="en-US" altLang="zh-CN" dirty="0"/>
+              <a:t>adidas</a:t>
+            </a:r>
+            <a:endParaRPr kumimoji="1" lang="zh-CN" altLang="en-US" dirty="0"/>
+          </a:p>
+        </p:txBody>
+      </p:sp>
+      <p:sp>
+        <p:nvSpPr>
+          <p:cNvPr id="2" name="矩形 1"/>
+          <p:cNvSpPr/>
+          <p:nvPr/>
+        </p:nvSpPr>
+        <p:spPr>
+          <a:xfrm>
+            <a:off x="3256948" y="1838615"/>
+            <a:ext cx="1127425" cy="584775"/>
+          </a:xfrm>
+          <a:prstGeom prst="rect">
+            <a:avLst/>
+          </a:prstGeom>
+        </p:spPr>
+        <p:txBody>
+          <a:bodyPr wrap="none">
+            <a:spAutoFit/>
+          </a:bodyPr>
           <a:lstStyle/>
           <a:p>
             <a:r>
-              <a:rPr kumimoji="1" lang="zh-CN" altLang="en-US" dirty="0" smtClean="0"/>
-              <a:t>跑步是一项危险的运动</a:t>
-            </a:r>
-            <a:endParaRPr lang="zh-CN" altLang="en-US" dirty="0"/>
+              <a:rPr kumimoji="1" lang="en-US" altLang="zh-CN" sz="3200" dirty="0" smtClean="0"/>
+              <a:t>boost</a:t>
+            </a:r>
+            <a:endParaRPr lang="zh-CN" altLang="en-US" sz="3200" dirty="0"/>
           </a:p>
         </p:txBody>
       </p:sp>
     </p:spTree>
     <p:extLst>
       <p:ext uri="{BB962C8B-B14F-4D97-AF65-F5344CB8AC3E}">
-        <p14:creationId xmlns:p14="http://schemas.microsoft.com/office/powerpoint/2010/main" val="3629642837"/>
+        <p14:creationId xmlns:p14="http://schemas.microsoft.com/office/powerpoint/2010/main" val="4239707030"/>
       </p:ext>
     </p:extLst>
   </p:cSld>
   <p:clrMapOvr>
     <a:masterClrMapping/>
   </p:clrMapOvr>
+  <p:timing>
+    <p:tnLst>
+      <p:par>
+        <p:cTn id="1" dur="indefinite" restart="never" nodeType="tmRoot"/>
+      </p:par>
+    </p:tnLst>
+  </p:timing>
 </p:sld>
 </file>
 
-<file path=ppt/slides/slide20.xml><?xml version="1.0" encoding="utf-8"?>
+<file path=ppt/slides/slide23.xml><?xml version="1.0" encoding="utf-8"?>
 <p:sld xmlns:a="http://schemas.openxmlformats.org/drawingml/2006/main" xmlns:r="http://schemas.openxmlformats.org/officeDocument/2006/relationships" xmlns:p="http://schemas.openxmlformats.org/presentationml/2006/main">
   <p:cSld>
     <p:spTree>
@@ -4676,114 +5069,6 @@
           </a:lstStyle>
           <a:p>
             <a:r>
-              <a:rPr kumimoji="1" lang="en-US" altLang="zh-CN" dirty="0"/>
-              <a:t>adidas</a:t>
-            </a:r>
-            <a:endParaRPr kumimoji="1" lang="zh-CN" altLang="en-US" dirty="0"/>
-          </a:p>
-        </p:txBody>
-      </p:sp>
-      <p:sp>
-        <p:nvSpPr>
-          <p:cNvPr id="2" name="矩形 1"/>
-          <p:cNvSpPr/>
-          <p:nvPr/>
-        </p:nvSpPr>
-        <p:spPr>
-          <a:xfrm>
-            <a:off x="3256948" y="1838615"/>
-            <a:ext cx="1127425" cy="584775"/>
-          </a:xfrm>
-          <a:prstGeom prst="rect">
-            <a:avLst/>
-          </a:prstGeom>
-        </p:spPr>
-        <p:txBody>
-          <a:bodyPr wrap="none">
-            <a:spAutoFit/>
-          </a:bodyPr>
-          <a:lstStyle/>
-          <a:p>
-            <a:r>
-              <a:rPr kumimoji="1" lang="en-US" altLang="zh-CN" sz="3200" dirty="0" smtClean="0"/>
-              <a:t>boost</a:t>
-            </a:r>
-            <a:endParaRPr lang="zh-CN" altLang="en-US" sz="3200" dirty="0"/>
-          </a:p>
-        </p:txBody>
-      </p:sp>
-    </p:spTree>
-    <p:extLst>
-      <p:ext uri="{BB962C8B-B14F-4D97-AF65-F5344CB8AC3E}">
-        <p14:creationId xmlns:p14="http://schemas.microsoft.com/office/powerpoint/2010/main" val="4239707030"/>
-      </p:ext>
-    </p:extLst>
-  </p:cSld>
-  <p:clrMapOvr>
-    <a:masterClrMapping/>
-  </p:clrMapOvr>
-</p:sld>
-</file>
-
-<file path=ppt/slides/slide21.xml><?xml version="1.0" encoding="utf-8"?>
-<p:sld xmlns:a="http://schemas.openxmlformats.org/drawingml/2006/main" xmlns:r="http://schemas.openxmlformats.org/officeDocument/2006/relationships" xmlns:p="http://schemas.openxmlformats.org/presentationml/2006/main">
-  <p:cSld>
-    <p:spTree>
-      <p:nvGrpSpPr>
-        <p:cNvPr id="1" name=""/>
-        <p:cNvGrpSpPr/>
-        <p:nvPr/>
-      </p:nvGrpSpPr>
-      <p:grpSpPr>
-        <a:xfrm>
-          <a:off x="0" y="0"/>
-          <a:ext cx="0" cy="0"/>
-          <a:chOff x="0" y="0"/>
-          <a:chExt cx="0" cy="0"/>
-        </a:xfrm>
-      </p:grpSpPr>
-      <p:sp>
-        <p:nvSpPr>
-          <p:cNvPr id="3" name="标题 1"/>
-          <p:cNvSpPr txBox="1">
-            <a:spLocks/>
-          </p:cNvSpPr>
-          <p:nvPr/>
-        </p:nvSpPr>
-        <p:spPr>
-          <a:xfrm>
-            <a:off x="1352393" y="440267"/>
-            <a:ext cx="9144000" cy="1037696"/>
-          </a:xfrm>
-          <a:prstGeom prst="rect">
-            <a:avLst/>
-          </a:prstGeom>
-        </p:spPr>
-        <p:txBody>
-          <a:bodyPr vert="horz" lIns="91440" tIns="45720" rIns="91440" bIns="45720" rtlCol="0" anchor="b">
-            <a:normAutofit/>
-          </a:bodyPr>
-          <a:lstStyle>
-            <a:lvl1pPr algn="ctr" defTabSz="914400" rtl="0" eaLnBrk="1" latinLnBrk="0" hangingPunct="1">
-              <a:lnSpc>
-                <a:spcPct val="90000"/>
-              </a:lnSpc>
-              <a:spcBef>
-                <a:spcPct val="0"/>
-              </a:spcBef>
-              <a:buNone/>
-              <a:defRPr sz="6000" kern="1200">
-                <a:solidFill>
-                  <a:schemeClr val="tx1"/>
-                </a:solidFill>
-                <a:latin typeface="+mj-lt"/>
-                <a:ea typeface="+mj-ea"/>
-                <a:cs typeface="+mj-cs"/>
-              </a:defRPr>
-            </a:lvl1pPr>
-          </a:lstStyle>
-          <a:p>
-            <a:r>
               <a:rPr kumimoji="1" lang="zh-CN" altLang="en-US" dirty="0" smtClean="0"/>
               <a:t>美津浓</a:t>
             </a:r>
@@ -4849,10 +5134,17 @@
   <p:clrMapOvr>
     <a:masterClrMapping/>
   </p:clrMapOvr>
+  <p:timing>
+    <p:tnLst>
+      <p:par>
+        <p:cTn id="1" dur="indefinite" restart="never" nodeType="tmRoot"/>
+      </p:par>
+    </p:tnLst>
+  </p:timing>
 </p:sld>
 </file>
 
-<file path=ppt/slides/slide22.xml><?xml version="1.0" encoding="utf-8"?>
+<file path=ppt/slides/slide24.xml><?xml version="1.0" encoding="utf-8"?>
 <p:sld xmlns:a="http://schemas.openxmlformats.org/drawingml/2006/main" xmlns:r="http://schemas.openxmlformats.org/officeDocument/2006/relationships" xmlns:p="http://schemas.openxmlformats.org/presentationml/2006/main">
   <p:cSld>
     <p:spTree>
@@ -4903,10 +5195,17 @@
   <p:clrMapOvr>
     <a:masterClrMapping/>
   </p:clrMapOvr>
+  <p:timing>
+    <p:tnLst>
+      <p:par>
+        <p:cTn id="1" dur="indefinite" restart="never" nodeType="tmRoot"/>
+      </p:par>
+    </p:tnLst>
+  </p:timing>
 </p:sld>
 </file>
 
-<file path=ppt/slides/slide23.xml><?xml version="1.0" encoding="utf-8"?>
+<file path=ppt/slides/slide25.xml><?xml version="1.0" encoding="utf-8"?>
 <p:sld xmlns:a="http://schemas.openxmlformats.org/drawingml/2006/main" xmlns:r="http://schemas.openxmlformats.org/officeDocument/2006/relationships" xmlns:p="http://schemas.openxmlformats.org/presentationml/2006/main">
   <p:cSld>
     <p:spTree>
@@ -4957,10 +5256,17 @@
   <p:clrMapOvr>
     <a:masterClrMapping/>
   </p:clrMapOvr>
+  <p:timing>
+    <p:tnLst>
+      <p:par>
+        <p:cTn id="1" dur="indefinite" restart="never" nodeType="tmRoot"/>
+      </p:par>
+    </p:tnLst>
+  </p:timing>
 </p:sld>
 </file>
 
-<file path=ppt/slides/slide24.xml><?xml version="1.0" encoding="utf-8"?>
+<file path=ppt/slides/slide26.xml><?xml version="1.0" encoding="utf-8"?>
 <p:sld xmlns:a="http://schemas.openxmlformats.org/drawingml/2006/main" xmlns:r="http://schemas.openxmlformats.org/officeDocument/2006/relationships" xmlns:p="http://schemas.openxmlformats.org/presentationml/2006/main">
   <p:cSld>
     <p:spTree>
@@ -5028,10 +5334,17 @@
   <p:clrMapOvr>
     <a:masterClrMapping/>
   </p:clrMapOvr>
+  <p:timing>
+    <p:tnLst>
+      <p:par>
+        <p:cTn id="1" dur="indefinite" restart="never" nodeType="tmRoot"/>
+      </p:par>
+    </p:tnLst>
+  </p:timing>
 </p:sld>
 </file>
 
-<file path=ppt/slides/slide25.xml><?xml version="1.0" encoding="utf-8"?>
+<file path=ppt/slides/slide27.xml><?xml version="1.0" encoding="utf-8"?>
 <p:sld xmlns:a="http://schemas.openxmlformats.org/drawingml/2006/main" xmlns:r="http://schemas.openxmlformats.org/officeDocument/2006/relationships" xmlns:p="http://schemas.openxmlformats.org/presentationml/2006/main">
   <p:cSld>
     <p:spTree>
@@ -5082,217 +5395,13 @@
   <p:clrMapOvr>
     <a:masterClrMapping/>
   </p:clrMapOvr>
-</p:sld>
-</file>
-
-<file path=ppt/slides/slide26.xml><?xml version="1.0" encoding="utf-8"?>
-<p:sld xmlns:a="http://schemas.openxmlformats.org/drawingml/2006/main" xmlns:r="http://schemas.openxmlformats.org/officeDocument/2006/relationships" xmlns:p="http://schemas.openxmlformats.org/presentationml/2006/main">
-  <p:cSld>
-    <p:spTree>
-      <p:nvGrpSpPr>
-        <p:cNvPr id="1" name=""/>
-        <p:cNvGrpSpPr/>
-        <p:nvPr/>
-      </p:nvGrpSpPr>
-      <p:grpSpPr>
-        <a:xfrm>
-          <a:off x="0" y="0"/>
-          <a:ext cx="0" cy="0"/>
-          <a:chOff x="0" y="0"/>
-          <a:chExt cx="0" cy="0"/>
-        </a:xfrm>
-      </p:grpSpPr>
-      <p:sp>
-        <p:nvSpPr>
-          <p:cNvPr id="4" name="矩形 3"/>
-          <p:cNvSpPr/>
-          <p:nvPr/>
-        </p:nvSpPr>
-        <p:spPr>
-          <a:xfrm>
-            <a:off x="932593" y="2592781"/>
-            <a:ext cx="10463285" cy="1200329"/>
-          </a:xfrm>
-          <a:prstGeom prst="rect">
-            <a:avLst/>
-          </a:prstGeom>
-        </p:spPr>
-        <p:txBody>
-          <a:bodyPr wrap="square">
-            <a:spAutoFit/>
-          </a:bodyPr>
-          <a:lstStyle/>
-          <a:p>
-            <a:r>
-              <a:rPr lang="zh-CN" altLang="en-US" dirty="0">
-                <a:solidFill>
-                  <a:srgbClr val="333333"/>
-                </a:solidFill>
-                <a:latin typeface="Helvetica" panose="020B0604020202020204" pitchFamily="34" charset="0"/>
-              </a:rPr>
-              <a:t>“崭新的水野牌（</a:t>
-            </a:r>
-            <a:r>
-              <a:rPr lang="en-US" altLang="zh-CN" dirty="0">
-                <a:solidFill>
-                  <a:srgbClr val="333333"/>
-                </a:solidFill>
-                <a:latin typeface="Helvetica" panose="020B0604020202020204" pitchFamily="34" charset="0"/>
-              </a:rPr>
-              <a:t>Mizuno</a:t>
-            </a:r>
-            <a:r>
-              <a:rPr lang="zh-CN" altLang="en-US" dirty="0">
-                <a:solidFill>
-                  <a:srgbClr val="333333"/>
-                </a:solidFill>
-                <a:latin typeface="Helvetica" panose="020B0604020202020204" pitchFamily="34" charset="0"/>
-              </a:rPr>
-              <a:t>）</a:t>
-            </a:r>
-            <a:r>
-              <a:rPr lang="zh-CN" altLang="en-US" dirty="0">
-                <a:latin typeface="Helvetica" panose="020B0604020202020204" pitchFamily="34" charset="0"/>
-              </a:rPr>
-              <a:t>慢跑鞋</a:t>
-            </a:r>
-            <a:r>
-              <a:rPr lang="zh-CN" altLang="en-US" dirty="0">
-                <a:solidFill>
-                  <a:srgbClr val="333333"/>
-                </a:solidFill>
-                <a:latin typeface="Helvetica" panose="020B0604020202020204" pitchFamily="34" charset="0"/>
-              </a:rPr>
-              <a:t>买好了</a:t>
-            </a:r>
-            <a:r>
-              <a:rPr lang="en-US" altLang="zh-CN" dirty="0">
-                <a:solidFill>
-                  <a:srgbClr val="333333"/>
-                </a:solidFill>
-                <a:latin typeface="Helvetica" panose="020B0604020202020204" pitchFamily="34" charset="0"/>
-              </a:rPr>
-              <a:t>……</a:t>
-            </a:r>
-            <a:r>
-              <a:rPr lang="zh-CN" altLang="en-US" dirty="0">
-                <a:solidFill>
-                  <a:srgbClr val="333333"/>
-                </a:solidFill>
-                <a:latin typeface="Helvetica" panose="020B0604020202020204" pitchFamily="34" charset="0"/>
-              </a:rPr>
-              <a:t>一如往常，是那种不屑去讨好顾客的脚感</a:t>
-            </a:r>
-            <a:r>
-              <a:rPr lang="en-US" altLang="zh-CN" dirty="0">
-                <a:solidFill>
-                  <a:srgbClr val="333333"/>
-                </a:solidFill>
-                <a:latin typeface="Helvetica" panose="020B0604020202020204" pitchFamily="34" charset="0"/>
-              </a:rPr>
-              <a:t>……</a:t>
-            </a:r>
-            <a:r>
-              <a:rPr lang="zh-CN" altLang="en-US" dirty="0">
-                <a:solidFill>
-                  <a:srgbClr val="333333"/>
-                </a:solidFill>
-                <a:latin typeface="Helvetica" panose="020B0604020202020204" pitchFamily="34" charset="0"/>
-              </a:rPr>
-              <a:t>这当然只是我的感想，萝卜青菜各有所爱吧。从前，我曾有机会跟水野慢跑鞋的销售负责人交谈过，当时他很有些不平：‘我们公司的鞋子外形朴素，不引人瞩目。虽然对于产品，我们很有自信，可就是看上去不讨人喜欢呀。’”</a:t>
-            </a:r>
-            <a:endParaRPr lang="zh-CN" altLang="en-US" dirty="0"/>
-          </a:p>
-        </p:txBody>
-      </p:sp>
-    </p:spTree>
-    <p:extLst>
-      <p:ext uri="{BB962C8B-B14F-4D97-AF65-F5344CB8AC3E}">
-        <p14:creationId xmlns:p14="http://schemas.microsoft.com/office/powerpoint/2010/main" val="3775161474"/>
-      </p:ext>
-    </p:extLst>
-  </p:cSld>
-  <p:clrMapOvr>
-    <a:masterClrMapping/>
-  </p:clrMapOvr>
-</p:sld>
-</file>
-
-<file path=ppt/slides/slide27.xml><?xml version="1.0" encoding="utf-8"?>
-<p:sld xmlns:a="http://schemas.openxmlformats.org/drawingml/2006/main" xmlns:r="http://schemas.openxmlformats.org/officeDocument/2006/relationships" xmlns:p="http://schemas.openxmlformats.org/presentationml/2006/main">
-  <p:cSld>
-    <p:spTree>
-      <p:nvGrpSpPr>
-        <p:cNvPr id="1" name=""/>
-        <p:cNvGrpSpPr/>
-        <p:nvPr/>
-      </p:nvGrpSpPr>
-      <p:grpSpPr>
-        <a:xfrm>
-          <a:off x="0" y="0"/>
-          <a:ext cx="0" cy="0"/>
-          <a:chOff x="0" y="0"/>
-          <a:chExt cx="0" cy="0"/>
-        </a:xfrm>
-      </p:grpSpPr>
-      <p:sp>
-        <p:nvSpPr>
-          <p:cNvPr id="3" name="标题 1"/>
-          <p:cNvSpPr txBox="1">
-            <a:spLocks/>
-          </p:cNvSpPr>
-          <p:nvPr/>
-        </p:nvSpPr>
-        <p:spPr>
-          <a:xfrm>
-            <a:off x="1638996" y="344732"/>
-            <a:ext cx="9144000" cy="1037696"/>
-          </a:xfrm>
-          <a:prstGeom prst="rect">
-            <a:avLst/>
-          </a:prstGeom>
-        </p:spPr>
-        <p:txBody>
-          <a:bodyPr vert="horz" lIns="91440" tIns="45720" rIns="91440" bIns="45720" rtlCol="0" anchor="b">
-            <a:normAutofit/>
-          </a:bodyPr>
-          <a:lstStyle>
-            <a:lvl1pPr algn="ctr" defTabSz="914400" rtl="0" eaLnBrk="1" latinLnBrk="0" hangingPunct="1">
-              <a:lnSpc>
-                <a:spcPct val="90000"/>
-              </a:lnSpc>
-              <a:spcBef>
-                <a:spcPct val="0"/>
-              </a:spcBef>
-              <a:buNone/>
-              <a:defRPr sz="6000" kern="1200">
-                <a:solidFill>
-                  <a:schemeClr val="tx1"/>
-                </a:solidFill>
-                <a:latin typeface="+mj-lt"/>
-                <a:ea typeface="+mj-ea"/>
-                <a:cs typeface="+mj-cs"/>
-              </a:defRPr>
-            </a:lvl1pPr>
-          </a:lstStyle>
-          <a:p>
-            <a:r>
-              <a:rPr lang="zh-CN" altLang="en-US" dirty="0"/>
-              <a:t>跑步是最省钱的运动</a:t>
-            </a:r>
-          </a:p>
-        </p:txBody>
-      </p:sp>
-    </p:spTree>
-    <p:extLst>
-      <p:ext uri="{BB962C8B-B14F-4D97-AF65-F5344CB8AC3E}">
-        <p14:creationId xmlns:p14="http://schemas.microsoft.com/office/powerpoint/2010/main" val="3363770656"/>
-      </p:ext>
-    </p:extLst>
-  </p:cSld>
-  <p:clrMapOvr>
-    <a:masterClrMapping/>
-  </p:clrMapOvr>
+  <p:timing>
+    <p:tnLst>
+      <p:par>
+        <p:cTn id="1" dur="indefinite" restart="never" nodeType="tmRoot"/>
+      </p:par>
+    </p:tnLst>
+  </p:timing>
 </p:sld>
 </file>
 
@@ -5315,6 +5424,91 @@
       </p:grpSpPr>
       <p:sp>
         <p:nvSpPr>
+          <p:cNvPr id="3" name="标题 1"/>
+          <p:cNvSpPr txBox="1">
+            <a:spLocks/>
+          </p:cNvSpPr>
+          <p:nvPr/>
+        </p:nvSpPr>
+        <p:spPr>
+          <a:xfrm>
+            <a:off x="1638996" y="344732"/>
+            <a:ext cx="9144000" cy="1037696"/>
+          </a:xfrm>
+          <a:prstGeom prst="rect">
+            <a:avLst/>
+          </a:prstGeom>
+        </p:spPr>
+        <p:txBody>
+          <a:bodyPr vert="horz" lIns="91440" tIns="45720" rIns="91440" bIns="45720" rtlCol="0" anchor="b">
+            <a:normAutofit/>
+          </a:bodyPr>
+          <a:lstStyle>
+            <a:lvl1pPr algn="ctr" defTabSz="914400" rtl="0" eaLnBrk="1" latinLnBrk="0" hangingPunct="1">
+              <a:lnSpc>
+                <a:spcPct val="90000"/>
+              </a:lnSpc>
+              <a:spcBef>
+                <a:spcPct val="0"/>
+              </a:spcBef>
+              <a:buNone/>
+              <a:defRPr sz="6000" kern="1200">
+                <a:solidFill>
+                  <a:schemeClr val="tx1"/>
+                </a:solidFill>
+                <a:latin typeface="+mj-lt"/>
+                <a:ea typeface="+mj-ea"/>
+                <a:cs typeface="+mj-cs"/>
+              </a:defRPr>
+            </a:lvl1pPr>
+          </a:lstStyle>
+          <a:p>
+            <a:r>
+              <a:rPr lang="zh-CN" altLang="en-US" dirty="0"/>
+              <a:t>跑步是最省钱的运动</a:t>
+            </a:r>
+          </a:p>
+        </p:txBody>
+      </p:sp>
+    </p:spTree>
+    <p:extLst>
+      <p:ext uri="{BB962C8B-B14F-4D97-AF65-F5344CB8AC3E}">
+        <p14:creationId xmlns:p14="http://schemas.microsoft.com/office/powerpoint/2010/main" val="3363770656"/>
+      </p:ext>
+    </p:extLst>
+  </p:cSld>
+  <p:clrMapOvr>
+    <a:masterClrMapping/>
+  </p:clrMapOvr>
+  <p:timing>
+    <p:tnLst>
+      <p:par>
+        <p:cTn id="1" dur="indefinite" restart="never" nodeType="tmRoot"/>
+      </p:par>
+    </p:tnLst>
+  </p:timing>
+</p:sld>
+</file>
+
+<file path=ppt/slides/slide29.xml><?xml version="1.0" encoding="utf-8"?>
+<p:sld xmlns:a="http://schemas.openxmlformats.org/drawingml/2006/main" xmlns:r="http://schemas.openxmlformats.org/officeDocument/2006/relationships" xmlns:p="http://schemas.openxmlformats.org/presentationml/2006/main">
+  <p:cSld>
+    <p:spTree>
+      <p:nvGrpSpPr>
+        <p:cNvPr id="1" name=""/>
+        <p:cNvGrpSpPr/>
+        <p:nvPr/>
+      </p:nvGrpSpPr>
+      <p:grpSpPr>
+        <a:xfrm>
+          <a:off x="0" y="0"/>
+          <a:ext cx="0" cy="0"/>
+          <a:chOff x="0" y="0"/>
+          <a:chExt cx="0" cy="0"/>
+        </a:xfrm>
+      </p:grpSpPr>
+      <p:sp>
+        <p:nvSpPr>
           <p:cNvPr id="2" name="矩形 1"/>
           <p:cNvSpPr/>
           <p:nvPr/>
@@ -5387,6 +5581,13 @@
   <p:clrMapOvr>
     <a:masterClrMapping/>
   </p:clrMapOvr>
+  <p:timing>
+    <p:tnLst>
+      <p:par>
+        <p:cTn id="1" dur="indefinite" restart="never" nodeType="tmRoot"/>
+      </p:par>
+    </p:tnLst>
+  </p:timing>
 </p:sld>
 </file>
 
@@ -5781,6 +5982,13 @@
   <p:clrMapOvr>
     <a:masterClrMapping/>
   </p:clrMapOvr>
+  <p:timing>
+    <p:tnLst>
+      <p:par>
+        <p:cTn id="1" dur="indefinite" restart="never" nodeType="tmRoot"/>
+      </p:par>
+    </p:tnLst>
+  </p:timing>
 </p:sld>
 </file>
 
@@ -5864,6 +6072,13 @@
   <p:clrMapOvr>
     <a:masterClrMapping/>
   </p:clrMapOvr>
+  <p:timing>
+    <p:tnLst>
+      <p:par>
+        <p:cTn id="1" dur="indefinite" restart="never" nodeType="tmRoot"/>
+      </p:par>
+    </p:tnLst>
+  </p:timing>
 </p:sld>
 </file>
 
@@ -5941,8 +6156,8 @@
         </p:nvSpPr>
         <p:spPr>
           <a:xfrm>
-            <a:off x="5546110" y="1559851"/>
-            <a:ext cx="6443662" cy="707886"/>
+            <a:off x="2011339" y="2569785"/>
+            <a:ext cx="8183538" cy="954107"/>
           </a:xfrm>
           <a:prstGeom prst="rect">
             <a:avLst/>
@@ -5955,149 +6170,13 @@
           <a:lstStyle/>
           <a:p>
             <a:r>
-              <a:rPr lang="zh-CN" altLang="en-US" sz="2000" b="1" dirty="0">
+              <a:rPr lang="zh-CN" altLang="en-US" sz="2800" dirty="0">
                 <a:solidFill>
                   <a:srgbClr val="191919"/>
                 </a:solidFill>
                 <a:latin typeface="PingFang SC" charset="-122"/>
               </a:rPr>
               <a:t>跑鞋不是为了让你跑得更快，而是为了让你跑步的时候不受伤</a:t>
-            </a:r>
-            <a:endParaRPr lang="zh-CN" altLang="en-US" sz="2000" dirty="0"/>
-          </a:p>
-        </p:txBody>
-      </p:sp>
-      <p:sp>
-        <p:nvSpPr>
-          <p:cNvPr id="4" name="矩形 3"/>
-          <p:cNvSpPr/>
-          <p:nvPr/>
-        </p:nvSpPr>
-        <p:spPr>
-          <a:xfrm>
-            <a:off x="3287953" y="2588483"/>
-            <a:ext cx="1627369" cy="3108543"/>
-          </a:xfrm>
-          <a:prstGeom prst="rect">
-            <a:avLst/>
-          </a:prstGeom>
-        </p:spPr>
-        <p:txBody>
-          <a:bodyPr wrap="none">
-            <a:spAutoFit/>
-          </a:bodyPr>
-          <a:lstStyle/>
-          <a:p>
-            <a:r>
-              <a:rPr lang="zh-CN" altLang="en-US" sz="2800" b="1" dirty="0">
-                <a:solidFill>
-                  <a:srgbClr val="1A1A1A"/>
-                </a:solidFill>
-                <a:latin typeface="-apple-system" charset="0"/>
-              </a:rPr>
-              <a:t>慢</a:t>
-            </a:r>
-            <a:r>
-              <a:rPr lang="zh-CN" altLang="en-US" sz="2800" b="1" dirty="0" smtClean="0">
-                <a:solidFill>
-                  <a:srgbClr val="1A1A1A"/>
-                </a:solidFill>
-                <a:latin typeface="-apple-system" charset="0"/>
-              </a:rPr>
-              <a:t>跑鞋</a:t>
-            </a:r>
-            <a:endParaRPr lang="en-US" altLang="zh-CN" sz="2800" b="1" dirty="0" smtClean="0">
-              <a:solidFill>
-                <a:srgbClr val="1A1A1A"/>
-              </a:solidFill>
-              <a:latin typeface="-apple-system" charset="0"/>
-            </a:endParaRPr>
-          </a:p>
-          <a:p>
-            <a:endParaRPr lang="en-US" altLang="zh-CN" sz="2800" dirty="0" smtClean="0">
-              <a:solidFill>
-                <a:srgbClr val="1A1A1A"/>
-              </a:solidFill>
-              <a:latin typeface="-apple-system" charset="0"/>
-            </a:endParaRPr>
-          </a:p>
-          <a:p>
-            <a:r>
-              <a:rPr lang="zh-CN" altLang="en-US" sz="2800" b="1" dirty="0" smtClean="0">
-                <a:solidFill>
-                  <a:srgbClr val="1A1A1A"/>
-                </a:solidFill>
-                <a:latin typeface="-apple-system" charset="0"/>
-              </a:rPr>
-              <a:t>越野鞋</a:t>
-            </a:r>
-            <a:endParaRPr lang="en-US" altLang="zh-CN" sz="2800" b="1" dirty="0" smtClean="0">
-              <a:solidFill>
-                <a:srgbClr val="1A1A1A"/>
-              </a:solidFill>
-              <a:latin typeface="-apple-system" charset="0"/>
-            </a:endParaRPr>
-          </a:p>
-          <a:p>
-            <a:endParaRPr lang="en-US" altLang="zh-CN" sz="2800" dirty="0" smtClean="0">
-              <a:solidFill>
-                <a:srgbClr val="1A1A1A"/>
-              </a:solidFill>
-              <a:latin typeface="-apple-system" charset="0"/>
-            </a:endParaRPr>
-          </a:p>
-          <a:p>
-            <a:r>
-              <a:rPr lang="zh-CN" altLang="en-US" sz="2800" b="1" dirty="0" smtClean="0">
-                <a:solidFill>
-                  <a:srgbClr val="1A1A1A"/>
-                </a:solidFill>
-                <a:latin typeface="-apple-system" charset="0"/>
-              </a:rPr>
-              <a:t>马拉松鞋</a:t>
-            </a:r>
-            <a:endParaRPr lang="en-US" altLang="zh-CN" sz="2800" b="1" dirty="0" smtClean="0">
-              <a:solidFill>
-                <a:srgbClr val="1A1A1A"/>
-              </a:solidFill>
-              <a:latin typeface="-apple-system" charset="0"/>
-            </a:endParaRPr>
-          </a:p>
-          <a:p>
-            <a:r>
-              <a:rPr lang="zh-CN" altLang="en-US" sz="2800" b="1" dirty="0">
-                <a:solidFill>
-                  <a:srgbClr val="1A1A1A"/>
-                </a:solidFill>
-                <a:latin typeface="-apple-system" charset="0"/>
-              </a:rPr>
-              <a:t> </a:t>
-            </a:r>
-            <a:endParaRPr lang="en-US" altLang="zh-CN" sz="2800" dirty="0" smtClean="0">
-              <a:solidFill>
-                <a:srgbClr val="1A1A1A"/>
-              </a:solidFill>
-              <a:latin typeface="-apple-system" charset="0"/>
-            </a:endParaRPr>
-          </a:p>
-          <a:p>
-            <a:r>
-              <a:rPr lang="zh-CN" altLang="en-US" sz="2800" b="1" dirty="0" smtClean="0">
-                <a:solidFill>
-                  <a:srgbClr val="1A1A1A"/>
-                </a:solidFill>
-                <a:latin typeface="-apple-system" charset="0"/>
-              </a:rPr>
-              <a:t>赤足</a:t>
-            </a:r>
-            <a:r>
-              <a:rPr lang="zh-CN" altLang="en-US" sz="2800" b="1" dirty="0">
-                <a:solidFill>
-                  <a:srgbClr val="1A1A1A"/>
-                </a:solidFill>
-                <a:latin typeface="-apple-system" charset="0"/>
-              </a:rPr>
-              <a:t>鞋</a:t>
             </a:r>
             <a:endParaRPr lang="zh-CN" altLang="en-US" sz="2800" dirty="0"/>
           </a:p>
@@ -6113,6 +6192,13 @@
   <p:clrMapOvr>
     <a:masterClrMapping/>
   </p:clrMapOvr>
+  <p:timing>
+    <p:tnLst>
+      <p:par>
+        <p:cTn id="1" dur="indefinite" restart="never" nodeType="tmRoot"/>
+      </p:par>
+    </p:tnLst>
+  </p:timing>
 </p:sld>
 </file>
 
@@ -6176,70 +6262,169 @@
           <a:p>
             <a:r>
               <a:rPr kumimoji="1" lang="zh-CN" altLang="en-US" dirty="0" smtClean="0"/>
-              <a:t>足弓</a:t>
+              <a:t>跑鞋</a:t>
+            </a:r>
+            <a:r>
+              <a:rPr kumimoji="1" lang="zh-CN" altLang="en-US" dirty="0"/>
+              <a:t>分类</a:t>
             </a:r>
             <a:endParaRPr kumimoji="1" lang="zh-CN" altLang="en-US" dirty="0"/>
           </a:p>
         </p:txBody>
       </p:sp>
-      <p:pic>
-        <p:nvPicPr>
-          <p:cNvPr id="4" name="图片 3"/>
-          <p:cNvPicPr>
-            <a:picLocks noChangeAspect="1"/>
-          </p:cNvPicPr>
+      <p:sp>
+        <p:nvSpPr>
+          <p:cNvPr id="4" name="矩形 3"/>
+          <p:cNvSpPr/>
           <p:nvPr/>
-        </p:nvPicPr>
-        <p:blipFill>
-          <a:blip r:embed="rId2"/>
-          <a:stretch>
-            <a:fillRect/>
-          </a:stretch>
-        </p:blipFill>
-        <p:spPr>
-          <a:xfrm>
-            <a:off x="6078055" y="1774208"/>
-            <a:ext cx="5181348" cy="3154385"/>
+        </p:nvSpPr>
+        <p:spPr>
+          <a:xfrm>
+            <a:off x="3260657" y="2233641"/>
+            <a:ext cx="1627369" cy="3108543"/>
           </a:xfrm>
           <a:prstGeom prst="rect">
             <a:avLst/>
           </a:prstGeom>
         </p:spPr>
-      </p:pic>
-      <p:pic>
-        <p:nvPicPr>
-          <p:cNvPr id="2" name="图片 1"/>
-          <p:cNvPicPr>
-            <a:picLocks noChangeAspect="1"/>
-          </p:cNvPicPr>
-          <p:nvPr/>
-        </p:nvPicPr>
-        <p:blipFill>
-          <a:blip r:embed="rId3"/>
-          <a:stretch>
-            <a:fillRect/>
-          </a:stretch>
-        </p:blipFill>
-        <p:spPr>
-          <a:xfrm>
-            <a:off x="2654569" y="1310071"/>
-            <a:ext cx="2149444" cy="3657827"/>
-          </a:xfrm>
-          <a:prstGeom prst="rect">
-            <a:avLst/>
-          </a:prstGeom>
-        </p:spPr>
-      </p:pic>
+        <p:txBody>
+          <a:bodyPr wrap="none">
+            <a:spAutoFit/>
+          </a:bodyPr>
+          <a:lstStyle/>
+          <a:p>
+            <a:r>
+              <a:rPr lang="zh-CN" altLang="en-US" sz="2800" dirty="0">
+                <a:solidFill>
+                  <a:srgbClr val="1A1A1A"/>
+                </a:solidFill>
+                <a:latin typeface="-apple-system" charset="0"/>
+              </a:rPr>
+              <a:t>慢</a:t>
+            </a:r>
+            <a:r>
+              <a:rPr lang="zh-CN" altLang="en-US" sz="2800" dirty="0" smtClean="0">
+                <a:solidFill>
+                  <a:srgbClr val="1A1A1A"/>
+                </a:solidFill>
+                <a:latin typeface="-apple-system" charset="0"/>
+              </a:rPr>
+              <a:t>跑鞋</a:t>
+            </a:r>
+            <a:endParaRPr lang="en-US" altLang="zh-CN" sz="2800" dirty="0" smtClean="0">
+              <a:solidFill>
+                <a:srgbClr val="1A1A1A"/>
+              </a:solidFill>
+              <a:latin typeface="-apple-system" charset="0"/>
+            </a:endParaRPr>
+          </a:p>
+          <a:p>
+            <a:endParaRPr lang="en-US" altLang="zh-CN" sz="2800" dirty="0" smtClean="0">
+              <a:solidFill>
+                <a:srgbClr val="1A1A1A"/>
+              </a:solidFill>
+              <a:latin typeface="-apple-system" charset="0"/>
+            </a:endParaRPr>
+          </a:p>
+          <a:p>
+            <a:r>
+              <a:rPr lang="zh-CN" altLang="en-US" sz="2800" dirty="0" smtClean="0">
+                <a:solidFill>
+                  <a:srgbClr val="1A1A1A"/>
+                </a:solidFill>
+                <a:latin typeface="-apple-system" charset="0"/>
+              </a:rPr>
+              <a:t>越野鞋</a:t>
+            </a:r>
+            <a:endParaRPr lang="en-US" altLang="zh-CN" sz="2800" dirty="0" smtClean="0">
+              <a:solidFill>
+                <a:srgbClr val="1A1A1A"/>
+              </a:solidFill>
+              <a:latin typeface="-apple-system" charset="0"/>
+            </a:endParaRPr>
+          </a:p>
+          <a:p>
+            <a:endParaRPr lang="en-US" altLang="zh-CN" sz="2800" dirty="0" smtClean="0">
+              <a:solidFill>
+                <a:srgbClr val="1A1A1A"/>
+              </a:solidFill>
+              <a:latin typeface="-apple-system" charset="0"/>
+            </a:endParaRPr>
+          </a:p>
+          <a:p>
+            <a:r>
+              <a:rPr lang="zh-CN" altLang="en-US" sz="2800" dirty="0" smtClean="0">
+                <a:solidFill>
+                  <a:srgbClr val="1A1A1A"/>
+                </a:solidFill>
+                <a:latin typeface="-apple-system" charset="0"/>
+              </a:rPr>
+              <a:t>马拉松鞋</a:t>
+            </a:r>
+            <a:endParaRPr lang="en-US" altLang="zh-CN" sz="2800" dirty="0" smtClean="0">
+              <a:solidFill>
+                <a:srgbClr val="1A1A1A"/>
+              </a:solidFill>
+              <a:latin typeface="-apple-system" charset="0"/>
+            </a:endParaRPr>
+          </a:p>
+          <a:p>
+            <a:r>
+              <a:rPr lang="zh-CN" altLang="en-US" sz="2800" dirty="0">
+                <a:solidFill>
+                  <a:srgbClr val="1A1A1A"/>
+                </a:solidFill>
+                <a:latin typeface="-apple-system" charset="0"/>
+              </a:rPr>
+              <a:t> </a:t>
+            </a:r>
+            <a:endParaRPr lang="en-US" altLang="zh-CN" sz="2800" dirty="0" smtClean="0">
+              <a:solidFill>
+                <a:srgbClr val="1A1A1A"/>
+              </a:solidFill>
+              <a:latin typeface="-apple-system" charset="0"/>
+            </a:endParaRPr>
+          </a:p>
+          <a:p>
+            <a:r>
+              <a:rPr lang="zh-CN" altLang="en-US" sz="2800" dirty="0" smtClean="0">
+                <a:solidFill>
+                  <a:srgbClr val="1A1A1A"/>
+                </a:solidFill>
+                <a:latin typeface="-apple-system" charset="0"/>
+              </a:rPr>
+              <a:t>赤足</a:t>
+            </a:r>
+            <a:r>
+              <a:rPr lang="zh-CN" altLang="en-US" sz="2800" dirty="0">
+                <a:solidFill>
+                  <a:srgbClr val="1A1A1A"/>
+                </a:solidFill>
+                <a:latin typeface="-apple-system" charset="0"/>
+              </a:rPr>
+              <a:t>鞋</a:t>
+            </a:r>
+            <a:endParaRPr lang="zh-CN" altLang="en-US" sz="2800" dirty="0"/>
+          </a:p>
+        </p:txBody>
+      </p:sp>
     </p:spTree>
     <p:extLst>
       <p:ext uri="{BB962C8B-B14F-4D97-AF65-F5344CB8AC3E}">
-        <p14:creationId xmlns:p14="http://schemas.microsoft.com/office/powerpoint/2010/main" val="1348104753"/>
+        <p14:creationId xmlns:p14="http://schemas.microsoft.com/office/powerpoint/2010/main" val="525972668"/>
       </p:ext>
     </p:extLst>
   </p:cSld>
   <p:clrMapOvr>
     <a:masterClrMapping/>
   </p:clrMapOvr>
+  <p:timing>
+    <p:tnLst>
+      <p:par>
+        <p:cTn id="1" dur="indefinite" restart="never" nodeType="tmRoot"/>
+      </p:par>
+    </p:tnLst>
+  </p:timing>
 </p:sld>
 </file>
 
